--- a/rvstore_hackathon/Kubernetes-RV Store Hackathon.pptx
+++ b/rvstore_hackathon/Kubernetes-RV Store Hackathon.pptx
@@ -6,7 +6,7 @@
     <p:sldMasterId id="2147483666" r:id="rId2"/>
   </p:sldMasterIdLst>
   <p:notesMasterIdLst>
-    <p:notesMasterId r:id="rId18"/>
+    <p:notesMasterId r:id="rId21"/>
   </p:notesMasterIdLst>
   <p:sldIdLst>
     <p:sldId id="453" r:id="rId3"/>
@@ -14,16 +14,19 @@
     <p:sldId id="381" r:id="rId5"/>
     <p:sldId id="437" r:id="rId6"/>
     <p:sldId id="765" r:id="rId7"/>
-    <p:sldId id="813" r:id="rId8"/>
-    <p:sldId id="814" r:id="rId9"/>
-    <p:sldId id="815" r:id="rId10"/>
-    <p:sldId id="806" r:id="rId11"/>
-    <p:sldId id="808" r:id="rId12"/>
-    <p:sldId id="816" r:id="rId13"/>
-    <p:sldId id="809" r:id="rId14"/>
-    <p:sldId id="810" r:id="rId15"/>
-    <p:sldId id="811" r:id="rId16"/>
-    <p:sldId id="812" r:id="rId17"/>
+    <p:sldId id="819" r:id="rId8"/>
+    <p:sldId id="813" r:id="rId9"/>
+    <p:sldId id="814" r:id="rId10"/>
+    <p:sldId id="815" r:id="rId11"/>
+    <p:sldId id="806" r:id="rId12"/>
+    <p:sldId id="808" r:id="rId13"/>
+    <p:sldId id="816" r:id="rId14"/>
+    <p:sldId id="809" r:id="rId15"/>
+    <p:sldId id="810" r:id="rId16"/>
+    <p:sldId id="818" r:id="rId17"/>
+    <p:sldId id="811" r:id="rId18"/>
+    <p:sldId id="817" r:id="rId19"/>
+    <p:sldId id="812" r:id="rId20"/>
   </p:sldIdLst>
   <p:sldSz cx="12192000" cy="6858000"/>
   <p:notesSz cx="6858000" cy="9144000"/>
@@ -476,7 +479,7 @@
           <a:p>
             <a:fld id="{52C7B5E8-5650-4264-A661-2CC42BB409CD}" type="datetimeFigureOut">
               <a:rPr lang="en-US" smtClean="0"/>
-              <a:t>3/11/21</a:t>
+              <a:t>4/3/21</a:t>
             </a:fld>
             <a:endParaRPr lang="en-US"/>
           </a:p>
@@ -2837,7 +2840,7 @@
         <p:spPr>
           <a:xfrm>
             <a:off x="1311897" y="1168924"/>
-            <a:ext cx="9398524" cy="6955750"/>
+            <a:ext cx="9398524" cy="8309967"/>
           </a:xfrm>
           <a:prstGeom prst="rect">
             <a:avLst/>
@@ -2861,7 +2864,25 @@
                 </a:solidFill>
                 <a:latin typeface="Raleway Medium" panose="020B0603030101060003" pitchFamily="34" charset="77"/>
               </a:rPr>
-              <a:t>This is a Golang application. It serves up the product information as a REST API.</a:t>
+              <a:t>This is an Angular application running </a:t>
+            </a:r>
+            <a:r>
+              <a:rPr lang="en-US" sz="2400" dirty="0" err="1">
+                <a:solidFill>
+                  <a:schemeClr val="bg1"/>
+                </a:solidFill>
+                <a:latin typeface="Raleway Medium" panose="020B0603030101060003" pitchFamily="34" charset="77"/>
+              </a:rPr>
+              <a:t>nginx</a:t>
+            </a:r>
+            <a:r>
+              <a:rPr lang="en-US" sz="2400" dirty="0">
+                <a:solidFill>
+                  <a:schemeClr val="bg1"/>
+                </a:solidFill>
+                <a:latin typeface="Raleway Medium" panose="020B0603030101060003" pitchFamily="34" charset="77"/>
+              </a:rPr>
+              <a:t> to serve the files</a:t>
             </a:r>
           </a:p>
           <a:p>
@@ -2876,7 +2897,7 @@
                 </a:solidFill>
                 <a:latin typeface="Raleway Medium" panose="020B0603030101060003" pitchFamily="34" charset="77"/>
               </a:rPr>
-              <a:t>The application serves at port 9001</a:t>
+              <a:t>The application serves at port 80</a:t>
             </a:r>
           </a:p>
           <a:p>
@@ -2891,7 +2912,7 @@
                 </a:solidFill>
                 <a:latin typeface="Raleway Medium" panose="020B0603030101060003" pitchFamily="34" charset="77"/>
               </a:rPr>
-              <a:t>The application should only be accessible inside the cluster</a:t>
+              <a:t>This application should be publicly accessible</a:t>
             </a:r>
           </a:p>
           <a:p>
@@ -2933,58 +2954,7 @@
                 </a:solidFill>
                 <a:latin typeface="Raleway Medium" panose="020B0603030101060003" pitchFamily="34" charset="77"/>
               </a:rPr>
-              <a:t>rvstore</a:t>
-            </a:r>
-            <a:r>
-              <a:rPr lang="en-US" sz="2400" dirty="0">
-                <a:solidFill>
-                  <a:schemeClr val="bg1"/>
-                </a:solidFill>
-                <a:latin typeface="Raleway Medium" panose="020B0603030101060003" pitchFamily="34" charset="77"/>
-              </a:rPr>
-              <a:t>-product-</a:t>
-            </a:r>
-            <a:r>
-              <a:rPr lang="en-US" sz="2400" dirty="0" err="1">
-                <a:solidFill>
-                  <a:schemeClr val="bg1"/>
-                </a:solidFill>
-                <a:latin typeface="Raleway Medium" panose="020B0603030101060003" pitchFamily="34" charset="77"/>
-              </a:rPr>
-              <a:t>api</a:t>
-            </a:r>
-            <a:r>
-              <a:rPr lang="en-US" sz="2400" dirty="0">
-                <a:solidFill>
-                  <a:schemeClr val="bg1"/>
-                </a:solidFill>
-                <a:latin typeface="Raleway Medium" panose="020B0603030101060003" pitchFamily="34" charset="77"/>
-              </a:rPr>
-              <a:t> </a:t>
-            </a:r>
-          </a:p>
-          <a:p>
-            <a:pPr marL="342900" indent="-342900">
-              <a:buFont typeface="Arial" panose="020B0604020202020204" pitchFamily="34" charset="0"/>
-              <a:buChar char="•"/>
-            </a:pPr>
-            <a:r>
-              <a:rPr lang="en-US" sz="2400" dirty="0">
-                <a:solidFill>
-                  <a:schemeClr val="bg1"/>
-                </a:solidFill>
-                <a:latin typeface="Raleway Medium" panose="020B0603030101060003" pitchFamily="34" charset="77"/>
-              </a:rPr>
-              <a:t>You must provide an environment variable specifying the internal directory location of the product data: </a:t>
-            </a:r>
-            <a:r>
-              <a:rPr lang="en-US" sz="2000" dirty="0">
-                <a:solidFill>
-                  <a:schemeClr val="bg1"/>
-                </a:solidFill>
-                <a:latin typeface="Raleway Medium" panose="020B0603030101060003" pitchFamily="34" charset="77"/>
-              </a:rPr>
-              <a:t>PRODUCT_FILE_LOCATION. I suggest /data/products</a:t>
+              <a:t>rvstore-ui</a:t>
             </a:r>
             <a:endParaRPr lang="en-US" sz="2400" dirty="0">
               <a:solidFill>
@@ -3005,17 +2975,14 @@
                 </a:solidFill>
                 <a:latin typeface="Raleway Medium" panose="020B0603030101060003" pitchFamily="34" charset="77"/>
               </a:rPr>
-              <a:t>You must provide the </a:t>
-            </a:r>
-            <a:r>
-              <a:rPr lang="en-US" sz="2400" dirty="0" err="1">
-                <a:solidFill>
-                  <a:schemeClr val="bg1"/>
-                </a:solidFill>
-                <a:latin typeface="Raleway Medium" panose="020B0603030101060003" pitchFamily="34" charset="77"/>
-              </a:rPr>
-              <a:t>products.json</a:t>
-            </a:r>
+              <a:t>No environment variables needed</a:t>
+            </a:r>
+          </a:p>
+          <a:p>
+            <a:pPr marL="342900" indent="-342900">
+              <a:buFont typeface="Arial" panose="020B0604020202020204" pitchFamily="34" charset="0"/>
+              <a:buChar char="•"/>
+            </a:pPr>
             <a:r>
               <a:rPr lang="en-US" sz="2400" dirty="0">
                 <a:solidFill>
@@ -3023,43 +2990,7 @@
                 </a:solidFill>
                 <a:latin typeface="Raleway Medium" panose="020B0603030101060003" pitchFamily="34" charset="77"/>
               </a:rPr>
-              <a:t> file to the container in a </a:t>
-            </a:r>
-            <a:r>
-              <a:rPr lang="en-US" sz="2400" dirty="0" err="1">
-                <a:solidFill>
-                  <a:schemeClr val="bg1"/>
-                </a:solidFill>
-                <a:latin typeface="Raleway Medium" panose="020B0603030101060003" pitchFamily="34" charset="77"/>
-              </a:rPr>
-              <a:t>ConfigMap</a:t>
-            </a:r>
-            <a:r>
-              <a:rPr lang="en-US" sz="2400" dirty="0">
-                <a:solidFill>
-                  <a:schemeClr val="bg1"/>
-                </a:solidFill>
-                <a:latin typeface="Raleway Medium" panose="020B0603030101060003" pitchFamily="34" charset="77"/>
-              </a:rPr>
-              <a:t>. Place it inside the container at the same location as the </a:t>
-            </a:r>
-            <a:r>
-              <a:rPr lang="en-US" sz="2000" dirty="0">
-                <a:solidFill>
-                  <a:schemeClr val="bg1"/>
-                </a:solidFill>
-                <a:latin typeface="Raleway Medium" panose="020B0603030101060003" pitchFamily="34" charset="77"/>
-              </a:rPr>
-              <a:t>PRODUCT_FILE_LOCATION</a:t>
-            </a:r>
-            <a:r>
-              <a:rPr lang="en-US" sz="2400" dirty="0">
-                <a:solidFill>
-                  <a:schemeClr val="bg1"/>
-                </a:solidFill>
-                <a:latin typeface="Raleway Medium" panose="020B0603030101060003" pitchFamily="34" charset="77"/>
-              </a:rPr>
-              <a:t> you gave above.</a:t>
+              <a:t>The UI gets its data by making HTTP calls to the backend gateway API. </a:t>
             </a:r>
           </a:p>
           <a:p>
@@ -3074,17 +3005,14 @@
                 </a:solidFill>
                 <a:latin typeface="Raleway Medium" panose="020B0603030101060003" pitchFamily="34" charset="77"/>
               </a:rPr>
-              <a:t>The </a:t>
-            </a:r>
-            <a:r>
-              <a:rPr lang="en-US" sz="2400" dirty="0" err="1">
-                <a:solidFill>
-                  <a:schemeClr val="bg1"/>
-                </a:solidFill>
-                <a:latin typeface="Raleway Medium" panose="020B0603030101060003" pitchFamily="34" charset="77"/>
-              </a:rPr>
-              <a:t>products.json</a:t>
-            </a:r>
+              <a:t>&lt;backend&gt;/products to get product information</a:t>
+            </a:r>
+          </a:p>
+          <a:p>
+            <a:pPr marL="800100" lvl="1" indent="-342900">
+              <a:buFont typeface="Arial" panose="020B0604020202020204" pitchFamily="34" charset="0"/>
+              <a:buChar char="•"/>
+            </a:pPr>
             <a:r>
               <a:rPr lang="en-US" sz="2400" dirty="0">
                 <a:solidFill>
@@ -3092,17 +3020,14 @@
                 </a:solidFill>
                 <a:latin typeface="Raleway Medium" panose="020B0603030101060003" pitchFamily="34" charset="77"/>
               </a:rPr>
-              <a:t> file can be found in the exercise files in the </a:t>
-            </a:r>
-            <a:r>
-              <a:rPr lang="en-US" sz="2400" dirty="0" err="1">
-                <a:solidFill>
-                  <a:schemeClr val="bg1"/>
-                </a:solidFill>
-                <a:latin typeface="Raleway Medium" panose="020B0603030101060003" pitchFamily="34" charset="77"/>
-              </a:rPr>
-              <a:t>rvstore_hackathon</a:t>
-            </a:r>
+              <a:t>&lt;backend&gt;/products/_search to search the Elasticsearch instance</a:t>
+            </a:r>
+          </a:p>
+          <a:p>
+            <a:pPr marL="800100" lvl="1" indent="-342900">
+              <a:buFont typeface="Arial" panose="020B0604020202020204" pitchFamily="34" charset="0"/>
+              <a:buChar char="•"/>
+            </a:pPr>
             <a:r>
               <a:rPr lang="en-US" sz="2400" dirty="0">
                 <a:solidFill>
@@ -3110,7 +3035,22 @@
                 </a:solidFill>
                 <a:latin typeface="Raleway Medium" panose="020B0603030101060003" pitchFamily="34" charset="77"/>
               </a:rPr>
-              <a:t> directory.</a:t>
+              <a:t>&lt;backend&gt;/orders to get order information</a:t>
+            </a:r>
+          </a:p>
+          <a:p>
+            <a:pPr marL="800100" lvl="1" indent="-342900">
+              <a:buFont typeface="Arial" panose="020B0604020202020204" pitchFamily="34" charset="0"/>
+              <a:buChar char="•"/>
+            </a:pPr>
+            <a:r>
+              <a:rPr lang="en-US" sz="2400" dirty="0">
+                <a:solidFill>
+                  <a:schemeClr val="bg1"/>
+                </a:solidFill>
+                <a:latin typeface="Raleway Medium" panose="020B0603030101060003" pitchFamily="34" charset="77"/>
+              </a:rPr>
+              <a:t>&lt;backend&gt;/auth to get auth information</a:t>
             </a:r>
           </a:p>
           <a:p>
@@ -3125,8 +3065,29 @@
                 </a:solidFill>
                 <a:latin typeface="Raleway Medium" panose="020B0603030101060003" pitchFamily="34" charset="77"/>
               </a:rPr>
-              <a:t>You can test the service at http://&lt;service&gt;/products</a:t>
-            </a:r>
+              <a:t>In the UI itself, there is a text box to enter the base URL of the backend gateway service. Note that it must include the trailing slash.</a:t>
+            </a:r>
+          </a:p>
+          <a:p>
+            <a:pPr marL="342900" indent="-342900">
+              <a:buFont typeface="Arial" panose="020B0604020202020204" pitchFamily="34" charset="0"/>
+              <a:buChar char="•"/>
+            </a:pPr>
+            <a:endParaRPr lang="en-US" sz="2400" dirty="0">
+              <a:solidFill>
+                <a:schemeClr val="bg1"/>
+              </a:solidFill>
+              <a:latin typeface="Raleway Medium" panose="020B0603030101060003" pitchFamily="34" charset="77"/>
+            </a:endParaRPr>
+          </a:p>
+          <a:p>
+            <a:pPr marL="800100" lvl="1" indent="-342900">
+              <a:buFont typeface="Arial" panose="020B0604020202020204" pitchFamily="34" charset="0"/>
+              <a:buChar char="•"/>
+            </a:pPr>
+            <a:endParaRPr lang="en-US" dirty="0"/>
+          </a:p>
+          <a:p>
             <a:br>
               <a:rPr lang="en-US" dirty="0"/>
             </a:br>
@@ -3201,7 +3162,7 @@
         <p:spPr>
           <a:xfrm>
             <a:off x="650450" y="369988"/>
-            <a:ext cx="10742974" cy="609600"/>
+            <a:ext cx="8748074" cy="609600"/>
           </a:xfrm>
         </p:spPr>
         <p:txBody>
@@ -3233,23 +3194,7 @@
                   <a:schemeClr val="accent3"/>
                 </a:solidFill>
               </a:rPr>
-              <a:t>product </a:t>
-            </a:r>
-            <a:r>
-              <a:rPr lang="en-US" sz="6000" dirty="0" err="1">
-                <a:solidFill>
-                  <a:schemeClr val="accent3"/>
-                </a:solidFill>
-              </a:rPr>
-              <a:t>api</a:t>
-            </a:r>
-            <a:r>
-              <a:rPr lang="en-US" sz="6000" dirty="0">
-                <a:solidFill>
-                  <a:schemeClr val="accent3"/>
-                </a:solidFill>
-              </a:rPr>
-              <a:t> application</a:t>
+              <a:t>UI application</a:t>
             </a:r>
             <a:endParaRPr lang="en-US" sz="6000" dirty="0"/>
           </a:p>
@@ -3258,7 +3203,7 @@
     </p:spTree>
     <p:extLst>
       <p:ext uri="{BB962C8B-B14F-4D97-AF65-F5344CB8AC3E}">
-        <p14:creationId xmlns:p14="http://schemas.microsoft.com/office/powerpoint/2010/main" val="419806019"/>
+        <p14:creationId xmlns:p14="http://schemas.microsoft.com/office/powerpoint/2010/main" val="3830125298"/>
       </p:ext>
     </p:extLst>
   </p:cSld>
@@ -3571,7 +3516,7 @@
         <p:spPr>
           <a:xfrm>
             <a:off x="1311897" y="1168924"/>
-            <a:ext cx="9398524" cy="4801314"/>
+            <a:ext cx="9398524" cy="6955750"/>
           </a:xfrm>
           <a:prstGeom prst="rect">
             <a:avLst/>
@@ -3595,7 +3540,7 @@
                 </a:solidFill>
                 <a:latin typeface="Raleway Medium" panose="020B0603030101060003" pitchFamily="34" charset="77"/>
               </a:rPr>
-              <a:t>This is a Golang application. It serves up a JSON Web Token (JWT) in response to a login attempt. It does not take a username/password, but instead gives back a JWT any time the login endpoint is called.</a:t>
+              <a:t>This is a Golang application. It serves up the product information as a REST API.</a:t>
             </a:r>
           </a:p>
           <a:p>
@@ -3610,7 +3555,7 @@
                 </a:solidFill>
                 <a:latin typeface="Raleway Medium" panose="020B0603030101060003" pitchFamily="34" charset="77"/>
               </a:rPr>
-              <a:t>The application serves at port 9003</a:t>
+              <a:t>The application serves at port 9001</a:t>
             </a:r>
           </a:p>
           <a:p>
@@ -3676,7 +3621,7 @@
                 </a:solidFill>
                 <a:latin typeface="Raleway Medium" panose="020B0603030101060003" pitchFamily="34" charset="77"/>
               </a:rPr>
-              <a:t>-auth-</a:t>
+              <a:t>-product-</a:t>
             </a:r>
             <a:r>
               <a:rPr lang="en-US" sz="2400" dirty="0" err="1">
@@ -3709,7 +3654,157 @@
                 </a:solidFill>
                 <a:latin typeface="Raleway Medium" panose="020B0603030101060003" pitchFamily="34" charset="77"/>
               </a:rPr>
-              <a:t>You can test the service at http://&lt;service&gt;/auth/login</a:t>
+              <a:t>You must provide an environment variable specifying the internal directory location of the product data: </a:t>
+            </a:r>
+            <a:r>
+              <a:rPr lang="en-US" sz="2000" dirty="0">
+                <a:solidFill>
+                  <a:schemeClr val="bg1"/>
+                </a:solidFill>
+                <a:latin typeface="Raleway Medium" panose="020B0603030101060003" pitchFamily="34" charset="77"/>
+              </a:rPr>
+              <a:t>PRODUCT_FILE_LOCATION. I suggest /data/products</a:t>
+            </a:r>
+            <a:endParaRPr lang="en-US" sz="2400" dirty="0">
+              <a:solidFill>
+                <a:schemeClr val="bg1"/>
+              </a:solidFill>
+              <a:latin typeface="Raleway Medium" panose="020B0603030101060003" pitchFamily="34" charset="77"/>
+            </a:endParaRPr>
+          </a:p>
+          <a:p>
+            <a:pPr marL="342900" indent="-342900">
+              <a:buFont typeface="Arial" panose="020B0604020202020204" pitchFamily="34" charset="0"/>
+              <a:buChar char="•"/>
+            </a:pPr>
+            <a:r>
+              <a:rPr lang="en-US" sz="2400" dirty="0">
+                <a:solidFill>
+                  <a:schemeClr val="bg1"/>
+                </a:solidFill>
+                <a:latin typeface="Raleway Medium" panose="020B0603030101060003" pitchFamily="34" charset="77"/>
+              </a:rPr>
+              <a:t>You must provide the </a:t>
+            </a:r>
+            <a:r>
+              <a:rPr lang="en-US" sz="2400" dirty="0" err="1">
+                <a:solidFill>
+                  <a:schemeClr val="bg1"/>
+                </a:solidFill>
+                <a:latin typeface="Raleway Medium" panose="020B0603030101060003" pitchFamily="34" charset="77"/>
+              </a:rPr>
+              <a:t>products.json</a:t>
+            </a:r>
+            <a:r>
+              <a:rPr lang="en-US" sz="2400" dirty="0">
+                <a:solidFill>
+                  <a:schemeClr val="bg1"/>
+                </a:solidFill>
+                <a:latin typeface="Raleway Medium" panose="020B0603030101060003" pitchFamily="34" charset="77"/>
+              </a:rPr>
+              <a:t> file to the container in a </a:t>
+            </a:r>
+            <a:r>
+              <a:rPr lang="en-US" sz="2400" dirty="0" err="1">
+                <a:solidFill>
+                  <a:schemeClr val="bg1"/>
+                </a:solidFill>
+                <a:latin typeface="Raleway Medium" panose="020B0603030101060003" pitchFamily="34" charset="77"/>
+              </a:rPr>
+              <a:t>ConfigMap</a:t>
+            </a:r>
+            <a:r>
+              <a:rPr lang="en-US" sz="2400" dirty="0">
+                <a:solidFill>
+                  <a:schemeClr val="bg1"/>
+                </a:solidFill>
+                <a:latin typeface="Raleway Medium" panose="020B0603030101060003" pitchFamily="34" charset="77"/>
+              </a:rPr>
+              <a:t>. Place it inside the container at the same location as the </a:t>
+            </a:r>
+            <a:r>
+              <a:rPr lang="en-US" sz="2000" dirty="0">
+                <a:solidFill>
+                  <a:schemeClr val="bg1"/>
+                </a:solidFill>
+                <a:latin typeface="Raleway Medium" panose="020B0603030101060003" pitchFamily="34" charset="77"/>
+              </a:rPr>
+              <a:t>PRODUCT_FILE_LOCATION</a:t>
+            </a:r>
+            <a:r>
+              <a:rPr lang="en-US" sz="2400" dirty="0">
+                <a:solidFill>
+                  <a:schemeClr val="bg1"/>
+                </a:solidFill>
+                <a:latin typeface="Raleway Medium" panose="020B0603030101060003" pitchFamily="34" charset="77"/>
+              </a:rPr>
+              <a:t> you gave above.</a:t>
+            </a:r>
+          </a:p>
+          <a:p>
+            <a:pPr marL="800100" lvl="1" indent="-342900">
+              <a:buFont typeface="Arial" panose="020B0604020202020204" pitchFamily="34" charset="0"/>
+              <a:buChar char="•"/>
+            </a:pPr>
+            <a:r>
+              <a:rPr lang="en-US" sz="2400" dirty="0">
+                <a:solidFill>
+                  <a:schemeClr val="bg1"/>
+                </a:solidFill>
+                <a:latin typeface="Raleway Medium" panose="020B0603030101060003" pitchFamily="34" charset="77"/>
+              </a:rPr>
+              <a:t>The </a:t>
+            </a:r>
+            <a:r>
+              <a:rPr lang="en-US" sz="2400" dirty="0" err="1">
+                <a:solidFill>
+                  <a:schemeClr val="bg1"/>
+                </a:solidFill>
+                <a:latin typeface="Raleway Medium" panose="020B0603030101060003" pitchFamily="34" charset="77"/>
+              </a:rPr>
+              <a:t>products.json</a:t>
+            </a:r>
+            <a:r>
+              <a:rPr lang="en-US" sz="2400" dirty="0">
+                <a:solidFill>
+                  <a:schemeClr val="bg1"/>
+                </a:solidFill>
+                <a:latin typeface="Raleway Medium" panose="020B0603030101060003" pitchFamily="34" charset="77"/>
+              </a:rPr>
+              <a:t> file can be found in the exercise files in the </a:t>
+            </a:r>
+            <a:r>
+              <a:rPr lang="en-US" sz="2400" dirty="0" err="1">
+                <a:solidFill>
+                  <a:schemeClr val="bg1"/>
+                </a:solidFill>
+                <a:latin typeface="Raleway Medium" panose="020B0603030101060003" pitchFamily="34" charset="77"/>
+              </a:rPr>
+              <a:t>rvstore_hackathon</a:t>
+            </a:r>
+            <a:r>
+              <a:rPr lang="en-US" sz="2400" dirty="0">
+                <a:solidFill>
+                  <a:schemeClr val="bg1"/>
+                </a:solidFill>
+                <a:latin typeface="Raleway Medium" panose="020B0603030101060003" pitchFamily="34" charset="77"/>
+              </a:rPr>
+              <a:t> directory.</a:t>
+            </a:r>
+          </a:p>
+          <a:p>
+            <a:pPr marL="342900" indent="-342900">
+              <a:buFont typeface="Arial" panose="020B0604020202020204" pitchFamily="34" charset="0"/>
+              <a:buChar char="•"/>
+            </a:pPr>
+            <a:r>
+              <a:rPr lang="en-US" sz="2400" dirty="0">
+                <a:solidFill>
+                  <a:schemeClr val="bg1"/>
+                </a:solidFill>
+                <a:latin typeface="Raleway Medium" panose="020B0603030101060003" pitchFamily="34" charset="77"/>
+              </a:rPr>
+              <a:t>You can test the service at http://&lt;service&gt;/products</a:t>
             </a:r>
             <a:br>
               <a:rPr lang="en-US" dirty="0"/>
@@ -3817,7 +3912,7 @@
                   <a:schemeClr val="accent3"/>
                 </a:solidFill>
               </a:rPr>
-              <a:t>authentication </a:t>
+              <a:t>product </a:t>
             </a:r>
             <a:r>
               <a:rPr lang="en-US" sz="6000" dirty="0" err="1">
@@ -3842,7 +3937,7 @@
     </p:spTree>
     <p:extLst>
       <p:ext uri="{BB962C8B-B14F-4D97-AF65-F5344CB8AC3E}">
-        <p14:creationId xmlns:p14="http://schemas.microsoft.com/office/powerpoint/2010/main" val="3403166053"/>
+        <p14:creationId xmlns:p14="http://schemas.microsoft.com/office/powerpoint/2010/main" val="419806019"/>
       </p:ext>
     </p:extLst>
   </p:cSld>
@@ -4155,7 +4250,7 @@
         <p:spPr>
           <a:xfrm>
             <a:off x="1311897" y="1168924"/>
-            <a:ext cx="9398524" cy="6093976"/>
+            <a:ext cx="9398524" cy="4801314"/>
           </a:xfrm>
           <a:prstGeom prst="rect">
             <a:avLst/>
@@ -4179,7 +4274,7 @@
                 </a:solidFill>
                 <a:latin typeface="Raleway Medium" panose="020B0603030101060003" pitchFamily="34" charset="77"/>
               </a:rPr>
-              <a:t>This is a Java Spring Boot application. It receives order data and stores it in the Mongo database</a:t>
+              <a:t>This is a Golang application. It serves up a JSON Web Token (JWT) in response to a login attempt. It does not take a username/password, but instead gives back a JWT any time the login endpoint is called.</a:t>
             </a:r>
           </a:p>
           <a:p>
@@ -4194,7 +4289,7 @@
                 </a:solidFill>
                 <a:latin typeface="Raleway Medium" panose="020B0603030101060003" pitchFamily="34" charset="77"/>
               </a:rPr>
-              <a:t>The application serves at port 9002</a:t>
+              <a:t>The application serves at port 9003</a:t>
             </a:r>
           </a:p>
           <a:p>
@@ -4224,7 +4319,7 @@
                 </a:solidFill>
                 <a:latin typeface="Raleway Medium" panose="020B0603030101060003" pitchFamily="34" charset="77"/>
               </a:rPr>
-              <a:t>It communicates with the Mongo service by name </a:t>
+              <a:t>Docker image: </a:t>
             </a:r>
             <a:r>
               <a:rPr lang="en-US" sz="2400" dirty="0" err="1">
@@ -4233,6 +4328,24 @@
                 </a:solidFill>
                 <a:latin typeface="Raleway Medium" panose="020B0603030101060003" pitchFamily="34" charset="77"/>
               </a:rPr>
+              <a:t>public.ecr.aws</a:t>
+            </a:r>
+            <a:r>
+              <a:rPr lang="en-US" sz="2400" dirty="0">
+                <a:solidFill>
+                  <a:schemeClr val="bg1"/>
+                </a:solidFill>
+                <a:latin typeface="Raleway Medium" panose="020B0603030101060003" pitchFamily="34" charset="77"/>
+              </a:rPr>
+              <a:t>/e7e6w2e3/</a:t>
+            </a:r>
+            <a:r>
+              <a:rPr lang="en-US" sz="2400" dirty="0" err="1">
+                <a:solidFill>
+                  <a:schemeClr val="bg1"/>
+                </a:solidFill>
+                <a:latin typeface="Raleway Medium" panose="020B0603030101060003" pitchFamily="34" charset="77"/>
+              </a:rPr>
               <a:t>rvstore</a:t>
             </a:r>
             <a:r>
@@ -4242,7 +4355,7 @@
                 </a:solidFill>
                 <a:latin typeface="Raleway Medium" panose="020B0603030101060003" pitchFamily="34" charset="77"/>
               </a:rPr>
-              <a:t>-orders-</a:t>
+              <a:t>-auth-</a:t>
             </a:r>
             <a:r>
               <a:rPr lang="en-US" sz="2400" dirty="0" err="1">
@@ -4251,14 +4364,17 @@
                 </a:solidFill>
                 <a:latin typeface="Raleway Medium" panose="020B0603030101060003" pitchFamily="34" charset="77"/>
               </a:rPr>
-              <a:t>mongodb</a:t>
-            </a:r>
-            <a:endParaRPr lang="en-US" sz="2400" dirty="0">
-              <a:solidFill>
-                <a:schemeClr val="bg1"/>
-              </a:solidFill>
-              <a:latin typeface="Raleway Medium" panose="020B0603030101060003" pitchFamily="34" charset="77"/>
-            </a:endParaRPr>
+              <a:t>api</a:t>
+            </a:r>
+            <a:r>
+              <a:rPr lang="en-US" sz="2400" dirty="0">
+                <a:solidFill>
+                  <a:schemeClr val="bg1"/>
+                </a:solidFill>
+                <a:latin typeface="Raleway Medium" panose="020B0603030101060003" pitchFamily="34" charset="77"/>
+              </a:rPr>
+              <a:t> </a:t>
+            </a:r>
           </a:p>
           <a:p>
             <a:pPr marL="342900" indent="-342900">
@@ -4272,116 +4388,8 @@
                 </a:solidFill>
                 <a:latin typeface="Raleway Medium" panose="020B0603030101060003" pitchFamily="34" charset="77"/>
               </a:rPr>
-              <a:t>Docker image: </a:t>
-            </a:r>
-            <a:r>
-              <a:rPr lang="en-US" sz="2400" dirty="0" err="1">
-                <a:solidFill>
-                  <a:schemeClr val="bg1"/>
-                </a:solidFill>
-                <a:latin typeface="Raleway Medium" panose="020B0603030101060003" pitchFamily="34" charset="77"/>
-              </a:rPr>
-              <a:t>public.ecr.aws</a:t>
-            </a:r>
-            <a:r>
-              <a:rPr lang="en-US" sz="2400" dirty="0">
-                <a:solidFill>
-                  <a:schemeClr val="bg1"/>
-                </a:solidFill>
-                <a:latin typeface="Raleway Medium" panose="020B0603030101060003" pitchFamily="34" charset="77"/>
-              </a:rPr>
-              <a:t>/e7e6w2e3/</a:t>
-            </a:r>
-            <a:r>
-              <a:rPr lang="en-US" sz="2400" dirty="0" err="1">
-                <a:solidFill>
-                  <a:schemeClr val="bg1"/>
-                </a:solidFill>
-                <a:latin typeface="Raleway Medium" panose="020B0603030101060003" pitchFamily="34" charset="77"/>
-              </a:rPr>
-              <a:t>rvstore</a:t>
-            </a:r>
-            <a:r>
-              <a:rPr lang="en-US" sz="2400" dirty="0">
-                <a:solidFill>
-                  <a:schemeClr val="bg1"/>
-                </a:solidFill>
-                <a:latin typeface="Raleway Medium" panose="020B0603030101060003" pitchFamily="34" charset="77"/>
-              </a:rPr>
-              <a:t>-order-</a:t>
-            </a:r>
-            <a:r>
-              <a:rPr lang="en-US" sz="2400" dirty="0" err="1">
-                <a:solidFill>
-                  <a:schemeClr val="bg1"/>
-                </a:solidFill>
-                <a:latin typeface="Raleway Medium" panose="020B0603030101060003" pitchFamily="34" charset="77"/>
-              </a:rPr>
-              <a:t>api</a:t>
-            </a:r>
-            <a:r>
-              <a:rPr lang="en-US" sz="2400" dirty="0">
-                <a:solidFill>
-                  <a:schemeClr val="bg1"/>
-                </a:solidFill>
-                <a:latin typeface="Raleway Medium" panose="020B0603030101060003" pitchFamily="34" charset="77"/>
-              </a:rPr>
-              <a:t> </a:t>
-            </a:r>
-          </a:p>
-          <a:p>
-            <a:pPr marL="342900" indent="-342900">
-              <a:buFont typeface="Arial" panose="020B0604020202020204" pitchFamily="34" charset="0"/>
-              <a:buChar char="•"/>
-            </a:pPr>
-            <a:r>
-              <a:rPr lang="en-US" sz="2400" dirty="0">
-                <a:solidFill>
-                  <a:schemeClr val="bg1"/>
-                </a:solidFill>
-                <a:latin typeface="Raleway Medium" panose="020B0603030101060003" pitchFamily="34" charset="77"/>
-              </a:rPr>
-              <a:t>Environment variables needed:</a:t>
-            </a:r>
-          </a:p>
-          <a:p>
-            <a:pPr marL="800100" lvl="1" indent="-342900">
-              <a:buFont typeface="Arial" panose="020B0604020202020204" pitchFamily="34" charset="0"/>
-              <a:buChar char="•"/>
-            </a:pPr>
-            <a:r>
-              <a:rPr lang="en-US" sz="2000" dirty="0">
-                <a:solidFill>
-                  <a:schemeClr val="bg1"/>
-                </a:solidFill>
-                <a:latin typeface="Raleway Medium" panose="020B0603030101060003" pitchFamily="34" charset="77"/>
-              </a:rPr>
-              <a:t>SPRING_PROFILES_ACTIVE: compose</a:t>
-            </a:r>
-          </a:p>
-          <a:p>
-            <a:pPr marL="342900" indent="-342900">
-              <a:buFont typeface="Arial" panose="020B0604020202020204" pitchFamily="34" charset="0"/>
-              <a:buChar char="•"/>
-            </a:pPr>
-            <a:r>
-              <a:rPr lang="en-US" sz="2400" dirty="0">
-                <a:solidFill>
-                  <a:schemeClr val="bg1"/>
-                </a:solidFill>
-                <a:latin typeface="Raleway Medium" panose="020B0603030101060003" pitchFamily="34" charset="77"/>
-              </a:rPr>
-              <a:t>You can test the service at http://&lt;service&gt;/orders</a:t>
-            </a:r>
-          </a:p>
-          <a:p>
-            <a:pPr marL="800100" lvl="1" indent="-342900">
-              <a:buFont typeface="Arial" panose="020B0604020202020204" pitchFamily="34" charset="0"/>
-              <a:buChar char="•"/>
-            </a:pPr>
-            <a:endParaRPr lang="en-US" dirty="0"/>
-          </a:p>
-          <a:p>
+              <a:t>You can test the service at http://&lt;service&gt;/auth/login</a:t>
+            </a:r>
             <a:br>
               <a:rPr lang="en-US" dirty="0"/>
             </a:br>
@@ -4488,7 +4496,7 @@
                   <a:schemeClr val="accent3"/>
                 </a:solidFill>
               </a:rPr>
-              <a:t>order </a:t>
+              <a:t>authentication </a:t>
             </a:r>
             <a:r>
               <a:rPr lang="en-US" sz="6000" dirty="0" err="1">
@@ -4513,7 +4521,7 @@
     </p:spTree>
     <p:extLst>
       <p:ext uri="{BB962C8B-B14F-4D97-AF65-F5344CB8AC3E}">
-        <p14:creationId xmlns:p14="http://schemas.microsoft.com/office/powerpoint/2010/main" val="2376917831"/>
+        <p14:creationId xmlns:p14="http://schemas.microsoft.com/office/powerpoint/2010/main" val="3403166053"/>
       </p:ext>
     </p:extLst>
   </p:cSld>
@@ -4826,7 +4834,7 @@
         <p:spPr>
           <a:xfrm>
             <a:off x="1311897" y="1168924"/>
-            <a:ext cx="9398524" cy="6401753"/>
+            <a:ext cx="9398524" cy="6093976"/>
           </a:xfrm>
           <a:prstGeom prst="rect">
             <a:avLst/>
@@ -4850,7 +4858,7 @@
                 </a:solidFill>
                 <a:latin typeface="Raleway Medium" panose="020B0603030101060003" pitchFamily="34" charset="77"/>
               </a:rPr>
-              <a:t>This is a Java Spring Boot application. It generates random orders and submits them to the order API periodically.</a:t>
+              <a:t>This is a Java Spring Boot application. It receives order data and stores it in the Mongo database</a:t>
             </a:r>
           </a:p>
           <a:p>
@@ -4865,7 +4873,7 @@
                 </a:solidFill>
                 <a:latin typeface="Raleway Medium" panose="020B0603030101060003" pitchFamily="34" charset="77"/>
               </a:rPr>
-              <a:t>There is no port number for this app. It is not a web app but instead just a background process.</a:t>
+              <a:t>The application serves at port 9002</a:t>
             </a:r>
           </a:p>
           <a:p>
@@ -4880,7 +4888,7 @@
                 </a:solidFill>
                 <a:latin typeface="Raleway Medium" panose="020B0603030101060003" pitchFamily="34" charset="77"/>
               </a:rPr>
-              <a:t>It communicates with the Gateway service at: http://rvstore-api-gateway:9000</a:t>
+              <a:t>The application should only be accessible inside the cluster</a:t>
             </a:r>
           </a:p>
           <a:p>
@@ -4895,8 +4903,41 @@
                 </a:solidFill>
                 <a:latin typeface="Raleway Medium" panose="020B0603030101060003" pitchFamily="34" charset="77"/>
               </a:rPr>
-              <a:t>Only one copy of the application should run.</a:t>
-            </a:r>
+              <a:t>It communicates with the Mongo service by name </a:t>
+            </a:r>
+            <a:r>
+              <a:rPr lang="en-US" sz="2400" dirty="0" err="1">
+                <a:solidFill>
+                  <a:schemeClr val="bg1"/>
+                </a:solidFill>
+                <a:latin typeface="Raleway Medium" panose="020B0603030101060003" pitchFamily="34" charset="77"/>
+              </a:rPr>
+              <a:t>rvstore</a:t>
+            </a:r>
+            <a:r>
+              <a:rPr lang="en-US" sz="2400" dirty="0">
+                <a:solidFill>
+                  <a:schemeClr val="bg1"/>
+                </a:solidFill>
+                <a:latin typeface="Raleway Medium" panose="020B0603030101060003" pitchFamily="34" charset="77"/>
+              </a:rPr>
+              <a:t>-orders-</a:t>
+            </a:r>
+            <a:r>
+              <a:rPr lang="en-US" sz="2400" dirty="0" err="1">
+                <a:solidFill>
+                  <a:schemeClr val="bg1"/>
+                </a:solidFill>
+                <a:latin typeface="Raleway Medium" panose="020B0603030101060003" pitchFamily="34" charset="77"/>
+              </a:rPr>
+              <a:t>mongodb</a:t>
+            </a:r>
+            <a:endParaRPr lang="en-US" sz="2400" dirty="0">
+              <a:solidFill>
+                <a:schemeClr val="bg1"/>
+              </a:solidFill>
+              <a:latin typeface="Raleway Medium" panose="020B0603030101060003" pitchFamily="34" charset="77"/>
+            </a:endParaRPr>
           </a:p>
           <a:p>
             <a:pPr marL="342900" indent="-342900">
@@ -4946,7 +4987,25 @@
                 </a:solidFill>
                 <a:latin typeface="Raleway Medium" panose="020B0603030101060003" pitchFamily="34" charset="77"/>
               </a:rPr>
-              <a:t>-order-simulator</a:t>
+              <a:t>-order-</a:t>
+            </a:r>
+            <a:r>
+              <a:rPr lang="en-US" sz="2400" dirty="0" err="1">
+                <a:solidFill>
+                  <a:schemeClr val="bg1"/>
+                </a:solidFill>
+                <a:latin typeface="Raleway Medium" panose="020B0603030101060003" pitchFamily="34" charset="77"/>
+              </a:rPr>
+              <a:t>api</a:t>
+            </a:r>
+            <a:r>
+              <a:rPr lang="en-US" sz="2400" dirty="0">
+                <a:solidFill>
+                  <a:schemeClr val="bg1"/>
+                </a:solidFill>
+                <a:latin typeface="Raleway Medium" panose="020B0603030101060003" pitchFamily="34" charset="77"/>
+              </a:rPr>
+              <a:t> </a:t>
             </a:r>
           </a:p>
           <a:p>
@@ -4977,6 +5036,21 @@
                 <a:latin typeface="Raleway Medium" panose="020B0603030101060003" pitchFamily="34" charset="77"/>
               </a:rPr>
               <a:t>SPRING_PROFILES_ACTIVE: compose</a:t>
+            </a:r>
+          </a:p>
+          <a:p>
+            <a:pPr marL="342900" indent="-342900">
+              <a:buFont typeface="Arial" panose="020B0604020202020204" pitchFamily="34" charset="0"/>
+              <a:buChar char="•"/>
+            </a:pPr>
+            <a:r>
+              <a:rPr lang="en-US" sz="2400" dirty="0">
+                <a:solidFill>
+                  <a:schemeClr val="bg1"/>
+                </a:solidFill>
+                <a:latin typeface="Raleway Medium" panose="020B0603030101060003" pitchFamily="34" charset="77"/>
+              </a:rPr>
+              <a:t>You can test the service at http://&lt;service&gt;/orders</a:t>
             </a:r>
           </a:p>
           <a:p>
@@ -5093,7 +5167,23 @@
                   <a:schemeClr val="accent3"/>
                 </a:solidFill>
               </a:rPr>
-              <a:t>order simulator application</a:t>
+              <a:t>order </a:t>
+            </a:r>
+            <a:r>
+              <a:rPr lang="en-US" sz="6000" dirty="0" err="1">
+                <a:solidFill>
+                  <a:schemeClr val="accent3"/>
+                </a:solidFill>
+              </a:rPr>
+              <a:t>api</a:t>
+            </a:r>
+            <a:r>
+              <a:rPr lang="en-US" sz="6000" dirty="0">
+                <a:solidFill>
+                  <a:schemeClr val="accent3"/>
+                </a:solidFill>
+              </a:rPr>
+              <a:t> application</a:t>
             </a:r>
             <a:endParaRPr lang="en-US" sz="6000" dirty="0"/>
           </a:p>
@@ -5102,7 +5192,7 @@
     </p:spTree>
     <p:extLst>
       <p:ext uri="{BB962C8B-B14F-4D97-AF65-F5344CB8AC3E}">
-        <p14:creationId xmlns:p14="http://schemas.microsoft.com/office/powerpoint/2010/main" val="2458870584"/>
+        <p14:creationId xmlns:p14="http://schemas.microsoft.com/office/powerpoint/2010/main" val="2376917831"/>
       </p:ext>
     </p:extLst>
   </p:cSld>
@@ -5415,7 +5505,7 @@
         <p:spPr>
           <a:xfrm>
             <a:off x="1311897" y="1168924"/>
-            <a:ext cx="9398524" cy="6401753"/>
+            <a:ext cx="9398524" cy="7078861"/>
           </a:xfrm>
           <a:prstGeom prst="rect">
             <a:avLst/>
@@ -5433,31 +5523,13 @@
               <a:buChar char="•"/>
             </a:pPr>
             <a:r>
-              <a:rPr lang="en-US" sz="2000" dirty="0">
-                <a:solidFill>
-                  <a:schemeClr val="bg1"/>
-                </a:solidFill>
-                <a:latin typeface="Raleway Medium" panose="020B0603030101060003" pitchFamily="34" charset="77"/>
-              </a:rPr>
-              <a:t>This is a Java Spring Boot application. It routes traffic to the appropriate application based on the path. It acts as traffic cop. For example, </a:t>
-            </a:r>
-            <a:r>
-              <a:rPr lang="en-US" sz="2000" dirty="0" err="1">
-                <a:solidFill>
-                  <a:schemeClr val="bg1"/>
-                </a:solidFill>
-                <a:latin typeface="Raleway Medium" panose="020B0603030101060003" pitchFamily="34" charset="77"/>
-              </a:rPr>
-              <a:t>xyz.com</a:t>
-            </a:r>
-            <a:r>
-              <a:rPr lang="en-US" sz="2000" dirty="0">
-                <a:solidFill>
-                  <a:schemeClr val="bg1"/>
-                </a:solidFill>
-                <a:latin typeface="Raleway Medium" panose="020B0603030101060003" pitchFamily="34" charset="77"/>
-              </a:rPr>
-              <a:t>/products will get routed to the product API application</a:t>
+              <a:rPr lang="en-US" sz="2400" dirty="0">
+                <a:solidFill>
+                  <a:schemeClr val="bg1"/>
+                </a:solidFill>
+                <a:latin typeface="Raleway Medium" panose="020B0603030101060003" pitchFamily="34" charset="77"/>
+              </a:rPr>
+              <a:t>This is a Java Spring Boot application. It generates random orders and submits them to the order API.</a:t>
             </a:r>
           </a:p>
           <a:p>
@@ -5466,13 +5538,13 @@
               <a:buChar char="•"/>
             </a:pPr>
             <a:r>
-              <a:rPr lang="en-US" sz="2000" dirty="0">
-                <a:solidFill>
-                  <a:schemeClr val="bg1"/>
-                </a:solidFill>
-                <a:latin typeface="Raleway Medium" panose="020B0603030101060003" pitchFamily="34" charset="77"/>
-              </a:rPr>
-              <a:t>Runs on port 9000</a:t>
+              <a:rPr lang="en-US" sz="2400" dirty="0">
+                <a:solidFill>
+                  <a:schemeClr val="bg1"/>
+                </a:solidFill>
+                <a:latin typeface="Raleway Medium" panose="020B0603030101060003" pitchFamily="34" charset="77"/>
+              </a:rPr>
+              <a:t>There is no port number for this app. It is not a web app but instead just a background process.</a:t>
             </a:r>
           </a:p>
           <a:p>
@@ -5481,13 +5553,13 @@
               <a:buChar char="•"/>
             </a:pPr>
             <a:r>
-              <a:rPr lang="en-US" sz="2000" dirty="0">
-                <a:solidFill>
-                  <a:schemeClr val="bg1"/>
-                </a:solidFill>
-                <a:latin typeface="Raleway Medium" panose="020B0603030101060003" pitchFamily="34" charset="77"/>
-              </a:rPr>
-              <a:t>Application should be publicly accessible as the only endpoint for the backend API</a:t>
+              <a:rPr lang="en-US" sz="2400" dirty="0">
+                <a:solidFill>
+                  <a:schemeClr val="bg1"/>
+                </a:solidFill>
+                <a:latin typeface="Raleway Medium" panose="020B0603030101060003" pitchFamily="34" charset="77"/>
+              </a:rPr>
+              <a:t>It communicates with the Gateway service at: http://rvstore-api-gateway:9000</a:t>
             </a:r>
           </a:p>
           <a:p>
@@ -5496,13 +5568,97 @@
               <a:buChar char="•"/>
             </a:pPr>
             <a:r>
-              <a:rPr lang="en-US" sz="2000" dirty="0">
-                <a:solidFill>
-                  <a:schemeClr val="bg1"/>
-                </a:solidFill>
-                <a:latin typeface="Raleway Medium" panose="020B0603030101060003" pitchFamily="34" charset="77"/>
-              </a:rPr>
-              <a:t>It communicates with other services:</a:t>
+              <a:rPr lang="en-US" sz="2400" dirty="0">
+                <a:solidFill>
+                  <a:schemeClr val="bg1"/>
+                </a:solidFill>
+                <a:latin typeface="Raleway Medium" panose="020B0603030101060003" pitchFamily="34" charset="77"/>
+              </a:rPr>
+              <a:t>This pod should run as a Kubernetes </a:t>
+            </a:r>
+            <a:r>
+              <a:rPr lang="en-US" sz="2400" dirty="0" err="1">
+                <a:solidFill>
+                  <a:schemeClr val="bg1"/>
+                </a:solidFill>
+                <a:latin typeface="Raleway Medium" panose="020B0603030101060003" pitchFamily="34" charset="77"/>
+              </a:rPr>
+              <a:t>BatchJob</a:t>
+            </a:r>
+            <a:r>
+              <a:rPr lang="en-US" sz="2400" dirty="0">
+                <a:solidFill>
+                  <a:schemeClr val="bg1"/>
+                </a:solidFill>
+                <a:latin typeface="Raleway Medium" panose="020B0603030101060003" pitchFamily="34" charset="77"/>
+              </a:rPr>
+              <a:t>, running about once a minute.</a:t>
+            </a:r>
+          </a:p>
+          <a:p>
+            <a:pPr marL="342900" indent="-342900">
+              <a:buFont typeface="Arial" panose="020B0604020202020204" pitchFamily="34" charset="0"/>
+              <a:buChar char="•"/>
+            </a:pPr>
+            <a:r>
+              <a:rPr lang="en-US" sz="2400" dirty="0">
+                <a:solidFill>
+                  <a:schemeClr val="bg1"/>
+                </a:solidFill>
+                <a:latin typeface="Raleway Medium" panose="020B0603030101060003" pitchFamily="34" charset="77"/>
+              </a:rPr>
+              <a:t>Docker image: </a:t>
+            </a:r>
+            <a:r>
+              <a:rPr lang="en-US" sz="2400" dirty="0" err="1">
+                <a:solidFill>
+                  <a:schemeClr val="bg1"/>
+                </a:solidFill>
+                <a:latin typeface="Raleway Medium" panose="020B0603030101060003" pitchFamily="34" charset="77"/>
+              </a:rPr>
+              <a:t>public.ecr.aws</a:t>
+            </a:r>
+            <a:r>
+              <a:rPr lang="en-US" sz="2400" dirty="0">
+                <a:solidFill>
+                  <a:schemeClr val="bg1"/>
+                </a:solidFill>
+                <a:latin typeface="Raleway Medium" panose="020B0603030101060003" pitchFamily="34" charset="77"/>
+              </a:rPr>
+              <a:t>/e7e6w2e3/</a:t>
+            </a:r>
+            <a:r>
+              <a:rPr lang="en-US" sz="2400" dirty="0" err="1">
+                <a:solidFill>
+                  <a:schemeClr val="bg1"/>
+                </a:solidFill>
+                <a:latin typeface="Raleway Medium" panose="020B0603030101060003" pitchFamily="34" charset="77"/>
+              </a:rPr>
+              <a:t>rvstore</a:t>
+            </a:r>
+            <a:r>
+              <a:rPr lang="en-US" sz="2400" dirty="0">
+                <a:solidFill>
+                  <a:schemeClr val="bg1"/>
+                </a:solidFill>
+                <a:latin typeface="Raleway Medium" panose="020B0603030101060003" pitchFamily="34" charset="77"/>
+              </a:rPr>
+              <a:t>-order-simulator</a:t>
+            </a:r>
+          </a:p>
+          <a:p>
+            <a:pPr marL="342900" indent="-342900">
+              <a:buFont typeface="Arial" panose="020B0604020202020204" pitchFamily="34" charset="0"/>
+              <a:buChar char="•"/>
+            </a:pPr>
+            <a:r>
+              <a:rPr lang="en-US" sz="2400" dirty="0">
+                <a:solidFill>
+                  <a:schemeClr val="bg1"/>
+                </a:solidFill>
+                <a:latin typeface="Raleway Medium" panose="020B0603030101060003" pitchFamily="34" charset="77"/>
+              </a:rPr>
+              <a:t>Environment variables needed:</a:t>
             </a:r>
           </a:p>
           <a:p>
@@ -5517,7 +5673,7 @@
                 </a:solidFill>
                 <a:latin typeface="Raleway Medium" panose="020B0603030101060003" pitchFamily="34" charset="77"/>
               </a:rPr>
-              <a:t>Auth service at: http://rvstore-auth-api:9003/auth</a:t>
+              <a:t>SPRING_PROFILES_ACTIVE: compose</a:t>
             </a:r>
           </a:p>
           <a:p>
@@ -5532,110 +5688,8 @@
                 </a:solidFill>
                 <a:latin typeface="Raleway Medium" panose="020B0603030101060003" pitchFamily="34" charset="77"/>
               </a:rPr>
-              <a:t>Product service at: http://rvstore-product-api:9001/products</a:t>
-            </a:r>
-          </a:p>
-          <a:p>
-            <a:pPr marL="800100" lvl="1" indent="-342900">
-              <a:buFont typeface="Arial" panose="020B0604020202020204" pitchFamily="34" charset="0"/>
-              <a:buChar char="•"/>
-            </a:pPr>
-            <a:r>
-              <a:rPr lang="en-US" sz="2000" dirty="0">
-                <a:solidFill>
-                  <a:schemeClr val="bg1"/>
-                </a:solidFill>
-                <a:latin typeface="Raleway Medium" panose="020B0603030101060003" pitchFamily="34" charset="77"/>
-              </a:rPr>
-              <a:t>Order service at: http://rvstore-order-api:9002/orders</a:t>
-            </a:r>
-          </a:p>
-          <a:p>
-            <a:pPr marL="342900" indent="-342900">
-              <a:buFont typeface="Arial" panose="020B0604020202020204" pitchFamily="34" charset="0"/>
-              <a:buChar char="•"/>
-            </a:pPr>
-            <a:r>
-              <a:rPr lang="en-US" sz="2000" dirty="0">
-                <a:solidFill>
-                  <a:schemeClr val="bg1"/>
-                </a:solidFill>
-                <a:latin typeface="Raleway Medium" panose="020B0603030101060003" pitchFamily="34" charset="77"/>
-              </a:rPr>
-              <a:t>Docker image: </a:t>
-            </a:r>
-            <a:r>
-              <a:rPr lang="en-US" sz="2000" dirty="0" err="1">
-                <a:solidFill>
-                  <a:schemeClr val="bg1"/>
-                </a:solidFill>
-                <a:latin typeface="Raleway Medium" panose="020B0603030101060003" pitchFamily="34" charset="77"/>
-              </a:rPr>
-              <a:t>public.ecr.aws</a:t>
-            </a:r>
-            <a:r>
-              <a:rPr lang="en-US" sz="2000" dirty="0">
-                <a:solidFill>
-                  <a:schemeClr val="bg1"/>
-                </a:solidFill>
-                <a:latin typeface="Raleway Medium" panose="020B0603030101060003" pitchFamily="34" charset="77"/>
-              </a:rPr>
-              <a:t>/e7e6w2e3/</a:t>
-            </a:r>
-            <a:r>
-              <a:rPr lang="en-US" sz="2000" dirty="0" err="1">
-                <a:solidFill>
-                  <a:schemeClr val="bg1"/>
-                </a:solidFill>
-                <a:latin typeface="Raleway Medium" panose="020B0603030101060003" pitchFamily="34" charset="77"/>
-              </a:rPr>
-              <a:t>rvstore</a:t>
-            </a:r>
-            <a:r>
-              <a:rPr lang="en-US" sz="2000" dirty="0">
-                <a:solidFill>
-                  <a:schemeClr val="bg1"/>
-                </a:solidFill>
-                <a:latin typeface="Raleway Medium" panose="020B0603030101060003" pitchFamily="34" charset="77"/>
-              </a:rPr>
-              <a:t>-gateway-service</a:t>
-            </a:r>
-          </a:p>
-          <a:p>
-            <a:pPr marL="342900" indent="-342900">
-              <a:buFont typeface="Arial" panose="020B0604020202020204" pitchFamily="34" charset="0"/>
-              <a:buChar char="•"/>
-            </a:pPr>
-            <a:r>
-              <a:rPr lang="en-US" sz="2000" dirty="0">
-                <a:solidFill>
-                  <a:schemeClr val="bg1"/>
-                </a:solidFill>
-                <a:latin typeface="Raleway Medium" panose="020B0603030101060003" pitchFamily="34" charset="77"/>
-              </a:rPr>
-              <a:t>Environment variables needed:</a:t>
-            </a:r>
-          </a:p>
-          <a:p>
-            <a:pPr marL="800100" lvl="1" indent="-342900">
-              <a:buFont typeface="Arial" panose="020B0604020202020204" pitchFamily="34" charset="0"/>
-              <a:buChar char="•"/>
-            </a:pPr>
-            <a:r>
-              <a:rPr lang="en-US" dirty="0">
-                <a:solidFill>
-                  <a:schemeClr val="bg1"/>
-                </a:solidFill>
-                <a:latin typeface="Raleway Medium" panose="020B0603030101060003" pitchFamily="34" charset="77"/>
-              </a:rPr>
-              <a:t>SPRING_PROFILES_ACTIVE: compose</a:t>
-            </a:r>
-            <a:endParaRPr lang="en-US" sz="2000" dirty="0">
-              <a:solidFill>
-                <a:schemeClr val="bg1"/>
-              </a:solidFill>
-              <a:latin typeface="Raleway Medium" panose="020B0603030101060003" pitchFamily="34" charset="77"/>
-            </a:endParaRPr>
+              <a:t>JOB: true</a:t>
+            </a:r>
           </a:p>
           <a:p>
             <a:pPr marL="800100" lvl="1" indent="-342900">
@@ -5746,20 +5800,12 @@
               <a:t> store – </a:t>
             </a:r>
             <a:r>
-              <a:rPr lang="en-US" sz="6000" dirty="0" err="1">
+              <a:rPr lang="en-US" sz="6000" dirty="0">
                 <a:solidFill>
                   <a:schemeClr val="accent3"/>
                 </a:solidFill>
               </a:rPr>
-              <a:t>api</a:t>
-            </a:r>
-            <a:r>
-              <a:rPr lang="en-US" sz="6000" dirty="0">
-                <a:solidFill>
-                  <a:schemeClr val="accent3"/>
-                </a:solidFill>
-              </a:rPr>
-              <a:t> gateway application</a:t>
+              <a:t>order simulator application</a:t>
             </a:r>
             <a:endParaRPr lang="en-US" sz="6000" dirty="0"/>
           </a:p>
@@ -5768,7 +5814,7 @@
     </p:spTree>
     <p:extLst>
       <p:ext uri="{BB962C8B-B14F-4D97-AF65-F5344CB8AC3E}">
-        <p14:creationId xmlns:p14="http://schemas.microsoft.com/office/powerpoint/2010/main" val="2735101198"/>
+        <p14:creationId xmlns:p14="http://schemas.microsoft.com/office/powerpoint/2010/main" val="2458870584"/>
       </p:ext>
     </p:extLst>
   </p:cSld>
@@ -6081,7 +6127,7 @@
         <p:spPr>
           <a:xfrm>
             <a:off x="1311897" y="1168924"/>
-            <a:ext cx="9398524" cy="5078313"/>
+            <a:ext cx="9398524" cy="5016758"/>
           </a:xfrm>
           <a:prstGeom prst="rect">
             <a:avLst/>
@@ -6099,13 +6145,13 @@
               <a:buChar char="•"/>
             </a:pPr>
             <a:r>
-              <a:rPr lang="en-US" sz="2400" dirty="0">
-                <a:solidFill>
-                  <a:schemeClr val="bg1"/>
-                </a:solidFill>
-                <a:latin typeface="Raleway Medium" panose="020B0603030101060003" pitchFamily="34" charset="77"/>
-              </a:rPr>
-              <a:t>For this we’re using the public mongo image in Docker Hub.</a:t>
+              <a:rPr lang="en-US" sz="2000" dirty="0">
+                <a:solidFill>
+                  <a:schemeClr val="bg1"/>
+                </a:solidFill>
+                <a:latin typeface="Raleway Medium" panose="020B0603030101060003" pitchFamily="34" charset="77"/>
+              </a:rPr>
+              <a:t>This is the stock Elasticsearch image from Docker Hub. It stores products to make them searchable. The product sync service populates it with products from the product service.</a:t>
             </a:r>
           </a:p>
           <a:p>
@@ -6114,7 +6160,764 @@
               <a:buChar char="•"/>
             </a:pPr>
             <a:r>
-              <a:rPr lang="en-US" sz="2400" dirty="0">
+              <a:rPr lang="en-US" sz="2000" dirty="0">
+                <a:solidFill>
+                  <a:schemeClr val="bg1"/>
+                </a:solidFill>
+                <a:latin typeface="Raleway Medium" panose="020B0603030101060003" pitchFamily="34" charset="77"/>
+              </a:rPr>
+              <a:t>The application listens on port 9200</a:t>
+            </a:r>
+          </a:p>
+          <a:p>
+            <a:pPr marL="342900" indent="-342900">
+              <a:buFont typeface="Arial" panose="020B0604020202020204" pitchFamily="34" charset="0"/>
+              <a:buChar char="•"/>
+            </a:pPr>
+            <a:r>
+              <a:rPr lang="en-US" sz="2000" dirty="0">
+                <a:solidFill>
+                  <a:schemeClr val="bg1"/>
+                </a:solidFill>
+                <a:latin typeface="Raleway Medium" panose="020B0603030101060003" pitchFamily="34" charset="77"/>
+              </a:rPr>
+              <a:t>Run it as a </a:t>
+            </a:r>
+            <a:r>
+              <a:rPr lang="en-US" sz="2000" dirty="0" err="1">
+                <a:solidFill>
+                  <a:schemeClr val="bg1"/>
+                </a:solidFill>
+                <a:latin typeface="Raleway Medium" panose="020B0603030101060003" pitchFamily="34" charset="77"/>
+              </a:rPr>
+              <a:t>StatefulSet</a:t>
+            </a:r>
+            <a:r>
+              <a:rPr lang="en-US" sz="2000" dirty="0">
+                <a:solidFill>
+                  <a:schemeClr val="bg1"/>
+                </a:solidFill>
+                <a:latin typeface="Raleway Medium" panose="020B0603030101060003" pitchFamily="34" charset="77"/>
+              </a:rPr>
+              <a:t> with a single replica.</a:t>
+            </a:r>
+          </a:p>
+          <a:p>
+            <a:pPr marL="342900" indent="-342900">
+              <a:buFont typeface="Arial" panose="020B0604020202020204" pitchFamily="34" charset="0"/>
+              <a:buChar char="•"/>
+            </a:pPr>
+            <a:r>
+              <a:rPr lang="en-US" sz="2000" dirty="0">
+                <a:solidFill>
+                  <a:schemeClr val="bg1"/>
+                </a:solidFill>
+                <a:latin typeface="Raleway Medium" panose="020B0603030101060003" pitchFamily="34" charset="77"/>
+              </a:rPr>
+              <a:t>It communicates with the product service at: </a:t>
+            </a:r>
+            <a:r>
+              <a:rPr lang="en-US" sz="2000" dirty="0">
+                <a:solidFill>
+                  <a:schemeClr val="bg1"/>
+                </a:solidFill>
+                <a:latin typeface="Raleway Medium" panose="020B0603030101060003" pitchFamily="34" charset="77"/>
+                <a:hlinkClick r:id="rId3"/>
+              </a:rPr>
+              <a:t>http://rvstore-product-api:9001</a:t>
+            </a:r>
+            <a:r>
+              <a:rPr lang="en-US" sz="2000" dirty="0">
+                <a:solidFill>
+                  <a:schemeClr val="bg1"/>
+                </a:solidFill>
+                <a:latin typeface="Raleway Medium" panose="020B0603030101060003" pitchFamily="34" charset="77"/>
+              </a:rPr>
+              <a:t> and the Elasticsearch service at http://elasticsearch:9200.</a:t>
+            </a:r>
+          </a:p>
+          <a:p>
+            <a:pPr marL="342900" indent="-342900">
+              <a:buFont typeface="Arial" panose="020B0604020202020204" pitchFamily="34" charset="0"/>
+              <a:buChar char="•"/>
+            </a:pPr>
+            <a:r>
+              <a:rPr lang="en-US" sz="2000" dirty="0">
+                <a:solidFill>
+                  <a:schemeClr val="bg1"/>
+                </a:solidFill>
+                <a:latin typeface="Raleway Medium" panose="020B0603030101060003" pitchFamily="34" charset="77"/>
+              </a:rPr>
+              <a:t>Docker image: elasticsearch:7.12.0 </a:t>
+            </a:r>
+          </a:p>
+          <a:p>
+            <a:pPr marL="342900" indent="-342900">
+              <a:buFont typeface="Arial" panose="020B0604020202020204" pitchFamily="34" charset="0"/>
+              <a:buChar char="•"/>
+            </a:pPr>
+            <a:r>
+              <a:rPr lang="en-US" sz="2000" dirty="0">
+                <a:solidFill>
+                  <a:schemeClr val="bg1"/>
+                </a:solidFill>
+                <a:latin typeface="Raleway Medium" panose="020B0603030101060003" pitchFamily="34" charset="77"/>
+              </a:rPr>
+              <a:t>Environment variables:</a:t>
+            </a:r>
+          </a:p>
+          <a:p>
+            <a:pPr marL="800100" lvl="1" indent="-342900">
+              <a:buFont typeface="Arial" panose="020B0604020202020204" pitchFamily="34" charset="0"/>
+              <a:buChar char="•"/>
+            </a:pPr>
+            <a:r>
+              <a:rPr lang="en-US" sz="2000" dirty="0" err="1">
+                <a:solidFill>
+                  <a:schemeClr val="bg1"/>
+                </a:solidFill>
+                <a:latin typeface="Raleway Medium" panose="020B0603030101060003" pitchFamily="34" charset="77"/>
+              </a:rPr>
+              <a:t>discovery.type</a:t>
+            </a:r>
+            <a:r>
+              <a:rPr lang="en-US" sz="2000" dirty="0">
+                <a:solidFill>
+                  <a:schemeClr val="bg1"/>
+                </a:solidFill>
+                <a:latin typeface="Raleway Medium" panose="020B0603030101060003" pitchFamily="34" charset="77"/>
+              </a:rPr>
+              <a:t>=single-node</a:t>
+            </a:r>
+          </a:p>
+          <a:p>
+            <a:pPr marL="800100" lvl="1" indent="-342900">
+              <a:buFont typeface="Arial" panose="020B0604020202020204" pitchFamily="34" charset="0"/>
+              <a:buChar char="•"/>
+            </a:pPr>
+            <a:r>
+              <a:rPr lang="en-US" sz="2000" dirty="0">
+                <a:solidFill>
+                  <a:schemeClr val="bg1"/>
+                </a:solidFill>
+                <a:latin typeface="Raleway Medium" panose="020B0603030101060003" pitchFamily="34" charset="77"/>
+              </a:rPr>
+              <a:t>ES_JAVA_OPTS=-Xms256m -Xmx256m</a:t>
+            </a:r>
+          </a:p>
+          <a:p>
+            <a:pPr marL="800100" lvl="1" indent="-342900">
+              <a:buFont typeface="Arial" panose="020B0604020202020204" pitchFamily="34" charset="0"/>
+              <a:buChar char="•"/>
+            </a:pPr>
+            <a:r>
+              <a:rPr lang="en-US" sz="2000" dirty="0" err="1">
+                <a:solidFill>
+                  <a:schemeClr val="bg1"/>
+                </a:solidFill>
+                <a:latin typeface="Raleway Medium" panose="020B0603030101060003" pitchFamily="34" charset="77"/>
+              </a:rPr>
+              <a:t>http.cors.allow</a:t>
+            </a:r>
+            <a:r>
+              <a:rPr lang="en-US" sz="2000" dirty="0">
+                <a:solidFill>
+                  <a:schemeClr val="bg1"/>
+                </a:solidFill>
+                <a:latin typeface="Raleway Medium" panose="020B0603030101060003" pitchFamily="34" charset="77"/>
+              </a:rPr>
+              <a:t>-origin="*”</a:t>
+            </a:r>
+          </a:p>
+          <a:p>
+            <a:pPr marL="800100" lvl="1" indent="-342900">
+              <a:buFont typeface="Arial" panose="020B0604020202020204" pitchFamily="34" charset="0"/>
+              <a:buChar char="•"/>
+            </a:pPr>
+            <a:r>
+              <a:rPr lang="en-US" sz="2000" dirty="0" err="1">
+                <a:solidFill>
+                  <a:schemeClr val="bg1"/>
+                </a:solidFill>
+                <a:latin typeface="Raleway Medium" panose="020B0603030101060003" pitchFamily="34" charset="77"/>
+              </a:rPr>
+              <a:t>http.cors.enabled</a:t>
+            </a:r>
+            <a:r>
+              <a:rPr lang="en-US" sz="2000" dirty="0">
+                <a:solidFill>
+                  <a:schemeClr val="bg1"/>
+                </a:solidFill>
+                <a:latin typeface="Raleway Medium" panose="020B0603030101060003" pitchFamily="34" charset="77"/>
+              </a:rPr>
+              <a:t>=“true”</a:t>
+            </a:r>
+          </a:p>
+          <a:p>
+            <a:pPr marL="800100" lvl="1" indent="-342900">
+              <a:buFont typeface="Arial" panose="020B0604020202020204" pitchFamily="34" charset="0"/>
+              <a:buChar char="•"/>
+            </a:pPr>
+            <a:r>
+              <a:rPr lang="en-US" sz="2000" dirty="0" err="1">
+                <a:solidFill>
+                  <a:schemeClr val="bg1"/>
+                </a:solidFill>
+                <a:latin typeface="Raleway Medium" panose="020B0603030101060003" pitchFamily="34" charset="77"/>
+              </a:rPr>
+              <a:t>http.cors.allow</a:t>
+            </a:r>
+            <a:r>
+              <a:rPr lang="en-US" sz="2000" dirty="0">
+                <a:solidFill>
+                  <a:schemeClr val="bg1"/>
+                </a:solidFill>
+                <a:latin typeface="Raleway Medium" panose="020B0603030101060003" pitchFamily="34" charset="77"/>
+              </a:rPr>
+              <a:t>-headers=X-Requested-With,X-Auth-Token,Content-Type,Content-Length,Authorization</a:t>
+            </a:r>
+          </a:p>
+          <a:p>
+            <a:pPr marL="800100" lvl="1" indent="-342900">
+              <a:buFont typeface="Arial" panose="020B0604020202020204" pitchFamily="34" charset="0"/>
+              <a:buChar char="•"/>
+            </a:pPr>
+            <a:r>
+              <a:rPr lang="en-US" sz="2000" dirty="0" err="1">
+                <a:solidFill>
+                  <a:schemeClr val="bg1"/>
+                </a:solidFill>
+                <a:latin typeface="Raleway Medium" panose="020B0603030101060003" pitchFamily="34" charset="77"/>
+              </a:rPr>
+              <a:t>http.cors.allow</a:t>
+            </a:r>
+            <a:r>
+              <a:rPr lang="en-US" sz="2000" dirty="0">
+                <a:solidFill>
+                  <a:schemeClr val="bg1"/>
+                </a:solidFill>
+                <a:latin typeface="Raleway Medium" panose="020B0603030101060003" pitchFamily="34" charset="77"/>
+              </a:rPr>
+              <a:t>-credentials="true"</a:t>
+            </a:r>
+          </a:p>
+        </p:txBody>
+      </p:sp>
+      <p:sp>
+        <p:nvSpPr>
+          <p:cNvPr id="12" name="Title 1">
+            <a:extLst>
+              <a:ext uri="{FF2B5EF4-FFF2-40B4-BE49-F238E27FC236}">
+                <a16:creationId xmlns:a16="http://schemas.microsoft.com/office/drawing/2014/main" id="{0124313A-91DC-3240-9A34-921CC845B19A}"/>
+              </a:ext>
+            </a:extLst>
+          </p:cNvPr>
+          <p:cNvSpPr>
+            <a:spLocks noGrp="1"/>
+          </p:cNvSpPr>
+          <p:nvPr>
+            <p:ph type="title"/>
+          </p:nvPr>
+        </p:nvSpPr>
+        <p:spPr>
+          <a:xfrm>
+            <a:off x="650450" y="369988"/>
+            <a:ext cx="10742974" cy="609600"/>
+          </a:xfrm>
+        </p:spPr>
+        <p:txBody>
+          <a:bodyPr>
+            <a:noAutofit/>
+          </a:bodyPr>
+          <a:lstStyle/>
+          <a:p>
+            <a:pPr algn="l"/>
+            <a:r>
+              <a:rPr lang="en-US" sz="6000" dirty="0" err="1">
+                <a:solidFill>
+                  <a:prstClr val="white"/>
+                </a:solidFill>
+              </a:rPr>
+              <a:t>Rv</a:t>
+            </a:r>
+            <a:r>
+              <a:rPr lang="en-US" sz="6000" dirty="0">
+                <a:solidFill>
+                  <a:prstClr val="white"/>
+                </a:solidFill>
+              </a:rPr>
+              <a:t> store – </a:t>
+            </a:r>
+            <a:r>
+              <a:rPr lang="en-US" sz="6000" dirty="0" err="1">
+                <a:solidFill>
+                  <a:schemeClr val="accent3"/>
+                </a:solidFill>
+              </a:rPr>
+              <a:t>elasticsearch</a:t>
+            </a:r>
+            <a:endParaRPr lang="en-US" sz="6000" dirty="0"/>
+          </a:p>
+        </p:txBody>
+      </p:sp>
+    </p:spTree>
+    <p:extLst>
+      <p:ext uri="{BB962C8B-B14F-4D97-AF65-F5344CB8AC3E}">
+        <p14:creationId xmlns:p14="http://schemas.microsoft.com/office/powerpoint/2010/main" val="3005429573"/>
+      </p:ext>
+    </p:extLst>
+  </p:cSld>
+  <p:clrMapOvr>
+    <a:masterClrMapping/>
+  </p:clrMapOvr>
+  <p:transition spd="slow">
+    <p:wipe/>
+  </p:transition>
+  <p:timing>
+    <p:tnLst>
+      <p:par>
+        <p:cTn id="1" dur="indefinite" restart="never" nodeType="tmRoot">
+          <p:childTnLst>
+            <p:seq concurrent="1" nextAc="seek">
+              <p:cTn id="2" dur="indefinite" nodeType="mainSeq">
+                <p:childTnLst>
+                  <p:par>
+                    <p:cTn id="3" fill="hold">
+                      <p:stCondLst>
+                        <p:cond delay="indefinite"/>
+                        <p:cond evt="onBegin" delay="0">
+                          <p:tn val="2"/>
+                        </p:cond>
+                      </p:stCondLst>
+                      <p:childTnLst>
+                        <p:par>
+                          <p:cTn id="4" fill="hold">
+                            <p:stCondLst>
+                              <p:cond delay="0"/>
+                            </p:stCondLst>
+                            <p:childTnLst>
+                              <p:par>
+                                <p:cTn id="5" presetID="2" presetClass="entr" presetSubtype="4" fill="hold" grpId="0" nodeType="afterEffect">
+                                  <p:stCondLst>
+                                    <p:cond delay="0"/>
+                                  </p:stCondLst>
+                                  <p:childTnLst>
+                                    <p:set>
+                                      <p:cBhvr>
+                                        <p:cTn id="6" dur="1" fill="hold">
+                                          <p:stCondLst>
+                                            <p:cond delay="0"/>
+                                          </p:stCondLst>
+                                        </p:cTn>
+                                        <p:tgtEl>
+                                          <p:spTgt spid="12"/>
+                                        </p:tgtEl>
+                                        <p:attrNameLst>
+                                          <p:attrName>style.visibility</p:attrName>
+                                        </p:attrNameLst>
+                                      </p:cBhvr>
+                                      <p:to>
+                                        <p:strVal val="visible"/>
+                                      </p:to>
+                                    </p:set>
+                                    <p:anim calcmode="lin" valueType="num">
+                                      <p:cBhvr additive="base">
+                                        <p:cTn id="7" dur="500" fill="hold"/>
+                                        <p:tgtEl>
+                                          <p:spTgt spid="12"/>
+                                        </p:tgtEl>
+                                        <p:attrNameLst>
+                                          <p:attrName>ppt_x</p:attrName>
+                                        </p:attrNameLst>
+                                      </p:cBhvr>
+                                      <p:tavLst>
+                                        <p:tav tm="0">
+                                          <p:val>
+                                            <p:strVal val="#ppt_x"/>
+                                          </p:val>
+                                        </p:tav>
+                                        <p:tav tm="100000">
+                                          <p:val>
+                                            <p:strVal val="#ppt_x"/>
+                                          </p:val>
+                                        </p:tav>
+                                      </p:tavLst>
+                                    </p:anim>
+                                    <p:anim calcmode="lin" valueType="num">
+                                      <p:cBhvr additive="base">
+                                        <p:cTn id="8" dur="500" fill="hold"/>
+                                        <p:tgtEl>
+                                          <p:spTgt spid="12"/>
+                                        </p:tgtEl>
+                                        <p:attrNameLst>
+                                          <p:attrName>ppt_y</p:attrName>
+                                        </p:attrNameLst>
+                                      </p:cBhvr>
+                                      <p:tavLst>
+                                        <p:tav tm="0">
+                                          <p:val>
+                                            <p:strVal val="1+#ppt_h/2"/>
+                                          </p:val>
+                                        </p:tav>
+                                        <p:tav tm="100000">
+                                          <p:val>
+                                            <p:strVal val="#ppt_y"/>
+                                          </p:val>
+                                        </p:tav>
+                                      </p:tavLst>
+                                    </p:anim>
+                                  </p:childTnLst>
+                                </p:cTn>
+                              </p:par>
+                            </p:childTnLst>
+                          </p:cTn>
+                        </p:par>
+                      </p:childTnLst>
+                    </p:cTn>
+                  </p:par>
+                </p:childTnLst>
+              </p:cTn>
+              <p:prevCondLst>
+                <p:cond evt="onPrev" delay="0">
+                  <p:tgtEl>
+                    <p:sldTgt/>
+                  </p:tgtEl>
+                </p:cond>
+              </p:prevCondLst>
+              <p:nextCondLst>
+                <p:cond evt="onNext" delay="0">
+                  <p:tgtEl>
+                    <p:sldTgt/>
+                  </p:tgtEl>
+                </p:cond>
+              </p:nextCondLst>
+            </p:seq>
+          </p:childTnLst>
+        </p:cTn>
+      </p:par>
+    </p:tnLst>
+    <p:bldLst>
+      <p:bldP spid="12" grpId="0"/>
+    </p:bldLst>
+  </p:timing>
+</p:sld>
+</file>
+
+<file path=ppt/slides/slide16.xml><?xml version="1.0" encoding="utf-8"?>
+<p:sld xmlns:a="http://schemas.openxmlformats.org/drawingml/2006/main" xmlns:r="http://schemas.openxmlformats.org/officeDocument/2006/relationships" xmlns:p="http://schemas.openxmlformats.org/presentationml/2006/main">
+  <p:cSld>
+    <p:spTree>
+      <p:nvGrpSpPr>
+        <p:cNvPr id="1" name=""/>
+        <p:cNvGrpSpPr/>
+        <p:nvPr/>
+      </p:nvGrpSpPr>
+      <p:grpSpPr>
+        <a:xfrm>
+          <a:off x="0" y="0"/>
+          <a:ext cx="0" cy="0"/>
+          <a:chOff x="0" y="0"/>
+          <a:chExt cx="0" cy="0"/>
+        </a:xfrm>
+      </p:grpSpPr>
+      <p:pic>
+        <p:nvPicPr>
+          <p:cNvPr id="20" name="Picture 19" descr="https://images.unsplash.com/reserve/NV0eHnNkQDHA21GC3BAJ_Paris%20Louvr.jpg?ixlib=rb-0.3.5&amp;q=80&amp;fm=jpg&amp;w=1080&amp;fit=max&amp;s=4c69a58895596b711a6d5b59a53b1dc5"/>
+          <p:cNvPicPr>
+            <a:picLocks noChangeAspect="1" noChangeArrowheads="1"/>
+          </p:cNvPicPr>
+          <p:nvPr/>
+        </p:nvPicPr>
+        <p:blipFill>
+          <a:blip r:embed="rId2">
+            <a:duotone>
+              <a:prstClr val="black"/>
+              <a:schemeClr val="accent1">
+                <a:tint val="45000"/>
+                <a:satMod val="400000"/>
+              </a:schemeClr>
+            </a:duotone>
+            <a:extLst>
+              <a:ext uri="{28A0092B-C50C-407E-A947-70E740481C1C}">
+                <a14:useLocalDpi xmlns:a14="http://schemas.microsoft.com/office/drawing/2010/main" val="0"/>
+              </a:ext>
+            </a:extLst>
+          </a:blip>
+          <a:srcRect l="127" b="15625"/>
+          <a:stretch>
+            <a:fillRect/>
+          </a:stretch>
+        </p:blipFill>
+        <p:spPr bwMode="auto">
+          <a:xfrm>
+            <a:off x="0" y="7826"/>
+            <a:ext cx="12176562" cy="6858000"/>
+          </a:xfrm>
+          <a:custGeom>
+            <a:avLst/>
+            <a:gdLst>
+              <a:gd name="connsiteX0" fmla="*/ 0 w 12176562"/>
+              <a:gd name="connsiteY0" fmla="*/ 0 h 6858000"/>
+              <a:gd name="connsiteX1" fmla="*/ 12176562 w 12176562"/>
+              <a:gd name="connsiteY1" fmla="*/ 0 h 6858000"/>
+              <a:gd name="connsiteX2" fmla="*/ 12176562 w 12176562"/>
+              <a:gd name="connsiteY2" fmla="*/ 6858000 h 6858000"/>
+              <a:gd name="connsiteX3" fmla="*/ 0 w 12176562"/>
+              <a:gd name="connsiteY3" fmla="*/ 6858000 h 6858000"/>
+            </a:gdLst>
+            <a:ahLst/>
+            <a:cxnLst>
+              <a:cxn ang="0">
+                <a:pos x="connsiteX0" y="connsiteY0"/>
+              </a:cxn>
+              <a:cxn ang="0">
+                <a:pos x="connsiteX1" y="connsiteY1"/>
+              </a:cxn>
+              <a:cxn ang="0">
+                <a:pos x="connsiteX2" y="connsiteY2"/>
+              </a:cxn>
+              <a:cxn ang="0">
+                <a:pos x="connsiteX3" y="connsiteY3"/>
+              </a:cxn>
+            </a:cxnLst>
+            <a:rect l="l" t="t" r="r" b="b"/>
+            <a:pathLst>
+              <a:path w="12176562" h="6858000">
+                <a:moveTo>
+                  <a:pt x="0" y="0"/>
+                </a:moveTo>
+                <a:lnTo>
+                  <a:pt x="12176562" y="0"/>
+                </a:lnTo>
+                <a:lnTo>
+                  <a:pt x="12176562" y="6858000"/>
+                </a:lnTo>
+                <a:lnTo>
+                  <a:pt x="0" y="6858000"/>
+                </a:lnTo>
+                <a:close/>
+              </a:path>
+            </a:pathLst>
+          </a:custGeom>
+          <a:noFill/>
+          <a:extLst>
+            <a:ext uri="{909E8E84-426E-40DD-AFC4-6F175D3DCCD1}">
+              <a14:hiddenFill xmlns:a14="http://schemas.microsoft.com/office/drawing/2010/main">
+                <a:solidFill>
+                  <a:srgbClr val="FFFFFF"/>
+                </a:solidFill>
+              </a14:hiddenFill>
+            </a:ext>
+          </a:extLst>
+        </p:spPr>
+      </p:pic>
+      <p:sp>
+        <p:nvSpPr>
+          <p:cNvPr id="18" name="Rectangle 17"/>
+          <p:cNvSpPr/>
+          <p:nvPr/>
+        </p:nvSpPr>
+        <p:spPr>
+          <a:xfrm>
+            <a:off x="0" y="0"/>
+            <a:ext cx="12192000" cy="6858000"/>
+          </a:xfrm>
+          <a:prstGeom prst="rect">
+            <a:avLst/>
+          </a:prstGeom>
+          <a:solidFill>
+            <a:schemeClr val="tx1">
+              <a:alpha val="55000"/>
+            </a:schemeClr>
+          </a:solidFill>
+          <a:ln>
+            <a:noFill/>
+          </a:ln>
+        </p:spPr>
+        <p:style>
+          <a:lnRef idx="1">
+            <a:schemeClr val="accent1"/>
+          </a:lnRef>
+          <a:fillRef idx="3">
+            <a:schemeClr val="accent1"/>
+          </a:fillRef>
+          <a:effectRef idx="2">
+            <a:schemeClr val="accent1"/>
+          </a:effectRef>
+          <a:fontRef idx="minor">
+            <a:schemeClr val="lt1"/>
+          </a:fontRef>
+        </p:style>
+        <p:txBody>
+          <a:bodyPr rtlCol="0" anchor="ctr"/>
+          <a:lstStyle/>
+          <a:p>
+            <a:pPr algn="ctr" defTabSz="457200"/>
+            <a:endParaRPr lang="en-US" dirty="0">
+              <a:solidFill>
+                <a:prstClr val="white"/>
+              </a:solidFill>
+            </a:endParaRPr>
+          </a:p>
+        </p:txBody>
+      </p:sp>
+      <p:sp>
+        <p:nvSpPr>
+          <p:cNvPr id="4" name="TextBox 3">
+            <a:extLst>
+              <a:ext uri="{FF2B5EF4-FFF2-40B4-BE49-F238E27FC236}">
+                <a16:creationId xmlns:a16="http://schemas.microsoft.com/office/drawing/2014/main" id="{2155A478-4583-2147-AD91-499CD48BC61C}"/>
+              </a:ext>
+            </a:extLst>
+          </p:cNvPr>
+          <p:cNvSpPr txBox="1"/>
+          <p:nvPr/>
+        </p:nvSpPr>
+        <p:spPr>
+          <a:xfrm>
+            <a:off x="1311897" y="1168924"/>
+            <a:ext cx="9398524" cy="6401753"/>
+          </a:xfrm>
+          <a:prstGeom prst="rect">
+            <a:avLst/>
+          </a:prstGeom>
+          <a:noFill/>
+        </p:spPr>
+        <p:txBody>
+          <a:bodyPr wrap="square" rtlCol="0">
+            <a:spAutoFit/>
+          </a:bodyPr>
+          <a:lstStyle/>
+          <a:p>
+            <a:pPr marL="342900" indent="-342900">
+              <a:buFont typeface="Arial" panose="020B0604020202020204" pitchFamily="34" charset="0"/>
+              <a:buChar char="•"/>
+            </a:pPr>
+            <a:r>
+              <a:rPr lang="en-US" sz="2000" dirty="0">
+                <a:solidFill>
+                  <a:schemeClr val="bg1"/>
+                </a:solidFill>
+                <a:latin typeface="Raleway Medium" panose="020B0603030101060003" pitchFamily="34" charset="77"/>
+              </a:rPr>
+              <a:t>This is a Java Spring Boot application. It routes traffic to the appropriate application based on the path. It acts as traffic cop. For example, </a:t>
+            </a:r>
+            <a:r>
+              <a:rPr lang="en-US" sz="2000" dirty="0" err="1">
+                <a:solidFill>
+                  <a:schemeClr val="bg1"/>
+                </a:solidFill>
+                <a:latin typeface="Raleway Medium" panose="020B0603030101060003" pitchFamily="34" charset="77"/>
+              </a:rPr>
+              <a:t>xyz.com</a:t>
+            </a:r>
+            <a:r>
+              <a:rPr lang="en-US" sz="2000" dirty="0">
+                <a:solidFill>
+                  <a:schemeClr val="bg1"/>
+                </a:solidFill>
+                <a:latin typeface="Raleway Medium" panose="020B0603030101060003" pitchFamily="34" charset="77"/>
+              </a:rPr>
+              <a:t>/products will get routed to the product API application</a:t>
+            </a:r>
+          </a:p>
+          <a:p>
+            <a:pPr marL="342900" indent="-342900">
+              <a:buFont typeface="Arial" panose="020B0604020202020204" pitchFamily="34" charset="0"/>
+              <a:buChar char="•"/>
+            </a:pPr>
+            <a:r>
+              <a:rPr lang="en-US" sz="2000" dirty="0">
+                <a:solidFill>
+                  <a:schemeClr val="bg1"/>
+                </a:solidFill>
+                <a:latin typeface="Raleway Medium" panose="020B0603030101060003" pitchFamily="34" charset="77"/>
+              </a:rPr>
+              <a:t>Runs on port 9000</a:t>
+            </a:r>
+          </a:p>
+          <a:p>
+            <a:pPr marL="342900" indent="-342900">
+              <a:buFont typeface="Arial" panose="020B0604020202020204" pitchFamily="34" charset="0"/>
+              <a:buChar char="•"/>
+            </a:pPr>
+            <a:r>
+              <a:rPr lang="en-US" sz="2000" dirty="0">
+                <a:solidFill>
+                  <a:schemeClr val="bg1"/>
+                </a:solidFill>
+                <a:latin typeface="Raleway Medium" panose="020B0603030101060003" pitchFamily="34" charset="77"/>
+              </a:rPr>
+              <a:t>Application should be publicly accessible as the only endpoint for the backend API</a:t>
+            </a:r>
+          </a:p>
+          <a:p>
+            <a:pPr marL="342900" indent="-342900">
+              <a:buFont typeface="Arial" panose="020B0604020202020204" pitchFamily="34" charset="0"/>
+              <a:buChar char="•"/>
+            </a:pPr>
+            <a:r>
+              <a:rPr lang="en-US" sz="2000" dirty="0">
+                <a:solidFill>
+                  <a:schemeClr val="bg1"/>
+                </a:solidFill>
+                <a:latin typeface="Raleway Medium" panose="020B0603030101060003" pitchFamily="34" charset="77"/>
+              </a:rPr>
+              <a:t>It communicates with other services:</a:t>
+            </a:r>
+          </a:p>
+          <a:p>
+            <a:pPr marL="800100" lvl="1" indent="-342900">
+              <a:buFont typeface="Arial" panose="020B0604020202020204" pitchFamily="34" charset="0"/>
+              <a:buChar char="•"/>
+            </a:pPr>
+            <a:r>
+              <a:rPr lang="en-US" sz="2000" dirty="0">
+                <a:solidFill>
+                  <a:schemeClr val="bg1"/>
+                </a:solidFill>
+                <a:latin typeface="Raleway Medium" panose="020B0603030101060003" pitchFamily="34" charset="77"/>
+              </a:rPr>
+              <a:t>Auth service at: http://rvstore-auth-api:9003/auth</a:t>
+            </a:r>
+          </a:p>
+          <a:p>
+            <a:pPr marL="800100" lvl="1" indent="-342900">
+              <a:buFont typeface="Arial" panose="020B0604020202020204" pitchFamily="34" charset="0"/>
+              <a:buChar char="•"/>
+            </a:pPr>
+            <a:r>
+              <a:rPr lang="en-US" sz="2000" dirty="0">
+                <a:solidFill>
+                  <a:schemeClr val="bg1"/>
+                </a:solidFill>
+                <a:latin typeface="Raleway Medium" panose="020B0603030101060003" pitchFamily="34" charset="77"/>
+              </a:rPr>
+              <a:t>Product service at: http://rvstore-product-api:9001/products</a:t>
+            </a:r>
+          </a:p>
+          <a:p>
+            <a:pPr marL="800100" lvl="1" indent="-342900">
+              <a:buFont typeface="Arial" panose="020B0604020202020204" pitchFamily="34" charset="0"/>
+              <a:buChar char="•"/>
+            </a:pPr>
+            <a:r>
+              <a:rPr lang="en-US" sz="2000" dirty="0">
+                <a:solidFill>
+                  <a:schemeClr val="bg1"/>
+                </a:solidFill>
+                <a:latin typeface="Raleway Medium" panose="020B0603030101060003" pitchFamily="34" charset="77"/>
+              </a:rPr>
+              <a:t>Order service at: http://rvstore-order-api:9002/orders</a:t>
+            </a:r>
+          </a:p>
+          <a:p>
+            <a:pPr marL="342900" indent="-342900">
+              <a:buFont typeface="Arial" panose="020B0604020202020204" pitchFamily="34" charset="0"/>
+              <a:buChar char="•"/>
+            </a:pPr>
+            <a:r>
+              <a:rPr lang="en-US" sz="2000" dirty="0">
                 <a:solidFill>
                   <a:schemeClr val="bg1"/>
                 </a:solidFill>
@@ -6123,7 +6926,7 @@
               <a:t>Docker image: </a:t>
             </a:r>
             <a:r>
-              <a:rPr lang="en-US" sz="2400" dirty="0" err="1">
+              <a:rPr lang="en-US" sz="2000" dirty="0" err="1">
                 <a:solidFill>
                   <a:schemeClr val="bg1"/>
                 </a:solidFill>
@@ -6132,7 +6935,7 @@
               <a:t>public.ecr.aws</a:t>
             </a:r>
             <a:r>
-              <a:rPr lang="en-US" sz="2400" dirty="0">
+              <a:rPr lang="en-US" sz="2000" dirty="0">
                 <a:solidFill>
                   <a:schemeClr val="bg1"/>
                 </a:solidFill>
@@ -6141,7 +6944,7 @@
               <a:t>/e7e6w2e3/</a:t>
             </a:r>
             <a:r>
-              <a:rPr lang="en-US" sz="2400" dirty="0" err="1">
+              <a:rPr lang="en-US" sz="2000" dirty="0" err="1">
                 <a:solidFill>
                   <a:schemeClr val="bg1"/>
                 </a:solidFill>
@@ -6150,14 +6953,69 @@
               <a:t>rvstore</a:t>
             </a:r>
             <a:r>
-              <a:rPr lang="en-US" sz="2400">
-                <a:solidFill>
-                  <a:schemeClr val="bg1"/>
-                </a:solidFill>
-                <a:latin typeface="Raleway Medium" panose="020B0603030101060003" pitchFamily="34" charset="77"/>
-              </a:rPr>
-              <a:t>-mongo</a:t>
-            </a:r>
+              <a:rPr lang="en-US" sz="2000" dirty="0">
+                <a:solidFill>
+                  <a:schemeClr val="bg1"/>
+                </a:solidFill>
+                <a:latin typeface="Raleway Medium" panose="020B0603030101060003" pitchFamily="34" charset="77"/>
+              </a:rPr>
+              <a:t>-gateway-service</a:t>
+            </a:r>
+          </a:p>
+          <a:p>
+            <a:pPr marL="342900" indent="-342900">
+              <a:buFont typeface="Arial" panose="020B0604020202020204" pitchFamily="34" charset="0"/>
+              <a:buChar char="•"/>
+            </a:pPr>
+            <a:r>
+              <a:rPr lang="en-US" sz="2000" dirty="0">
+                <a:solidFill>
+                  <a:schemeClr val="bg1"/>
+                </a:solidFill>
+                <a:latin typeface="Raleway Medium" panose="020B0603030101060003" pitchFamily="34" charset="77"/>
+              </a:rPr>
+              <a:t>Environment variables needed:</a:t>
+            </a:r>
+          </a:p>
+          <a:p>
+            <a:pPr marL="800100" lvl="1" indent="-342900">
+              <a:buFont typeface="Arial" panose="020B0604020202020204" pitchFamily="34" charset="0"/>
+              <a:buChar char="•"/>
+            </a:pPr>
+            <a:r>
+              <a:rPr lang="en-US" dirty="0">
+                <a:solidFill>
+                  <a:schemeClr val="bg1"/>
+                </a:solidFill>
+                <a:latin typeface="Raleway Medium" panose="020B0603030101060003" pitchFamily="34" charset="77"/>
+              </a:rPr>
+              <a:t>SPRING_PROFILES_ACTIVE: compose</a:t>
+            </a:r>
+            <a:endParaRPr lang="en-US" sz="2000" dirty="0">
+              <a:solidFill>
+                <a:schemeClr val="bg1"/>
+              </a:solidFill>
+              <a:latin typeface="Raleway Medium" panose="020B0603030101060003" pitchFamily="34" charset="77"/>
+            </a:endParaRPr>
+          </a:p>
+          <a:p>
+            <a:pPr marL="800100" lvl="1" indent="-342900">
+              <a:buFont typeface="Arial" panose="020B0604020202020204" pitchFamily="34" charset="0"/>
+              <a:buChar char="•"/>
+            </a:pPr>
+            <a:endParaRPr lang="en-US" dirty="0"/>
+          </a:p>
+          <a:p>
+            <a:br>
+              <a:rPr lang="en-US" dirty="0"/>
+            </a:br>
+            <a:endParaRPr lang="en-US" dirty="0"/>
+          </a:p>
+          <a:p>
+            <a:pPr marL="800100" lvl="1" indent="-342900">
+              <a:buFont typeface="Arial" panose="020B0604020202020204" pitchFamily="34" charset="0"/>
+              <a:buChar char="•"/>
+            </a:pPr>
             <a:endParaRPr lang="en-US" sz="2400" dirty="0">
               <a:solidFill>
                 <a:schemeClr val="bg1"/>
@@ -6166,10 +7024,441 @@
             </a:endParaRPr>
           </a:p>
           <a:p>
+            <a:pPr marL="800100" lvl="1" indent="-342900">
+              <a:buFont typeface="Arial" panose="020B0604020202020204" pitchFamily="34" charset="0"/>
+              <a:buChar char="•"/>
+            </a:pPr>
+            <a:endParaRPr lang="en-US" sz="2400" dirty="0">
+              <a:solidFill>
+                <a:schemeClr val="bg1"/>
+              </a:solidFill>
+              <a:latin typeface="Raleway Medium" panose="020B0603030101060003" pitchFamily="34" charset="77"/>
+            </a:endParaRPr>
+          </a:p>
+          <a:p>
             <a:pPr marL="342900" indent="-342900">
               <a:buFont typeface="Arial" panose="020B0604020202020204" pitchFamily="34" charset="0"/>
               <a:buChar char="•"/>
             </a:pPr>
+            <a:endParaRPr lang="en-US" sz="2400" dirty="0">
+              <a:solidFill>
+                <a:schemeClr val="bg1"/>
+              </a:solidFill>
+              <a:latin typeface="Raleway Medium" panose="020B0603030101060003" pitchFamily="34" charset="77"/>
+            </a:endParaRPr>
+          </a:p>
+          <a:p>
+            <a:pPr marL="285750" indent="-285750">
+              <a:buFont typeface="Arial" panose="020B0604020202020204" pitchFamily="34" charset="0"/>
+              <a:buChar char="•"/>
+            </a:pPr>
+            <a:endParaRPr lang="en-US" sz="2400" dirty="0">
+              <a:solidFill>
+                <a:schemeClr val="bg1"/>
+              </a:solidFill>
+              <a:latin typeface="Raleway Medium" panose="020B0603030101060003" pitchFamily="34" charset="77"/>
+            </a:endParaRPr>
+          </a:p>
+        </p:txBody>
+      </p:sp>
+      <p:sp>
+        <p:nvSpPr>
+          <p:cNvPr id="12" name="Title 1">
+            <a:extLst>
+              <a:ext uri="{FF2B5EF4-FFF2-40B4-BE49-F238E27FC236}">
+                <a16:creationId xmlns:a16="http://schemas.microsoft.com/office/drawing/2014/main" id="{0124313A-91DC-3240-9A34-921CC845B19A}"/>
+              </a:ext>
+            </a:extLst>
+          </p:cNvPr>
+          <p:cNvSpPr>
+            <a:spLocks noGrp="1"/>
+          </p:cNvSpPr>
+          <p:nvPr>
+            <p:ph type="title"/>
+          </p:nvPr>
+        </p:nvSpPr>
+        <p:spPr>
+          <a:xfrm>
+            <a:off x="650450" y="369988"/>
+            <a:ext cx="10742974" cy="609600"/>
+          </a:xfrm>
+        </p:spPr>
+        <p:txBody>
+          <a:bodyPr>
+            <a:noAutofit/>
+          </a:bodyPr>
+          <a:lstStyle/>
+          <a:p>
+            <a:pPr algn="l"/>
+            <a:r>
+              <a:rPr lang="en-US" sz="6000" dirty="0" err="1">
+                <a:solidFill>
+                  <a:prstClr val="white"/>
+                </a:solidFill>
+              </a:rPr>
+              <a:t>Rv</a:t>
+            </a:r>
+            <a:r>
+              <a:rPr lang="en-US" sz="6000" dirty="0">
+                <a:solidFill>
+                  <a:prstClr val="white"/>
+                </a:solidFill>
+              </a:rPr>
+              <a:t> store – </a:t>
+            </a:r>
+            <a:r>
+              <a:rPr lang="en-US" sz="6000" dirty="0" err="1">
+                <a:solidFill>
+                  <a:schemeClr val="accent3"/>
+                </a:solidFill>
+              </a:rPr>
+              <a:t>api</a:t>
+            </a:r>
+            <a:r>
+              <a:rPr lang="en-US" sz="6000" dirty="0">
+                <a:solidFill>
+                  <a:schemeClr val="accent3"/>
+                </a:solidFill>
+              </a:rPr>
+              <a:t> gateway application</a:t>
+            </a:r>
+            <a:endParaRPr lang="en-US" sz="6000" dirty="0"/>
+          </a:p>
+        </p:txBody>
+      </p:sp>
+    </p:spTree>
+    <p:extLst>
+      <p:ext uri="{BB962C8B-B14F-4D97-AF65-F5344CB8AC3E}">
+        <p14:creationId xmlns:p14="http://schemas.microsoft.com/office/powerpoint/2010/main" val="2735101198"/>
+      </p:ext>
+    </p:extLst>
+  </p:cSld>
+  <p:clrMapOvr>
+    <a:masterClrMapping/>
+  </p:clrMapOvr>
+  <p:transition spd="slow">
+    <p:wipe/>
+  </p:transition>
+  <p:timing>
+    <p:tnLst>
+      <p:par>
+        <p:cTn id="1" dur="indefinite" restart="never" nodeType="tmRoot">
+          <p:childTnLst>
+            <p:seq concurrent="1" nextAc="seek">
+              <p:cTn id="2" dur="indefinite" nodeType="mainSeq">
+                <p:childTnLst>
+                  <p:par>
+                    <p:cTn id="3" fill="hold">
+                      <p:stCondLst>
+                        <p:cond delay="indefinite"/>
+                        <p:cond evt="onBegin" delay="0">
+                          <p:tn val="2"/>
+                        </p:cond>
+                      </p:stCondLst>
+                      <p:childTnLst>
+                        <p:par>
+                          <p:cTn id="4" fill="hold">
+                            <p:stCondLst>
+                              <p:cond delay="0"/>
+                            </p:stCondLst>
+                            <p:childTnLst>
+                              <p:par>
+                                <p:cTn id="5" presetID="2" presetClass="entr" presetSubtype="4" fill="hold" grpId="0" nodeType="afterEffect">
+                                  <p:stCondLst>
+                                    <p:cond delay="0"/>
+                                  </p:stCondLst>
+                                  <p:childTnLst>
+                                    <p:set>
+                                      <p:cBhvr>
+                                        <p:cTn id="6" dur="1" fill="hold">
+                                          <p:stCondLst>
+                                            <p:cond delay="0"/>
+                                          </p:stCondLst>
+                                        </p:cTn>
+                                        <p:tgtEl>
+                                          <p:spTgt spid="12"/>
+                                        </p:tgtEl>
+                                        <p:attrNameLst>
+                                          <p:attrName>style.visibility</p:attrName>
+                                        </p:attrNameLst>
+                                      </p:cBhvr>
+                                      <p:to>
+                                        <p:strVal val="visible"/>
+                                      </p:to>
+                                    </p:set>
+                                    <p:anim calcmode="lin" valueType="num">
+                                      <p:cBhvr additive="base">
+                                        <p:cTn id="7" dur="500" fill="hold"/>
+                                        <p:tgtEl>
+                                          <p:spTgt spid="12"/>
+                                        </p:tgtEl>
+                                        <p:attrNameLst>
+                                          <p:attrName>ppt_x</p:attrName>
+                                        </p:attrNameLst>
+                                      </p:cBhvr>
+                                      <p:tavLst>
+                                        <p:tav tm="0">
+                                          <p:val>
+                                            <p:strVal val="#ppt_x"/>
+                                          </p:val>
+                                        </p:tav>
+                                        <p:tav tm="100000">
+                                          <p:val>
+                                            <p:strVal val="#ppt_x"/>
+                                          </p:val>
+                                        </p:tav>
+                                      </p:tavLst>
+                                    </p:anim>
+                                    <p:anim calcmode="lin" valueType="num">
+                                      <p:cBhvr additive="base">
+                                        <p:cTn id="8" dur="500" fill="hold"/>
+                                        <p:tgtEl>
+                                          <p:spTgt spid="12"/>
+                                        </p:tgtEl>
+                                        <p:attrNameLst>
+                                          <p:attrName>ppt_y</p:attrName>
+                                        </p:attrNameLst>
+                                      </p:cBhvr>
+                                      <p:tavLst>
+                                        <p:tav tm="0">
+                                          <p:val>
+                                            <p:strVal val="1+#ppt_h/2"/>
+                                          </p:val>
+                                        </p:tav>
+                                        <p:tav tm="100000">
+                                          <p:val>
+                                            <p:strVal val="#ppt_y"/>
+                                          </p:val>
+                                        </p:tav>
+                                      </p:tavLst>
+                                    </p:anim>
+                                  </p:childTnLst>
+                                </p:cTn>
+                              </p:par>
+                            </p:childTnLst>
+                          </p:cTn>
+                        </p:par>
+                      </p:childTnLst>
+                    </p:cTn>
+                  </p:par>
+                </p:childTnLst>
+              </p:cTn>
+              <p:prevCondLst>
+                <p:cond evt="onPrev" delay="0">
+                  <p:tgtEl>
+                    <p:sldTgt/>
+                  </p:tgtEl>
+                </p:cond>
+              </p:prevCondLst>
+              <p:nextCondLst>
+                <p:cond evt="onNext" delay="0">
+                  <p:tgtEl>
+                    <p:sldTgt/>
+                  </p:tgtEl>
+                </p:cond>
+              </p:nextCondLst>
+            </p:seq>
+          </p:childTnLst>
+        </p:cTn>
+      </p:par>
+    </p:tnLst>
+    <p:bldLst>
+      <p:bldP spid="12" grpId="0"/>
+    </p:bldLst>
+  </p:timing>
+</p:sld>
+</file>
+
+<file path=ppt/slides/slide17.xml><?xml version="1.0" encoding="utf-8"?>
+<p:sld xmlns:a="http://schemas.openxmlformats.org/drawingml/2006/main" xmlns:r="http://schemas.openxmlformats.org/officeDocument/2006/relationships" xmlns:p="http://schemas.openxmlformats.org/presentationml/2006/main">
+  <p:cSld>
+    <p:spTree>
+      <p:nvGrpSpPr>
+        <p:cNvPr id="1" name=""/>
+        <p:cNvGrpSpPr/>
+        <p:nvPr/>
+      </p:nvGrpSpPr>
+      <p:grpSpPr>
+        <a:xfrm>
+          <a:off x="0" y="0"/>
+          <a:ext cx="0" cy="0"/>
+          <a:chOff x="0" y="0"/>
+          <a:chExt cx="0" cy="0"/>
+        </a:xfrm>
+      </p:grpSpPr>
+      <p:pic>
+        <p:nvPicPr>
+          <p:cNvPr id="20" name="Picture 19" descr="https://images.unsplash.com/reserve/NV0eHnNkQDHA21GC3BAJ_Paris%20Louvr.jpg?ixlib=rb-0.3.5&amp;q=80&amp;fm=jpg&amp;w=1080&amp;fit=max&amp;s=4c69a58895596b711a6d5b59a53b1dc5"/>
+          <p:cNvPicPr>
+            <a:picLocks noChangeAspect="1" noChangeArrowheads="1"/>
+          </p:cNvPicPr>
+          <p:nvPr/>
+        </p:nvPicPr>
+        <p:blipFill>
+          <a:blip r:embed="rId2">
+            <a:duotone>
+              <a:prstClr val="black"/>
+              <a:schemeClr val="accent1">
+                <a:tint val="45000"/>
+                <a:satMod val="400000"/>
+              </a:schemeClr>
+            </a:duotone>
+            <a:extLst>
+              <a:ext uri="{28A0092B-C50C-407E-A947-70E740481C1C}">
+                <a14:useLocalDpi xmlns:a14="http://schemas.microsoft.com/office/drawing/2010/main" val="0"/>
+              </a:ext>
+            </a:extLst>
+          </a:blip>
+          <a:srcRect l="127" b="15625"/>
+          <a:stretch>
+            <a:fillRect/>
+          </a:stretch>
+        </p:blipFill>
+        <p:spPr bwMode="auto">
+          <a:xfrm>
+            <a:off x="0" y="7826"/>
+            <a:ext cx="12176562" cy="6858000"/>
+          </a:xfrm>
+          <a:custGeom>
+            <a:avLst/>
+            <a:gdLst>
+              <a:gd name="connsiteX0" fmla="*/ 0 w 12176562"/>
+              <a:gd name="connsiteY0" fmla="*/ 0 h 6858000"/>
+              <a:gd name="connsiteX1" fmla="*/ 12176562 w 12176562"/>
+              <a:gd name="connsiteY1" fmla="*/ 0 h 6858000"/>
+              <a:gd name="connsiteX2" fmla="*/ 12176562 w 12176562"/>
+              <a:gd name="connsiteY2" fmla="*/ 6858000 h 6858000"/>
+              <a:gd name="connsiteX3" fmla="*/ 0 w 12176562"/>
+              <a:gd name="connsiteY3" fmla="*/ 6858000 h 6858000"/>
+            </a:gdLst>
+            <a:ahLst/>
+            <a:cxnLst>
+              <a:cxn ang="0">
+                <a:pos x="connsiteX0" y="connsiteY0"/>
+              </a:cxn>
+              <a:cxn ang="0">
+                <a:pos x="connsiteX1" y="connsiteY1"/>
+              </a:cxn>
+              <a:cxn ang="0">
+                <a:pos x="connsiteX2" y="connsiteY2"/>
+              </a:cxn>
+              <a:cxn ang="0">
+                <a:pos x="connsiteX3" y="connsiteY3"/>
+              </a:cxn>
+            </a:cxnLst>
+            <a:rect l="l" t="t" r="r" b="b"/>
+            <a:pathLst>
+              <a:path w="12176562" h="6858000">
+                <a:moveTo>
+                  <a:pt x="0" y="0"/>
+                </a:moveTo>
+                <a:lnTo>
+                  <a:pt x="12176562" y="0"/>
+                </a:lnTo>
+                <a:lnTo>
+                  <a:pt x="12176562" y="6858000"/>
+                </a:lnTo>
+                <a:lnTo>
+                  <a:pt x="0" y="6858000"/>
+                </a:lnTo>
+                <a:close/>
+              </a:path>
+            </a:pathLst>
+          </a:custGeom>
+          <a:noFill/>
+          <a:extLst>
+            <a:ext uri="{909E8E84-426E-40DD-AFC4-6F175D3DCCD1}">
+              <a14:hiddenFill xmlns:a14="http://schemas.microsoft.com/office/drawing/2010/main">
+                <a:solidFill>
+                  <a:srgbClr val="FFFFFF"/>
+                </a:solidFill>
+              </a14:hiddenFill>
+            </a:ext>
+          </a:extLst>
+        </p:spPr>
+      </p:pic>
+      <p:sp>
+        <p:nvSpPr>
+          <p:cNvPr id="18" name="Rectangle 17"/>
+          <p:cNvSpPr/>
+          <p:nvPr/>
+        </p:nvSpPr>
+        <p:spPr>
+          <a:xfrm>
+            <a:off x="0" y="0"/>
+            <a:ext cx="12192000" cy="6858000"/>
+          </a:xfrm>
+          <a:prstGeom prst="rect">
+            <a:avLst/>
+          </a:prstGeom>
+          <a:solidFill>
+            <a:schemeClr val="tx1">
+              <a:alpha val="55000"/>
+            </a:schemeClr>
+          </a:solidFill>
+          <a:ln>
+            <a:noFill/>
+          </a:ln>
+        </p:spPr>
+        <p:style>
+          <a:lnRef idx="1">
+            <a:schemeClr val="accent1"/>
+          </a:lnRef>
+          <a:fillRef idx="3">
+            <a:schemeClr val="accent1"/>
+          </a:fillRef>
+          <a:effectRef idx="2">
+            <a:schemeClr val="accent1"/>
+          </a:effectRef>
+          <a:fontRef idx="minor">
+            <a:schemeClr val="lt1"/>
+          </a:fontRef>
+        </p:style>
+        <p:txBody>
+          <a:bodyPr rtlCol="0" anchor="ctr"/>
+          <a:lstStyle/>
+          <a:p>
+            <a:pPr algn="ctr" defTabSz="457200"/>
+            <a:endParaRPr lang="en-US" dirty="0">
+              <a:solidFill>
+                <a:prstClr val="white"/>
+              </a:solidFill>
+            </a:endParaRPr>
+          </a:p>
+        </p:txBody>
+      </p:sp>
+      <p:sp>
+        <p:nvSpPr>
+          <p:cNvPr id="4" name="TextBox 3">
+            <a:extLst>
+              <a:ext uri="{FF2B5EF4-FFF2-40B4-BE49-F238E27FC236}">
+                <a16:creationId xmlns:a16="http://schemas.microsoft.com/office/drawing/2014/main" id="{2155A478-4583-2147-AD91-499CD48BC61C}"/>
+              </a:ext>
+            </a:extLst>
+          </p:cNvPr>
+          <p:cNvSpPr txBox="1"/>
+          <p:nvPr/>
+        </p:nvSpPr>
+        <p:spPr>
+          <a:xfrm>
+            <a:off x="1311897" y="1168924"/>
+            <a:ext cx="9398524" cy="4093428"/>
+          </a:xfrm>
+          <a:prstGeom prst="rect">
+            <a:avLst/>
+          </a:prstGeom>
+          <a:noFill/>
+        </p:spPr>
+        <p:txBody>
+          <a:bodyPr wrap="square" rtlCol="0">
+            <a:spAutoFit/>
+          </a:bodyPr>
+          <a:lstStyle/>
+          <a:p>
+            <a:pPr marL="342900" indent="-342900">
+              <a:buFont typeface="Arial" panose="020B0604020202020204" pitchFamily="34" charset="0"/>
+              <a:buChar char="•"/>
+            </a:pPr>
             <a:r>
               <a:rPr lang="en-US" sz="2400" dirty="0">
                 <a:solidFill>
@@ -6177,7 +7466,677 @@
                 </a:solidFill>
                 <a:latin typeface="Raleway Medium" panose="020B0603030101060003" pitchFamily="34" charset="77"/>
               </a:rPr>
+              <a:t>This is a Python application. It reads the products from the product service and pushes them to Elasticsearch</a:t>
+            </a:r>
+          </a:p>
+          <a:p>
+            <a:pPr marL="342900" indent="-342900">
+              <a:buFont typeface="Arial" panose="020B0604020202020204" pitchFamily="34" charset="0"/>
+              <a:buChar char="•"/>
+            </a:pPr>
+            <a:r>
+              <a:rPr lang="en-US" sz="2400" dirty="0">
+                <a:solidFill>
+                  <a:schemeClr val="bg1"/>
+                </a:solidFill>
+                <a:latin typeface="Raleway Medium" panose="020B0603030101060003" pitchFamily="34" charset="77"/>
+              </a:rPr>
+              <a:t>The application does not listen on a port</a:t>
+            </a:r>
+          </a:p>
+          <a:p>
+            <a:pPr marL="342900" indent="-342900">
+              <a:buFont typeface="Arial" panose="020B0604020202020204" pitchFamily="34" charset="0"/>
+              <a:buChar char="•"/>
+            </a:pPr>
+            <a:r>
+              <a:rPr lang="en-US" sz="2400" dirty="0">
+                <a:solidFill>
+                  <a:schemeClr val="bg1"/>
+                </a:solidFill>
+                <a:latin typeface="Raleway Medium" panose="020B0603030101060003" pitchFamily="34" charset="77"/>
+              </a:rPr>
+              <a:t>The application can be run on a schedule using a </a:t>
+            </a:r>
+            <a:r>
+              <a:rPr lang="en-US" sz="2400" dirty="0" err="1">
+                <a:solidFill>
+                  <a:schemeClr val="bg1"/>
+                </a:solidFill>
+                <a:latin typeface="Raleway Medium" panose="020B0603030101060003" pitchFamily="34" charset="77"/>
+              </a:rPr>
+              <a:t>BatchJob</a:t>
+            </a:r>
+            <a:r>
+              <a:rPr lang="en-US" sz="2400" dirty="0">
+                <a:solidFill>
+                  <a:schemeClr val="bg1"/>
+                </a:solidFill>
+                <a:latin typeface="Raleway Medium" panose="020B0603030101060003" pitchFamily="34" charset="77"/>
+              </a:rPr>
+              <a:t>.</a:t>
+            </a:r>
+          </a:p>
+          <a:p>
+            <a:pPr marL="342900" indent="-342900">
+              <a:buFont typeface="Arial" panose="020B0604020202020204" pitchFamily="34" charset="0"/>
+              <a:buChar char="•"/>
+            </a:pPr>
+            <a:r>
+              <a:rPr lang="en-US" sz="2400" dirty="0">
+                <a:solidFill>
+                  <a:schemeClr val="bg1"/>
+                </a:solidFill>
+                <a:latin typeface="Raleway Medium" panose="020B0603030101060003" pitchFamily="34" charset="77"/>
+              </a:rPr>
+              <a:t>It communicates with the product service at: </a:t>
+            </a:r>
+            <a:r>
+              <a:rPr lang="en-US" sz="2400" dirty="0">
+                <a:solidFill>
+                  <a:schemeClr val="bg1"/>
+                </a:solidFill>
+                <a:latin typeface="Raleway Medium" panose="020B0603030101060003" pitchFamily="34" charset="77"/>
+                <a:hlinkClick r:id="rId3"/>
+              </a:rPr>
+              <a:t>http://rvstore-product-api:9001</a:t>
+            </a:r>
+            <a:r>
+              <a:rPr lang="en-US" sz="2400" dirty="0">
+                <a:solidFill>
+                  <a:schemeClr val="bg1"/>
+                </a:solidFill>
+                <a:latin typeface="Raleway Medium" panose="020B0603030101060003" pitchFamily="34" charset="77"/>
+              </a:rPr>
+              <a:t> and the Elasticsearch service at http://elasticsearch:9200.</a:t>
+            </a:r>
+          </a:p>
+          <a:p>
+            <a:pPr marL="342900" indent="-342900">
+              <a:buFont typeface="Arial" panose="020B0604020202020204" pitchFamily="34" charset="0"/>
+              <a:buChar char="•"/>
+            </a:pPr>
+            <a:r>
+              <a:rPr lang="en-US" sz="2400" dirty="0">
+                <a:solidFill>
+                  <a:schemeClr val="bg1"/>
+                </a:solidFill>
+                <a:latin typeface="Raleway Medium" panose="020B0603030101060003" pitchFamily="34" charset="77"/>
+              </a:rPr>
+              <a:t>Docker image: </a:t>
+            </a:r>
+            <a:r>
+              <a:rPr lang="en-US" sz="2400" dirty="0" err="1">
+                <a:solidFill>
+                  <a:schemeClr val="bg1"/>
+                </a:solidFill>
+                <a:latin typeface="Raleway Medium" panose="020B0603030101060003" pitchFamily="34" charset="77"/>
+              </a:rPr>
+              <a:t>public.ecr.aws</a:t>
+            </a:r>
+            <a:r>
+              <a:rPr lang="en-US" sz="2400" dirty="0">
+                <a:solidFill>
+                  <a:schemeClr val="bg1"/>
+                </a:solidFill>
+                <a:latin typeface="Raleway Medium" panose="020B0603030101060003" pitchFamily="34" charset="77"/>
+              </a:rPr>
+              <a:t>/e7e6w2e3/</a:t>
+            </a:r>
+            <a:r>
+              <a:rPr lang="en-US" sz="2400" dirty="0" err="1">
+                <a:solidFill>
+                  <a:schemeClr val="bg1"/>
+                </a:solidFill>
+                <a:latin typeface="Raleway Medium" panose="020B0603030101060003" pitchFamily="34" charset="77"/>
+              </a:rPr>
+              <a:t>rvstore</a:t>
+            </a:r>
+            <a:r>
+              <a:rPr lang="en-US" sz="2400" dirty="0">
+                <a:solidFill>
+                  <a:schemeClr val="bg1"/>
+                </a:solidFill>
+                <a:latin typeface="Raleway Medium" panose="020B0603030101060003" pitchFamily="34" charset="77"/>
+              </a:rPr>
+              <a:t>-product-sync </a:t>
+            </a:r>
+          </a:p>
+          <a:p>
+            <a:pPr marL="342900" indent="-342900">
+              <a:buFont typeface="Arial" panose="020B0604020202020204" pitchFamily="34" charset="0"/>
+              <a:buChar char="•"/>
+            </a:pPr>
+            <a:r>
+              <a:rPr lang="en-US" sz="2400" dirty="0">
+                <a:solidFill>
+                  <a:schemeClr val="bg1"/>
+                </a:solidFill>
+                <a:latin typeface="Raleway Medium" panose="020B0603030101060003" pitchFamily="34" charset="77"/>
+              </a:rPr>
+              <a:t>Environment variable:</a:t>
+            </a:r>
+          </a:p>
+          <a:p>
+            <a:pPr marL="800100" lvl="1" indent="-342900">
+              <a:buFont typeface="Arial" panose="020B0604020202020204" pitchFamily="34" charset="0"/>
+              <a:buChar char="•"/>
+            </a:pPr>
+            <a:r>
+              <a:rPr lang="en-US" sz="2000" dirty="0">
+                <a:solidFill>
+                  <a:schemeClr val="bg1"/>
+                </a:solidFill>
+                <a:latin typeface="Raleway Medium" panose="020B0603030101060003" pitchFamily="34" charset="77"/>
+              </a:rPr>
+              <a:t>JOB: “true”</a:t>
+            </a:r>
+            <a:endParaRPr lang="en-US" sz="2400" dirty="0">
+              <a:solidFill>
+                <a:schemeClr val="bg1"/>
+              </a:solidFill>
+              <a:latin typeface="Raleway Medium" panose="020B0603030101060003" pitchFamily="34" charset="77"/>
+            </a:endParaRPr>
+          </a:p>
+        </p:txBody>
+      </p:sp>
+      <p:sp>
+        <p:nvSpPr>
+          <p:cNvPr id="12" name="Title 1">
+            <a:extLst>
+              <a:ext uri="{FF2B5EF4-FFF2-40B4-BE49-F238E27FC236}">
+                <a16:creationId xmlns:a16="http://schemas.microsoft.com/office/drawing/2014/main" id="{0124313A-91DC-3240-9A34-921CC845B19A}"/>
+              </a:ext>
+            </a:extLst>
+          </p:cNvPr>
+          <p:cNvSpPr>
+            <a:spLocks noGrp="1"/>
+          </p:cNvSpPr>
+          <p:nvPr>
+            <p:ph type="title"/>
+          </p:nvPr>
+        </p:nvSpPr>
+        <p:spPr>
+          <a:xfrm>
+            <a:off x="650450" y="369988"/>
+            <a:ext cx="10742974" cy="609600"/>
+          </a:xfrm>
+        </p:spPr>
+        <p:txBody>
+          <a:bodyPr>
+            <a:noAutofit/>
+          </a:bodyPr>
+          <a:lstStyle/>
+          <a:p>
+            <a:pPr algn="l"/>
+            <a:r>
+              <a:rPr lang="en-US" sz="6000" dirty="0" err="1">
+                <a:solidFill>
+                  <a:prstClr val="white"/>
+                </a:solidFill>
+              </a:rPr>
+              <a:t>Rv</a:t>
+            </a:r>
+            <a:r>
+              <a:rPr lang="en-US" sz="6000" dirty="0">
+                <a:solidFill>
+                  <a:prstClr val="white"/>
+                </a:solidFill>
+              </a:rPr>
+              <a:t> store – </a:t>
+            </a:r>
+            <a:r>
+              <a:rPr lang="en-US" sz="6000" dirty="0">
+                <a:solidFill>
+                  <a:schemeClr val="accent3"/>
+                </a:solidFill>
+              </a:rPr>
+              <a:t>product sync application</a:t>
+            </a:r>
+            <a:endParaRPr lang="en-US" sz="6000" dirty="0"/>
+          </a:p>
+        </p:txBody>
+      </p:sp>
+    </p:spTree>
+    <p:extLst>
+      <p:ext uri="{BB962C8B-B14F-4D97-AF65-F5344CB8AC3E}">
+        <p14:creationId xmlns:p14="http://schemas.microsoft.com/office/powerpoint/2010/main" val="4208357364"/>
+      </p:ext>
+    </p:extLst>
+  </p:cSld>
+  <p:clrMapOvr>
+    <a:masterClrMapping/>
+  </p:clrMapOvr>
+  <p:transition spd="slow">
+    <p:wipe/>
+  </p:transition>
+  <p:timing>
+    <p:tnLst>
+      <p:par>
+        <p:cTn id="1" dur="indefinite" restart="never" nodeType="tmRoot">
+          <p:childTnLst>
+            <p:seq concurrent="1" nextAc="seek">
+              <p:cTn id="2" dur="indefinite" nodeType="mainSeq">
+                <p:childTnLst>
+                  <p:par>
+                    <p:cTn id="3" fill="hold">
+                      <p:stCondLst>
+                        <p:cond delay="indefinite"/>
+                        <p:cond evt="onBegin" delay="0">
+                          <p:tn val="2"/>
+                        </p:cond>
+                      </p:stCondLst>
+                      <p:childTnLst>
+                        <p:par>
+                          <p:cTn id="4" fill="hold">
+                            <p:stCondLst>
+                              <p:cond delay="0"/>
+                            </p:stCondLst>
+                            <p:childTnLst>
+                              <p:par>
+                                <p:cTn id="5" presetID="2" presetClass="entr" presetSubtype="4" fill="hold" grpId="0" nodeType="afterEffect">
+                                  <p:stCondLst>
+                                    <p:cond delay="0"/>
+                                  </p:stCondLst>
+                                  <p:childTnLst>
+                                    <p:set>
+                                      <p:cBhvr>
+                                        <p:cTn id="6" dur="1" fill="hold">
+                                          <p:stCondLst>
+                                            <p:cond delay="0"/>
+                                          </p:stCondLst>
+                                        </p:cTn>
+                                        <p:tgtEl>
+                                          <p:spTgt spid="12"/>
+                                        </p:tgtEl>
+                                        <p:attrNameLst>
+                                          <p:attrName>style.visibility</p:attrName>
+                                        </p:attrNameLst>
+                                      </p:cBhvr>
+                                      <p:to>
+                                        <p:strVal val="visible"/>
+                                      </p:to>
+                                    </p:set>
+                                    <p:anim calcmode="lin" valueType="num">
+                                      <p:cBhvr additive="base">
+                                        <p:cTn id="7" dur="500" fill="hold"/>
+                                        <p:tgtEl>
+                                          <p:spTgt spid="12"/>
+                                        </p:tgtEl>
+                                        <p:attrNameLst>
+                                          <p:attrName>ppt_x</p:attrName>
+                                        </p:attrNameLst>
+                                      </p:cBhvr>
+                                      <p:tavLst>
+                                        <p:tav tm="0">
+                                          <p:val>
+                                            <p:strVal val="#ppt_x"/>
+                                          </p:val>
+                                        </p:tav>
+                                        <p:tav tm="100000">
+                                          <p:val>
+                                            <p:strVal val="#ppt_x"/>
+                                          </p:val>
+                                        </p:tav>
+                                      </p:tavLst>
+                                    </p:anim>
+                                    <p:anim calcmode="lin" valueType="num">
+                                      <p:cBhvr additive="base">
+                                        <p:cTn id="8" dur="500" fill="hold"/>
+                                        <p:tgtEl>
+                                          <p:spTgt spid="12"/>
+                                        </p:tgtEl>
+                                        <p:attrNameLst>
+                                          <p:attrName>ppt_y</p:attrName>
+                                        </p:attrNameLst>
+                                      </p:cBhvr>
+                                      <p:tavLst>
+                                        <p:tav tm="0">
+                                          <p:val>
+                                            <p:strVal val="1+#ppt_h/2"/>
+                                          </p:val>
+                                        </p:tav>
+                                        <p:tav tm="100000">
+                                          <p:val>
+                                            <p:strVal val="#ppt_y"/>
+                                          </p:val>
+                                        </p:tav>
+                                      </p:tavLst>
+                                    </p:anim>
+                                  </p:childTnLst>
+                                </p:cTn>
+                              </p:par>
+                            </p:childTnLst>
+                          </p:cTn>
+                        </p:par>
+                      </p:childTnLst>
+                    </p:cTn>
+                  </p:par>
+                </p:childTnLst>
+              </p:cTn>
+              <p:prevCondLst>
+                <p:cond evt="onPrev" delay="0">
+                  <p:tgtEl>
+                    <p:sldTgt/>
+                  </p:tgtEl>
+                </p:cond>
+              </p:prevCondLst>
+              <p:nextCondLst>
+                <p:cond evt="onNext" delay="0">
+                  <p:tgtEl>
+                    <p:sldTgt/>
+                  </p:tgtEl>
+                </p:cond>
+              </p:nextCondLst>
+            </p:seq>
+          </p:childTnLst>
+        </p:cTn>
+      </p:par>
+    </p:tnLst>
+    <p:bldLst>
+      <p:bldP spid="12" grpId="0"/>
+    </p:bldLst>
+  </p:timing>
+</p:sld>
+</file>
+
+<file path=ppt/slides/slide18.xml><?xml version="1.0" encoding="utf-8"?>
+<p:sld xmlns:a="http://schemas.openxmlformats.org/drawingml/2006/main" xmlns:r="http://schemas.openxmlformats.org/officeDocument/2006/relationships" xmlns:p="http://schemas.openxmlformats.org/presentationml/2006/main">
+  <p:cSld>
+    <p:spTree>
+      <p:nvGrpSpPr>
+        <p:cNvPr id="1" name=""/>
+        <p:cNvGrpSpPr/>
+        <p:nvPr/>
+      </p:nvGrpSpPr>
+      <p:grpSpPr>
+        <a:xfrm>
+          <a:off x="0" y="0"/>
+          <a:ext cx="0" cy="0"/>
+          <a:chOff x="0" y="0"/>
+          <a:chExt cx="0" cy="0"/>
+        </a:xfrm>
+      </p:grpSpPr>
+      <p:pic>
+        <p:nvPicPr>
+          <p:cNvPr id="20" name="Picture 19" descr="https://images.unsplash.com/reserve/NV0eHnNkQDHA21GC3BAJ_Paris%20Louvr.jpg?ixlib=rb-0.3.5&amp;q=80&amp;fm=jpg&amp;w=1080&amp;fit=max&amp;s=4c69a58895596b711a6d5b59a53b1dc5"/>
+          <p:cNvPicPr>
+            <a:picLocks noChangeAspect="1" noChangeArrowheads="1"/>
+          </p:cNvPicPr>
+          <p:nvPr/>
+        </p:nvPicPr>
+        <p:blipFill>
+          <a:blip r:embed="rId2">
+            <a:duotone>
+              <a:prstClr val="black"/>
+              <a:schemeClr val="accent1">
+                <a:tint val="45000"/>
+                <a:satMod val="400000"/>
+              </a:schemeClr>
+            </a:duotone>
+            <a:extLst>
+              <a:ext uri="{28A0092B-C50C-407E-A947-70E740481C1C}">
+                <a14:useLocalDpi xmlns:a14="http://schemas.microsoft.com/office/drawing/2010/main" val="0"/>
+              </a:ext>
+            </a:extLst>
+          </a:blip>
+          <a:srcRect l="127" b="15625"/>
+          <a:stretch>
+            <a:fillRect/>
+          </a:stretch>
+        </p:blipFill>
+        <p:spPr bwMode="auto">
+          <a:xfrm>
+            <a:off x="0" y="7826"/>
+            <a:ext cx="12176562" cy="6858000"/>
+          </a:xfrm>
+          <a:custGeom>
+            <a:avLst/>
+            <a:gdLst>
+              <a:gd name="connsiteX0" fmla="*/ 0 w 12176562"/>
+              <a:gd name="connsiteY0" fmla="*/ 0 h 6858000"/>
+              <a:gd name="connsiteX1" fmla="*/ 12176562 w 12176562"/>
+              <a:gd name="connsiteY1" fmla="*/ 0 h 6858000"/>
+              <a:gd name="connsiteX2" fmla="*/ 12176562 w 12176562"/>
+              <a:gd name="connsiteY2" fmla="*/ 6858000 h 6858000"/>
+              <a:gd name="connsiteX3" fmla="*/ 0 w 12176562"/>
+              <a:gd name="connsiteY3" fmla="*/ 6858000 h 6858000"/>
+            </a:gdLst>
+            <a:ahLst/>
+            <a:cxnLst>
+              <a:cxn ang="0">
+                <a:pos x="connsiteX0" y="connsiteY0"/>
+              </a:cxn>
+              <a:cxn ang="0">
+                <a:pos x="connsiteX1" y="connsiteY1"/>
+              </a:cxn>
+              <a:cxn ang="0">
+                <a:pos x="connsiteX2" y="connsiteY2"/>
+              </a:cxn>
+              <a:cxn ang="0">
+                <a:pos x="connsiteX3" y="connsiteY3"/>
+              </a:cxn>
+            </a:cxnLst>
+            <a:rect l="l" t="t" r="r" b="b"/>
+            <a:pathLst>
+              <a:path w="12176562" h="6858000">
+                <a:moveTo>
+                  <a:pt x="0" y="0"/>
+                </a:moveTo>
+                <a:lnTo>
+                  <a:pt x="12176562" y="0"/>
+                </a:lnTo>
+                <a:lnTo>
+                  <a:pt x="12176562" y="6858000"/>
+                </a:lnTo>
+                <a:lnTo>
+                  <a:pt x="0" y="6858000"/>
+                </a:lnTo>
+                <a:close/>
+              </a:path>
+            </a:pathLst>
+          </a:custGeom>
+          <a:noFill/>
+          <a:extLst>
+            <a:ext uri="{909E8E84-426E-40DD-AFC4-6F175D3DCCD1}">
+              <a14:hiddenFill xmlns:a14="http://schemas.microsoft.com/office/drawing/2010/main">
+                <a:solidFill>
+                  <a:srgbClr val="FFFFFF"/>
+                </a:solidFill>
+              </a14:hiddenFill>
+            </a:ext>
+          </a:extLst>
+        </p:spPr>
+      </p:pic>
+      <p:sp>
+        <p:nvSpPr>
+          <p:cNvPr id="18" name="Rectangle 17"/>
+          <p:cNvSpPr/>
+          <p:nvPr/>
+        </p:nvSpPr>
+        <p:spPr>
+          <a:xfrm>
+            <a:off x="0" y="0"/>
+            <a:ext cx="12192000" cy="6858000"/>
+          </a:xfrm>
+          <a:prstGeom prst="rect">
+            <a:avLst/>
+          </a:prstGeom>
+          <a:solidFill>
+            <a:schemeClr val="tx1">
+              <a:alpha val="55000"/>
+            </a:schemeClr>
+          </a:solidFill>
+          <a:ln>
+            <a:noFill/>
+          </a:ln>
+        </p:spPr>
+        <p:style>
+          <a:lnRef idx="1">
+            <a:schemeClr val="accent1"/>
+          </a:lnRef>
+          <a:fillRef idx="3">
+            <a:schemeClr val="accent1"/>
+          </a:fillRef>
+          <a:effectRef idx="2">
+            <a:schemeClr val="accent1"/>
+          </a:effectRef>
+          <a:fontRef idx="minor">
+            <a:schemeClr val="lt1"/>
+          </a:fontRef>
+        </p:style>
+        <p:txBody>
+          <a:bodyPr rtlCol="0" anchor="ctr"/>
+          <a:lstStyle/>
+          <a:p>
+            <a:pPr algn="ctr" defTabSz="457200"/>
+            <a:endParaRPr lang="en-US" dirty="0">
+              <a:solidFill>
+                <a:prstClr val="white"/>
+              </a:solidFill>
+            </a:endParaRPr>
+          </a:p>
+        </p:txBody>
+      </p:sp>
+      <p:sp>
+        <p:nvSpPr>
+          <p:cNvPr id="4" name="TextBox 3">
+            <a:extLst>
+              <a:ext uri="{FF2B5EF4-FFF2-40B4-BE49-F238E27FC236}">
+                <a16:creationId xmlns:a16="http://schemas.microsoft.com/office/drawing/2014/main" id="{2155A478-4583-2147-AD91-499CD48BC61C}"/>
+              </a:ext>
+            </a:extLst>
+          </p:cNvPr>
+          <p:cNvSpPr txBox="1"/>
+          <p:nvPr/>
+        </p:nvSpPr>
+        <p:spPr>
+          <a:xfrm>
+            <a:off x="1311897" y="1168924"/>
+            <a:ext cx="9398524" cy="5447645"/>
+          </a:xfrm>
+          <a:prstGeom prst="rect">
+            <a:avLst/>
+          </a:prstGeom>
+          <a:noFill/>
+        </p:spPr>
+        <p:txBody>
+          <a:bodyPr wrap="square" rtlCol="0">
+            <a:spAutoFit/>
+          </a:bodyPr>
+          <a:lstStyle/>
+          <a:p>
+            <a:pPr marL="342900" indent="-342900">
+              <a:buFont typeface="Arial" panose="020B0604020202020204" pitchFamily="34" charset="0"/>
+              <a:buChar char="•"/>
+            </a:pPr>
+            <a:r>
+              <a:rPr lang="en-US" sz="2400" dirty="0">
+                <a:solidFill>
+                  <a:schemeClr val="bg1"/>
+                </a:solidFill>
+                <a:latin typeface="Raleway Medium" panose="020B0603030101060003" pitchFamily="34" charset="77"/>
+              </a:rPr>
+              <a:t>For this we’re using the public mongo image in Docker Hub.</a:t>
+            </a:r>
+          </a:p>
+          <a:p>
+            <a:pPr marL="342900" indent="-342900">
+              <a:buFont typeface="Arial" panose="020B0604020202020204" pitchFamily="34" charset="0"/>
+              <a:buChar char="•"/>
+            </a:pPr>
+            <a:r>
+              <a:rPr lang="en-US" sz="2400" dirty="0">
+                <a:solidFill>
+                  <a:schemeClr val="bg1"/>
+                </a:solidFill>
+                <a:latin typeface="Raleway Medium" panose="020B0603030101060003" pitchFamily="34" charset="77"/>
+              </a:rPr>
+              <a:t>Docker image: </a:t>
+            </a:r>
+            <a:r>
+              <a:rPr lang="en-US" sz="2400" dirty="0" err="1">
+                <a:solidFill>
+                  <a:schemeClr val="bg1"/>
+                </a:solidFill>
+                <a:latin typeface="Raleway Medium" panose="020B0603030101060003" pitchFamily="34" charset="77"/>
+              </a:rPr>
+              <a:t>public.ecr.aws</a:t>
+            </a:r>
+            <a:r>
+              <a:rPr lang="en-US" sz="2400" dirty="0">
+                <a:solidFill>
+                  <a:schemeClr val="bg1"/>
+                </a:solidFill>
+                <a:latin typeface="Raleway Medium" panose="020B0603030101060003" pitchFamily="34" charset="77"/>
+              </a:rPr>
+              <a:t>/e7e6w2e3/</a:t>
+            </a:r>
+            <a:r>
+              <a:rPr lang="en-US" sz="2400" dirty="0" err="1">
+                <a:solidFill>
+                  <a:schemeClr val="bg1"/>
+                </a:solidFill>
+                <a:latin typeface="Raleway Medium" panose="020B0603030101060003" pitchFamily="34" charset="77"/>
+              </a:rPr>
+              <a:t>rvstore</a:t>
+            </a:r>
+            <a:r>
+              <a:rPr lang="en-US" sz="2400" dirty="0">
+                <a:solidFill>
+                  <a:schemeClr val="bg1"/>
+                </a:solidFill>
+                <a:latin typeface="Raleway Medium" panose="020B0603030101060003" pitchFamily="34" charset="77"/>
+              </a:rPr>
+              <a:t>-mongo</a:t>
+            </a:r>
+          </a:p>
+          <a:p>
+            <a:pPr marL="342900" indent="-342900">
+              <a:buFont typeface="Arial" panose="020B0604020202020204" pitchFamily="34" charset="0"/>
+              <a:buChar char="•"/>
+            </a:pPr>
+            <a:r>
+              <a:rPr lang="en-US" sz="2400" dirty="0">
+                <a:solidFill>
+                  <a:schemeClr val="bg1"/>
+                </a:solidFill>
+                <a:latin typeface="Raleway Medium" panose="020B0603030101060003" pitchFamily="34" charset="77"/>
+              </a:rPr>
               <a:t>Runs on port 27017</a:t>
+            </a:r>
+          </a:p>
+          <a:p>
+            <a:pPr marL="342900" indent="-342900">
+              <a:buFont typeface="Arial" panose="020B0604020202020204" pitchFamily="34" charset="0"/>
+              <a:buChar char="•"/>
+            </a:pPr>
+            <a:r>
+              <a:rPr lang="en-US" sz="2400" dirty="0">
+                <a:solidFill>
+                  <a:schemeClr val="bg1"/>
+                </a:solidFill>
+                <a:latin typeface="Raleway Medium" panose="020B0603030101060003" pitchFamily="34" charset="77"/>
+              </a:rPr>
+              <a:t>Run it as a </a:t>
+            </a:r>
+            <a:r>
+              <a:rPr lang="en-US" sz="2400" dirty="0" err="1">
+                <a:solidFill>
+                  <a:schemeClr val="bg1"/>
+                </a:solidFill>
+                <a:latin typeface="Raleway Medium" panose="020B0603030101060003" pitchFamily="34" charset="77"/>
+              </a:rPr>
+              <a:t>StatefulSet</a:t>
+            </a:r>
+            <a:r>
+              <a:rPr lang="en-US" sz="2400" dirty="0">
+                <a:solidFill>
+                  <a:schemeClr val="bg1"/>
+                </a:solidFill>
+                <a:latin typeface="Raleway Medium" panose="020B0603030101060003" pitchFamily="34" charset="77"/>
+              </a:rPr>
+              <a:t> with a single replica.</a:t>
             </a:r>
           </a:p>
           <a:p>
@@ -9646,119 +11605,35 @@
           <a:chExt cx="0" cy="0"/>
         </a:xfrm>
       </p:grpSpPr>
-      <p:pic>
-        <p:nvPicPr>
-          <p:cNvPr id="20" name="Picture 19" descr="https://images.unsplash.com/reserve/NV0eHnNkQDHA21GC3BAJ_Paris%20Louvr.jpg?ixlib=rb-0.3.5&amp;q=80&amp;fm=jpg&amp;w=1080&amp;fit=max&amp;s=4c69a58895596b711a6d5b59a53b1dc5"/>
-          <p:cNvPicPr>
-            <a:picLocks noChangeAspect="1" noChangeArrowheads="1"/>
-          </p:cNvPicPr>
-          <p:nvPr/>
-        </p:nvPicPr>
-        <p:blipFill>
-          <a:blip r:embed="rId2">
-            <a:duotone>
-              <a:prstClr val="black"/>
-              <a:schemeClr val="accent1">
-                <a:tint val="45000"/>
-                <a:satMod val="400000"/>
-              </a:schemeClr>
-            </a:duotone>
+      <p:sp>
+        <p:nvSpPr>
+          <p:cNvPr id="5" name="Rectangle 4">
             <a:extLst>
-              <a:ext uri="{28A0092B-C50C-407E-A947-70E740481C1C}">
-                <a14:useLocalDpi xmlns:a14="http://schemas.microsoft.com/office/drawing/2010/main" val="0"/>
+              <a:ext uri="{FF2B5EF4-FFF2-40B4-BE49-F238E27FC236}">
+                <a16:creationId xmlns:a16="http://schemas.microsoft.com/office/drawing/2014/main" id="{85838FAD-1705-3E4B-8B0A-442E96ED265F}"/>
               </a:ext>
             </a:extLst>
-          </a:blip>
-          <a:srcRect l="127" b="15625"/>
-          <a:stretch>
-            <a:fillRect/>
-          </a:stretch>
-        </p:blipFill>
-        <p:spPr bwMode="auto">
-          <a:xfrm>
-            <a:off x="0" y="7826"/>
-            <a:ext cx="12176562" cy="6858000"/>
-          </a:xfrm>
-          <a:custGeom>
-            <a:avLst/>
-            <a:gdLst>
-              <a:gd name="connsiteX0" fmla="*/ 0 w 12176562"/>
-              <a:gd name="connsiteY0" fmla="*/ 0 h 6858000"/>
-              <a:gd name="connsiteX1" fmla="*/ 12176562 w 12176562"/>
-              <a:gd name="connsiteY1" fmla="*/ 0 h 6858000"/>
-              <a:gd name="connsiteX2" fmla="*/ 12176562 w 12176562"/>
-              <a:gd name="connsiteY2" fmla="*/ 6858000 h 6858000"/>
-              <a:gd name="connsiteX3" fmla="*/ 0 w 12176562"/>
-              <a:gd name="connsiteY3" fmla="*/ 6858000 h 6858000"/>
-            </a:gdLst>
-            <a:ahLst/>
-            <a:cxnLst>
-              <a:cxn ang="0">
-                <a:pos x="connsiteX0" y="connsiteY0"/>
-              </a:cxn>
-              <a:cxn ang="0">
-                <a:pos x="connsiteX1" y="connsiteY1"/>
-              </a:cxn>
-              <a:cxn ang="0">
-                <a:pos x="connsiteX2" y="connsiteY2"/>
-              </a:cxn>
-              <a:cxn ang="0">
-                <a:pos x="connsiteX3" y="connsiteY3"/>
-              </a:cxn>
-            </a:cxnLst>
-            <a:rect l="l" t="t" r="r" b="b"/>
-            <a:pathLst>
-              <a:path w="12176562" h="6858000">
-                <a:moveTo>
-                  <a:pt x="0" y="0"/>
-                </a:moveTo>
-                <a:lnTo>
-                  <a:pt x="12176562" y="0"/>
-                </a:lnTo>
-                <a:lnTo>
-                  <a:pt x="12176562" y="6858000"/>
-                </a:lnTo>
-                <a:lnTo>
-                  <a:pt x="0" y="6858000"/>
-                </a:lnTo>
-                <a:close/>
-              </a:path>
-            </a:pathLst>
-          </a:custGeom>
-          <a:noFill/>
-          <a:extLst>
-            <a:ext uri="{909E8E84-426E-40DD-AFC4-6F175D3DCCD1}">
-              <a14:hiddenFill xmlns:a14="http://schemas.microsoft.com/office/drawing/2010/main">
-                <a:solidFill>
-                  <a:srgbClr val="FFFFFF"/>
-                </a:solidFill>
-              </a14:hiddenFill>
-            </a:ext>
-          </a:extLst>
-        </p:spPr>
-      </p:pic>
-      <p:sp>
-        <p:nvSpPr>
-          <p:cNvPr id="18" name="Rectangle 17"/>
+          </p:cNvPr>
           <p:cNvSpPr/>
           <p:nvPr/>
         </p:nvSpPr>
         <p:spPr>
           <a:xfrm>
-            <a:off x="0" y="0"/>
-            <a:ext cx="12192000" cy="6858000"/>
+            <a:off x="0" y="1117600"/>
+            <a:ext cx="12192000" cy="5740400"/>
           </a:xfrm>
           <a:prstGeom prst="rect">
             <a:avLst/>
           </a:prstGeom>
           <a:solidFill>
-            <a:schemeClr val="tx1">
-              <a:alpha val="55000"/>
+            <a:schemeClr val="bg1">
+              <a:lumMod val="75000"/>
             </a:schemeClr>
           </a:solidFill>
-          <a:ln>
+          <a:ln w="38100">
             <a:noFill/>
           </a:ln>
+          <a:effectLst/>
         </p:spPr>
         <p:style>
           <a:lnRef idx="1">
@@ -9775,296 +11650,16 @@
           </a:fontRef>
         </p:style>
         <p:txBody>
-          <a:bodyPr rtlCol="0" anchor="ctr"/>
-          <a:lstStyle/>
-          <a:p>
-            <a:pPr algn="ctr" defTabSz="457200"/>
-            <a:endParaRPr lang="en-US" dirty="0">
-              <a:solidFill>
-                <a:prstClr val="white"/>
-              </a:solidFill>
-            </a:endParaRPr>
-          </a:p>
-        </p:txBody>
-      </p:sp>
-      <p:sp>
-        <p:nvSpPr>
-          <p:cNvPr id="4" name="TextBox 3">
-            <a:extLst>
-              <a:ext uri="{FF2B5EF4-FFF2-40B4-BE49-F238E27FC236}">
-                <a16:creationId xmlns:a16="http://schemas.microsoft.com/office/drawing/2014/main" id="{2155A478-4583-2147-AD91-499CD48BC61C}"/>
-              </a:ext>
-            </a:extLst>
-          </p:cNvPr>
-          <p:cNvSpPr txBox="1"/>
-          <p:nvPr/>
-        </p:nvSpPr>
-        <p:spPr>
-          <a:xfrm>
-            <a:off x="1311897" y="1168924"/>
-            <a:ext cx="9398524" cy="6370975"/>
-          </a:xfrm>
-          <a:prstGeom prst="rect">
-            <a:avLst/>
-          </a:prstGeom>
-          <a:noFill/>
-        </p:spPr>
-        <p:txBody>
-          <a:bodyPr wrap="square" rtlCol="0">
-            <a:spAutoFit/>
+          <a:bodyPr rot="0" spcFirstLastPara="0" vertOverflow="overflow" horzOverflow="overflow" vert="horz" wrap="square" lIns="91440" tIns="45720" rIns="91440" bIns="45720" numCol="1" spcCol="0" rtlCol="0" fromWordArt="0" anchor="ctr" anchorCtr="0" forceAA="0" compatLnSpc="1">
+            <a:prstTxWarp prst="textNoShape">
+              <a:avLst/>
+            </a:prstTxWarp>
+            <a:noAutofit/>
           </a:bodyPr>
           <a:lstStyle/>
           <a:p>
-            <a:pPr marL="342900" indent="-342900">
-              <a:buFont typeface="Arial" panose="020B0604020202020204" pitchFamily="34" charset="0"/>
-              <a:buChar char="•"/>
-            </a:pPr>
-            <a:r>
-              <a:rPr lang="en-US" sz="2400" dirty="0">
-                <a:solidFill>
-                  <a:schemeClr val="bg1"/>
-                </a:solidFill>
-                <a:latin typeface="Raleway Medium" panose="020B0603030101060003" pitchFamily="34" charset="77"/>
-              </a:rPr>
-              <a:t>The RV store is a mock ecommerce application.</a:t>
-            </a:r>
-          </a:p>
-          <a:p>
-            <a:pPr marL="342900" indent="-342900">
-              <a:buFont typeface="Arial" panose="020B0604020202020204" pitchFamily="34" charset="0"/>
-              <a:buChar char="•"/>
-            </a:pPr>
-            <a:r>
-              <a:rPr lang="en-US" sz="2400" dirty="0">
-                <a:solidFill>
-                  <a:schemeClr val="bg1"/>
-                </a:solidFill>
-                <a:latin typeface="Raleway Medium" panose="020B0603030101060003" pitchFamily="34" charset="77"/>
-              </a:rPr>
-              <a:t>Your task is to get the application running on a Kubernetes cluster.</a:t>
-            </a:r>
-          </a:p>
-          <a:p>
-            <a:pPr marL="342900" indent="-342900">
-              <a:buFont typeface="Arial" panose="020B0604020202020204" pitchFamily="34" charset="0"/>
-              <a:buChar char="•"/>
-            </a:pPr>
-            <a:r>
-              <a:rPr lang="en-US" sz="2400" dirty="0">
-                <a:solidFill>
-                  <a:schemeClr val="bg1"/>
-                </a:solidFill>
-                <a:latin typeface="Raleway Medium" panose="020B0603030101060003" pitchFamily="34" charset="77"/>
-              </a:rPr>
-              <a:t>There are six services plus a Mongo DB, each with their own Docker image:</a:t>
-            </a:r>
-          </a:p>
-          <a:p>
-            <a:pPr marL="800100" lvl="1" indent="-342900">
-              <a:buFont typeface="Arial" panose="020B0604020202020204" pitchFamily="34" charset="0"/>
-              <a:buChar char="•"/>
-            </a:pPr>
-            <a:r>
-              <a:rPr lang="en-US" sz="2400" dirty="0">
-                <a:solidFill>
-                  <a:schemeClr val="bg1"/>
-                </a:solidFill>
-                <a:latin typeface="Raleway Medium" panose="020B0603030101060003" pitchFamily="34" charset="77"/>
-              </a:rPr>
-              <a:t>Angular UI running in Nginx</a:t>
-            </a:r>
-          </a:p>
-          <a:p>
-            <a:pPr marL="800100" lvl="1" indent="-342900">
-              <a:buFont typeface="Arial" panose="020B0604020202020204" pitchFamily="34" charset="0"/>
-              <a:buChar char="•"/>
-            </a:pPr>
-            <a:r>
-              <a:rPr lang="en-US" sz="2400" dirty="0">
-                <a:solidFill>
-                  <a:schemeClr val="bg1"/>
-                </a:solidFill>
-                <a:latin typeface="Raleway Medium" panose="020B0603030101060003" pitchFamily="34" charset="77"/>
-              </a:rPr>
-              <a:t>Authentication service</a:t>
-            </a:r>
-          </a:p>
-          <a:p>
-            <a:pPr marL="800100" lvl="1" indent="-342900">
-              <a:buFont typeface="Arial" panose="020B0604020202020204" pitchFamily="34" charset="0"/>
-              <a:buChar char="•"/>
-            </a:pPr>
-            <a:r>
-              <a:rPr lang="en-US" sz="2400" dirty="0">
-                <a:solidFill>
-                  <a:schemeClr val="bg1"/>
-                </a:solidFill>
-                <a:latin typeface="Raleway Medium" panose="020B0603030101060003" pitchFamily="34" charset="77"/>
-              </a:rPr>
-              <a:t>Product service</a:t>
-            </a:r>
-          </a:p>
-          <a:p>
-            <a:pPr marL="800100" lvl="1" indent="-342900">
-              <a:buFont typeface="Arial" panose="020B0604020202020204" pitchFamily="34" charset="0"/>
-              <a:buChar char="•"/>
-            </a:pPr>
-            <a:r>
-              <a:rPr lang="en-US" sz="2400" dirty="0">
-                <a:solidFill>
-                  <a:schemeClr val="bg1"/>
-                </a:solidFill>
-                <a:latin typeface="Raleway Medium" panose="020B0603030101060003" pitchFamily="34" charset="77"/>
-              </a:rPr>
-              <a:t>Order service</a:t>
-            </a:r>
-          </a:p>
-          <a:p>
-            <a:pPr marL="800100" lvl="1" indent="-342900">
-              <a:buFont typeface="Arial" panose="020B0604020202020204" pitchFamily="34" charset="0"/>
-              <a:buChar char="•"/>
-            </a:pPr>
-            <a:r>
-              <a:rPr lang="en-US" sz="2400" dirty="0">
-                <a:solidFill>
-                  <a:schemeClr val="bg1"/>
-                </a:solidFill>
-                <a:latin typeface="Raleway Medium" panose="020B0603030101060003" pitchFamily="34" charset="77"/>
-              </a:rPr>
-              <a:t>Order simulator</a:t>
-            </a:r>
-          </a:p>
-          <a:p>
-            <a:pPr marL="800100" lvl="1" indent="-342900">
-              <a:buFont typeface="Arial" panose="020B0604020202020204" pitchFamily="34" charset="0"/>
-              <a:buChar char="•"/>
-            </a:pPr>
-            <a:r>
-              <a:rPr lang="en-US" sz="2400" dirty="0">
-                <a:solidFill>
-                  <a:schemeClr val="bg1"/>
-                </a:solidFill>
-                <a:latin typeface="Raleway Medium" panose="020B0603030101060003" pitchFamily="34" charset="77"/>
-              </a:rPr>
-              <a:t>Gateway edge service</a:t>
-            </a:r>
-          </a:p>
-          <a:p>
-            <a:pPr marL="342900" indent="-342900">
-              <a:buFont typeface="Arial" panose="020B0604020202020204" pitchFamily="34" charset="0"/>
-              <a:buChar char="•"/>
-            </a:pPr>
-            <a:r>
-              <a:rPr lang="en-US" sz="2400" dirty="0">
-                <a:solidFill>
-                  <a:schemeClr val="bg1"/>
-                </a:solidFill>
-                <a:latin typeface="Raleway Medium" panose="020B0603030101060003" pitchFamily="34" charset="77"/>
-              </a:rPr>
-              <a:t>Solutions are provided in the </a:t>
-            </a:r>
-            <a:r>
-              <a:rPr lang="en-US" sz="2400" dirty="0" err="1">
-                <a:solidFill>
-                  <a:schemeClr val="bg1"/>
-                </a:solidFill>
-                <a:latin typeface="Raleway Medium" panose="020B0603030101060003" pitchFamily="34" charset="77"/>
-              </a:rPr>
-              <a:t>Github</a:t>
-            </a:r>
-            <a:r>
-              <a:rPr lang="en-US" sz="2400" dirty="0">
-                <a:solidFill>
-                  <a:schemeClr val="bg1"/>
-                </a:solidFill>
-                <a:latin typeface="Raleway Medium" panose="020B0603030101060003" pitchFamily="34" charset="77"/>
-              </a:rPr>
-              <a:t> repo. But try to only use them to get unstuck on a specific problem!</a:t>
-            </a:r>
-          </a:p>
-          <a:p>
-            <a:pPr marL="342900" indent="-342900">
-              <a:buFont typeface="Arial" panose="020B0604020202020204" pitchFamily="34" charset="0"/>
-              <a:buChar char="•"/>
-            </a:pPr>
-            <a:r>
-              <a:rPr lang="en-US" sz="2400" dirty="0" err="1">
-                <a:solidFill>
-                  <a:schemeClr val="bg1"/>
-                </a:solidFill>
-                <a:latin typeface="Raleway Medium" panose="020B0603030101060003" pitchFamily="34" charset="77"/>
-              </a:rPr>
-              <a:t>Github</a:t>
-            </a:r>
-            <a:r>
-              <a:rPr lang="en-US" sz="2400" dirty="0">
-                <a:solidFill>
-                  <a:schemeClr val="bg1"/>
-                </a:solidFill>
-                <a:latin typeface="Raleway Medium" panose="020B0603030101060003" pitchFamily="34" charset="77"/>
-              </a:rPr>
-              <a:t> repo is at https://</a:t>
-            </a:r>
-            <a:r>
-              <a:rPr lang="en-US" sz="2400" dirty="0" err="1">
-                <a:solidFill>
-                  <a:schemeClr val="bg1"/>
-                </a:solidFill>
-                <a:latin typeface="Raleway Medium" panose="020B0603030101060003" pitchFamily="34" charset="77"/>
-              </a:rPr>
-              <a:t>www.github.com</a:t>
-            </a:r>
-            <a:r>
-              <a:rPr lang="en-US" sz="2400" dirty="0">
-                <a:solidFill>
-                  <a:schemeClr val="bg1"/>
-                </a:solidFill>
-                <a:latin typeface="Raleway Medium" panose="020B0603030101060003" pitchFamily="34" charset="77"/>
-              </a:rPr>
-              <a:t>/</a:t>
-            </a:r>
-            <a:r>
-              <a:rPr lang="en-US" sz="2400" dirty="0" err="1">
-                <a:solidFill>
-                  <a:schemeClr val="bg1"/>
-                </a:solidFill>
-                <a:latin typeface="Raleway Medium" panose="020B0603030101060003" pitchFamily="34" charset="77"/>
-              </a:rPr>
-              <a:t>VergeOps</a:t>
-            </a:r>
-            <a:r>
-              <a:rPr lang="en-US" sz="2400" dirty="0">
-                <a:solidFill>
-                  <a:schemeClr val="bg1"/>
-                </a:solidFill>
-                <a:latin typeface="Raleway Medium" panose="020B0603030101060003" pitchFamily="34" charset="77"/>
-              </a:rPr>
-              <a:t>/k8s-rvstore</a:t>
-            </a:r>
-          </a:p>
-          <a:p>
-            <a:pPr marL="342900" indent="-342900">
-              <a:buFont typeface="Arial" panose="020B0604020202020204" pitchFamily="34" charset="0"/>
-              <a:buChar char="•"/>
-            </a:pPr>
-            <a:endParaRPr lang="en-US" sz="2400" dirty="0">
-              <a:solidFill>
-                <a:schemeClr val="bg1"/>
-              </a:solidFill>
-              <a:latin typeface="Raleway Medium" panose="020B0603030101060003" pitchFamily="34" charset="77"/>
-            </a:endParaRPr>
-          </a:p>
-          <a:p>
-            <a:pPr marL="285750" indent="-285750">
-              <a:buFont typeface="Arial" panose="020B0604020202020204" pitchFamily="34" charset="0"/>
-              <a:buChar char="•"/>
-            </a:pPr>
-            <a:endParaRPr lang="en-US" sz="2400" dirty="0">
-              <a:solidFill>
-                <a:schemeClr val="bg1"/>
-              </a:solidFill>
-              <a:latin typeface="Raleway Medium" panose="020B0603030101060003" pitchFamily="34" charset="77"/>
-            </a:endParaRPr>
+            <a:pPr algn="ctr"/>
+            <a:endParaRPr lang="en-US"/>
           </a:p>
         </p:txBody>
       </p:sp>
@@ -10098,12 +11693,20 @@
           <a:p>
             <a:pPr algn="l"/>
             <a:r>
+              <a:rPr lang="en-US" sz="6000" dirty="0" err="1">
+                <a:solidFill>
+                  <a:prstClr val="white"/>
+                </a:solidFill>
+              </a:rPr>
+              <a:t>RVStore</a:t>
+            </a:r>
+            <a:r>
               <a:rPr lang="en-US" sz="6000" dirty="0">
                 <a:solidFill>
                   <a:prstClr val="white"/>
                 </a:solidFill>
               </a:rPr>
-              <a:t>hackathon - </a:t>
+              <a:t> - </a:t>
             </a:r>
             <a:r>
               <a:rPr lang="en-US" sz="6000" dirty="0">
@@ -10117,6 +11720,42 @@
           </a:p>
         </p:txBody>
       </p:sp>
+      <p:pic>
+        <p:nvPicPr>
+          <p:cNvPr id="3" name="Picture 2" descr="Icon&#10;&#10;Description automatically generated with medium confidence">
+            <a:extLst>
+              <a:ext uri="{FF2B5EF4-FFF2-40B4-BE49-F238E27FC236}">
+                <a16:creationId xmlns:a16="http://schemas.microsoft.com/office/drawing/2014/main" id="{3A69FDE6-68D1-944E-B9AB-C6D1CED3B890}"/>
+              </a:ext>
+            </a:extLst>
+          </p:cNvPr>
+          <p:cNvPicPr>
+            <a:picLocks noChangeAspect="1"/>
+          </p:cNvPicPr>
+          <p:nvPr/>
+        </p:nvPicPr>
+        <p:blipFill>
+          <a:blip r:embed="rId2">
+            <a:extLst>
+              <a:ext uri="{28A0092B-C50C-407E-A947-70E740481C1C}">
+                <a14:useLocalDpi xmlns:a14="http://schemas.microsoft.com/office/drawing/2010/main" val="0"/>
+              </a:ext>
+            </a:extLst>
+          </a:blip>
+          <a:stretch>
+            <a:fillRect/>
+          </a:stretch>
+        </p:blipFill>
+        <p:spPr>
+          <a:xfrm>
+            <a:off x="2940419" y="1199722"/>
+            <a:ext cx="6311162" cy="5624887"/>
+          </a:xfrm>
+          <a:prstGeom prst="rect">
+            <a:avLst/>
+          </a:prstGeom>
+        </p:spPr>
+      </p:pic>
     </p:spTree>
     <p:extLst>
       <p:ext uri="{BB962C8B-B14F-4D97-AF65-F5344CB8AC3E}">
@@ -10446,227 +12085,265 @@
           </a:bodyPr>
           <a:lstStyle/>
           <a:p>
-            <a:r>
-              <a:rPr lang="en-US" sz="1600" dirty="0">
-                <a:solidFill>
-                  <a:schemeClr val="bg1"/>
-                </a:solidFill>
-                <a:latin typeface="Raleway Medium" panose="020B0603030101060003" pitchFamily="34" charset="77"/>
-              </a:rPr>
-              <a:t>Your humble instructor is playing the role of developer. I’ve written an application made up of 6 services. But I need your expertise to get it running on Kubernetes. All I know is the application code and environment variables needed.</a:t>
-            </a:r>
-          </a:p>
-          <a:p>
-            <a:endParaRPr lang="en-US" sz="1600" dirty="0">
-              <a:solidFill>
-                <a:schemeClr val="bg1"/>
-              </a:solidFill>
-              <a:latin typeface="Raleway Medium" panose="020B0603030101060003" pitchFamily="34" charset="77"/>
-            </a:endParaRPr>
-          </a:p>
-          <a:p>
-            <a:r>
-              <a:rPr lang="en-US" sz="1600" dirty="0">
-                <a:solidFill>
-                  <a:schemeClr val="bg1"/>
-                </a:solidFill>
-                <a:latin typeface="Raleway Medium" panose="020B0603030101060003" pitchFamily="34" charset="77"/>
-              </a:rPr>
-              <a:t>Your goals are (in order of importance):</a:t>
-            </a:r>
-          </a:p>
-          <a:p>
-            <a:pPr marL="457200" indent="-457200">
-              <a:buFont typeface="+mj-lt"/>
-              <a:buAutoNum type="arabicPeriod"/>
+            <a:pPr marL="342900" indent="-342900">
+              <a:buFont typeface="Arial" panose="020B0604020202020204" pitchFamily="34" charset="0"/>
+              <a:buChar char="•"/>
             </a:pPr>
             <a:r>
-              <a:rPr lang="en-US" sz="1600" dirty="0">
-                <a:solidFill>
-                  <a:schemeClr val="bg1"/>
-                </a:solidFill>
-                <a:latin typeface="Raleway Medium" panose="020B0603030101060003" pitchFamily="34" charset="77"/>
-              </a:rPr>
-              <a:t>Set up the application to run in Kubernetes. For this hackathon, </a:t>
-            </a:r>
-            <a:r>
-              <a:rPr lang="en-US" sz="1600" dirty="0" err="1">
-                <a:solidFill>
-                  <a:schemeClr val="bg1"/>
-                </a:solidFill>
-                <a:latin typeface="Raleway Medium" panose="020B0603030101060003" pitchFamily="34" charset="77"/>
-              </a:rPr>
-              <a:t>Minikube</a:t>
-            </a:r>
-            <a:r>
-              <a:rPr lang="en-US" sz="1600" dirty="0">
-                <a:solidFill>
-                  <a:schemeClr val="bg1"/>
-                </a:solidFill>
-                <a:latin typeface="Raleway Medium" panose="020B0603030101060003" pitchFamily="34" charset="77"/>
-              </a:rPr>
-              <a:t> or Docker Kubernetes for Desktop is fine.</a:t>
-            </a:r>
-          </a:p>
-          <a:p>
-            <a:pPr marL="457200" indent="-457200">
-              <a:buFont typeface="+mj-lt"/>
-              <a:buAutoNum type="arabicPeriod"/>
+              <a:rPr lang="en-US" sz="2000" dirty="0">
+                <a:solidFill>
+                  <a:schemeClr val="bg1"/>
+                </a:solidFill>
+                <a:latin typeface="Raleway Medium" panose="020B0603030101060003" pitchFamily="34" charset="77"/>
+              </a:rPr>
+              <a:t>The RV store is a mock ecommerce application.</a:t>
+            </a:r>
+          </a:p>
+          <a:p>
+            <a:pPr marL="342900" indent="-342900">
+              <a:buFont typeface="Arial" panose="020B0604020202020204" pitchFamily="34" charset="0"/>
+              <a:buChar char="•"/>
             </a:pPr>
             <a:r>
-              <a:rPr lang="en-US" sz="1600" dirty="0">
-                <a:solidFill>
-                  <a:schemeClr val="bg1"/>
-                </a:solidFill>
-                <a:latin typeface="Raleway Medium" panose="020B0603030101060003" pitchFamily="34" charset="77"/>
-              </a:rPr>
-              <a:t>Centralize configurations (environment variables)</a:t>
-            </a:r>
-          </a:p>
-          <a:p>
-            <a:pPr marL="457200" indent="-457200">
-              <a:buFont typeface="+mj-lt"/>
-              <a:buAutoNum type="arabicPeriod"/>
+              <a:rPr lang="en-US" sz="2000" dirty="0">
+                <a:solidFill>
+                  <a:schemeClr val="bg1"/>
+                </a:solidFill>
+                <a:latin typeface="Raleway Medium" panose="020B0603030101060003" pitchFamily="34" charset="77"/>
+              </a:rPr>
+              <a:t>Your task is to get the application running on a Kubernetes cluster.</a:t>
+            </a:r>
+          </a:p>
+          <a:p>
+            <a:pPr marL="342900" indent="-342900">
+              <a:buFont typeface="Arial" panose="020B0604020202020204" pitchFamily="34" charset="0"/>
+              <a:buChar char="•"/>
             </a:pPr>
             <a:r>
-              <a:rPr lang="en-US" sz="1600" dirty="0">
-                <a:solidFill>
-                  <a:schemeClr val="bg1"/>
-                </a:solidFill>
-                <a:latin typeface="Raleway Medium" panose="020B0603030101060003" pitchFamily="34" charset="77"/>
-              </a:rPr>
-              <a:t>Put any sensitive information into secrets</a:t>
-            </a:r>
-          </a:p>
-          <a:p>
-            <a:pPr marL="457200" indent="-457200">
-              <a:buFont typeface="+mj-lt"/>
-              <a:buAutoNum type="arabicPeriod"/>
+              <a:rPr lang="en-US" sz="2000" dirty="0">
+                <a:solidFill>
+                  <a:schemeClr val="bg1"/>
+                </a:solidFill>
+                <a:latin typeface="Raleway Medium" panose="020B0603030101060003" pitchFamily="34" charset="77"/>
+              </a:rPr>
+              <a:t>The application has the following services, each with their own Docker image:</a:t>
+            </a:r>
+          </a:p>
+          <a:p>
+            <a:pPr marL="800100" lvl="1" indent="-342900">
+              <a:buFont typeface="Arial" panose="020B0604020202020204" pitchFamily="34" charset="0"/>
+              <a:buChar char="•"/>
             </a:pPr>
             <a:r>
-              <a:rPr lang="en-US" sz="1600" dirty="0">
-                <a:solidFill>
-                  <a:schemeClr val="bg1"/>
-                </a:solidFill>
-                <a:latin typeface="Raleway Medium" panose="020B0603030101060003" pitchFamily="34" charset="77"/>
-              </a:rPr>
-              <a:t>Ensure that only public services are accessible outside the cluster. These are the gateway service and the UI.</a:t>
-            </a:r>
-          </a:p>
-          <a:p>
-            <a:pPr marL="457200" indent="-457200">
-              <a:buFont typeface="+mj-lt"/>
-              <a:buAutoNum type="arabicPeriod"/>
+              <a:rPr lang="en-US" sz="2000" dirty="0">
+                <a:solidFill>
+                  <a:schemeClr val="bg1"/>
+                </a:solidFill>
+                <a:latin typeface="Raleway Medium" panose="020B0603030101060003" pitchFamily="34" charset="77"/>
+              </a:rPr>
+              <a:t>Angular UI running in Nginx</a:t>
+            </a:r>
+          </a:p>
+          <a:p>
+            <a:pPr marL="800100" lvl="1" indent="-342900">
+              <a:buFont typeface="Arial" panose="020B0604020202020204" pitchFamily="34" charset="0"/>
+              <a:buChar char="•"/>
             </a:pPr>
             <a:r>
-              <a:rPr lang="en-US" sz="1600" dirty="0">
-                <a:solidFill>
-                  <a:schemeClr val="bg1"/>
-                </a:solidFill>
-                <a:latin typeface="Raleway Medium" panose="020B0603030101060003" pitchFamily="34" charset="77"/>
-              </a:rPr>
-              <a:t>Make the app fault-tolerant</a:t>
-            </a:r>
-          </a:p>
-          <a:p>
-            <a:pPr marL="914400" lvl="1" indent="-457200">
-              <a:buFont typeface="+mj-lt"/>
-              <a:buAutoNum type="arabicPeriod"/>
+              <a:rPr lang="en-US" sz="2000" dirty="0">
+                <a:solidFill>
+                  <a:schemeClr val="bg1"/>
+                </a:solidFill>
+                <a:latin typeface="Raleway Medium" panose="020B0603030101060003" pitchFamily="34" charset="77"/>
+              </a:rPr>
+              <a:t>Authentication service</a:t>
+            </a:r>
+          </a:p>
+          <a:p>
+            <a:pPr marL="800100" lvl="1" indent="-342900">
+              <a:buFont typeface="Arial" panose="020B0604020202020204" pitchFamily="34" charset="0"/>
+              <a:buChar char="•"/>
             </a:pPr>
             <a:r>
-              <a:rPr lang="en-US" sz="1600" dirty="0">
-                <a:solidFill>
-                  <a:schemeClr val="bg1"/>
-                </a:solidFill>
-                <a:latin typeface="Raleway Medium" panose="020B0603030101060003" pitchFamily="34" charset="77"/>
-              </a:rPr>
-              <a:t>Make services redundant</a:t>
-            </a:r>
-          </a:p>
-          <a:p>
-            <a:pPr marL="914400" lvl="1" indent="-457200">
-              <a:buFont typeface="+mj-lt"/>
-              <a:buAutoNum type="arabicPeriod"/>
+              <a:rPr lang="en-US" sz="2000" dirty="0">
+                <a:solidFill>
+                  <a:schemeClr val="bg1"/>
+                </a:solidFill>
+                <a:latin typeface="Raleway Medium" panose="020B0603030101060003" pitchFamily="34" charset="77"/>
+              </a:rPr>
+              <a:t>Product service</a:t>
+            </a:r>
+          </a:p>
+          <a:p>
+            <a:pPr marL="800100" lvl="1" indent="-342900">
+              <a:buFont typeface="Arial" panose="020B0604020202020204" pitchFamily="34" charset="0"/>
+              <a:buChar char="•"/>
             </a:pPr>
             <a:r>
-              <a:rPr lang="en-US" sz="1600" dirty="0">
-                <a:solidFill>
-                  <a:schemeClr val="bg1"/>
-                </a:solidFill>
-                <a:latin typeface="Raleway Medium" panose="020B0603030101060003" pitchFamily="34" charset="77"/>
-              </a:rPr>
-              <a:t>Set up probes</a:t>
-            </a:r>
-          </a:p>
-          <a:p>
-            <a:pPr marL="914400" lvl="1" indent="-457200">
-              <a:buFont typeface="+mj-lt"/>
-              <a:buAutoNum type="arabicPeriod"/>
+              <a:rPr lang="en-US" sz="2000" dirty="0">
+                <a:solidFill>
+                  <a:schemeClr val="bg1"/>
+                </a:solidFill>
+                <a:latin typeface="Raleway Medium" panose="020B0603030101060003" pitchFamily="34" charset="77"/>
+              </a:rPr>
+              <a:t>Order service</a:t>
+            </a:r>
+          </a:p>
+          <a:p>
+            <a:pPr marL="800100" lvl="1" indent="-342900">
+              <a:buFont typeface="Arial" panose="020B0604020202020204" pitchFamily="34" charset="0"/>
+              <a:buChar char="•"/>
             </a:pPr>
             <a:r>
-              <a:rPr lang="en-US" sz="1600" dirty="0">
-                <a:solidFill>
-                  <a:schemeClr val="bg1"/>
-                </a:solidFill>
-                <a:latin typeface="Raleway Medium" panose="020B0603030101060003" pitchFamily="34" charset="77"/>
-              </a:rPr>
-              <a:t>Try to break it!</a:t>
-            </a:r>
-          </a:p>
-          <a:p>
-            <a:pPr marL="457200" indent="-457200">
-              <a:buFont typeface="+mj-lt"/>
-              <a:buAutoNum type="arabicPeriod"/>
+              <a:rPr lang="en-US" sz="2000" dirty="0">
+                <a:solidFill>
+                  <a:schemeClr val="bg1"/>
+                </a:solidFill>
+                <a:latin typeface="Raleway Medium" panose="020B0603030101060003" pitchFamily="34" charset="77"/>
+              </a:rPr>
+              <a:t>Order simulator</a:t>
+            </a:r>
+          </a:p>
+          <a:p>
+            <a:pPr marL="800100" lvl="1" indent="-342900">
+              <a:buFont typeface="Arial" panose="020B0604020202020204" pitchFamily="34" charset="0"/>
+              <a:buChar char="•"/>
             </a:pPr>
             <a:r>
-              <a:rPr lang="en-US" sz="1600" dirty="0">
-                <a:solidFill>
-                  <a:schemeClr val="bg1"/>
-                </a:solidFill>
-                <a:latin typeface="Raleway Medium" panose="020B0603030101060003" pitchFamily="34" charset="77"/>
-              </a:rPr>
-              <a:t>For MongoDB, set up a volume mapping to your hard drive so that the MongoDB pod can be thrown out and not lose orders.</a:t>
-            </a:r>
-          </a:p>
-          <a:p>
-            <a:pPr marL="457200" indent="-457200">
-              <a:buFont typeface="+mj-lt"/>
-              <a:buAutoNum type="arabicPeriod"/>
+              <a:rPr lang="en-US" sz="2000" dirty="0">
+                <a:solidFill>
+                  <a:schemeClr val="bg1"/>
+                </a:solidFill>
+                <a:latin typeface="Raleway Medium" panose="020B0603030101060003" pitchFamily="34" charset="77"/>
+              </a:rPr>
+              <a:t>Gateway edge service</a:t>
+            </a:r>
+          </a:p>
+          <a:p>
+            <a:pPr marL="800100" lvl="1" indent="-342900">
+              <a:buFont typeface="Arial" panose="020B0604020202020204" pitchFamily="34" charset="0"/>
+              <a:buChar char="•"/>
             </a:pPr>
             <a:r>
-              <a:rPr lang="en-US" sz="1600" dirty="0">
-                <a:solidFill>
-                  <a:schemeClr val="bg1"/>
-                </a:solidFill>
-                <a:latin typeface="Raleway Medium" panose="020B0603030101060003" pitchFamily="34" charset="77"/>
-              </a:rPr>
-              <a:t>If we covered </a:t>
-            </a:r>
-            <a:r>
-              <a:rPr lang="en-US" sz="1600" dirty="0" err="1">
-                <a:solidFill>
-                  <a:schemeClr val="bg1"/>
-                </a:solidFill>
-                <a:latin typeface="Raleway Medium" panose="020B0603030101060003" pitchFamily="34" charset="77"/>
-              </a:rPr>
-              <a:t>HorizontalPodAutoscaler</a:t>
-            </a:r>
-            <a:r>
-              <a:rPr lang="en-US" sz="1600" dirty="0">
-                <a:solidFill>
-                  <a:schemeClr val="bg1"/>
-                </a:solidFill>
-                <a:latin typeface="Raleway Medium" panose="020B0603030101060003" pitchFamily="34" charset="77"/>
-              </a:rPr>
-              <a:t> in this class, try adding scaling to one of your deployments, like the product API.</a:t>
-            </a:r>
-          </a:p>
-          <a:p>
-            <a:pPr marL="457200" indent="-457200">
-              <a:buFont typeface="+mj-lt"/>
-              <a:buAutoNum type="arabicPeriod"/>
+              <a:rPr lang="en-US" sz="2000" dirty="0">
+                <a:solidFill>
+                  <a:schemeClr val="bg1"/>
+                </a:solidFill>
+                <a:latin typeface="Raleway Medium" panose="020B0603030101060003" pitchFamily="34" charset="77"/>
+              </a:rPr>
+              <a:t>Product sync service</a:t>
+            </a:r>
+          </a:p>
+          <a:p>
+            <a:pPr marL="800100" lvl="1" indent="-342900">
+              <a:buFont typeface="Arial" panose="020B0604020202020204" pitchFamily="34" charset="0"/>
+              <a:buChar char="•"/>
             </a:pPr>
-            <a:endParaRPr lang="en-US" sz="1600" dirty="0">
+            <a:r>
+              <a:rPr lang="en-US" sz="2000" dirty="0">
+                <a:solidFill>
+                  <a:schemeClr val="bg1"/>
+                </a:solidFill>
+                <a:latin typeface="Raleway Medium" panose="020B0603030101060003" pitchFamily="34" charset="77"/>
+              </a:rPr>
+              <a:t>Product search service (Elasticsearch)</a:t>
+            </a:r>
+          </a:p>
+          <a:p>
+            <a:pPr marL="342900" indent="-342900">
+              <a:buFont typeface="Arial" panose="020B0604020202020204" pitchFamily="34" charset="0"/>
+              <a:buChar char="•"/>
+            </a:pPr>
+            <a:r>
+              <a:rPr lang="en-US" sz="2000" dirty="0">
+                <a:solidFill>
+                  <a:schemeClr val="bg1"/>
+                </a:solidFill>
+                <a:latin typeface="Raleway Medium" panose="020B0603030101060003" pitchFamily="34" charset="77"/>
+              </a:rPr>
+              <a:t>Solutions are provided in the </a:t>
+            </a:r>
+            <a:r>
+              <a:rPr lang="en-US" sz="2000" dirty="0" err="1">
+                <a:solidFill>
+                  <a:schemeClr val="bg1"/>
+                </a:solidFill>
+                <a:latin typeface="Raleway Medium" panose="020B0603030101060003" pitchFamily="34" charset="77"/>
+              </a:rPr>
+              <a:t>Github</a:t>
+            </a:r>
+            <a:r>
+              <a:rPr lang="en-US" sz="2000" dirty="0">
+                <a:solidFill>
+                  <a:schemeClr val="bg1"/>
+                </a:solidFill>
+                <a:latin typeface="Raleway Medium" panose="020B0603030101060003" pitchFamily="34" charset="77"/>
+              </a:rPr>
+              <a:t> repo. But try to only use them to get unstuck on a specific problem!</a:t>
+            </a:r>
+          </a:p>
+          <a:p>
+            <a:pPr marL="342900" indent="-342900">
+              <a:buFont typeface="Arial" panose="020B0604020202020204" pitchFamily="34" charset="0"/>
+              <a:buChar char="•"/>
+            </a:pPr>
+            <a:r>
+              <a:rPr lang="en-US" sz="2000" dirty="0" err="1">
+                <a:solidFill>
+                  <a:schemeClr val="bg1"/>
+                </a:solidFill>
+                <a:latin typeface="Raleway Medium" panose="020B0603030101060003" pitchFamily="34" charset="77"/>
+              </a:rPr>
+              <a:t>Github</a:t>
+            </a:r>
+            <a:r>
+              <a:rPr lang="en-US" sz="2000" dirty="0">
+                <a:solidFill>
+                  <a:schemeClr val="bg1"/>
+                </a:solidFill>
+                <a:latin typeface="Raleway Medium" panose="020B0603030101060003" pitchFamily="34" charset="77"/>
+              </a:rPr>
+              <a:t> repo is at https://</a:t>
+            </a:r>
+            <a:r>
+              <a:rPr lang="en-US" sz="2000" dirty="0" err="1">
+                <a:solidFill>
+                  <a:schemeClr val="bg1"/>
+                </a:solidFill>
+                <a:latin typeface="Raleway Medium" panose="020B0603030101060003" pitchFamily="34" charset="77"/>
+              </a:rPr>
+              <a:t>www.github.com</a:t>
+            </a:r>
+            <a:r>
+              <a:rPr lang="en-US" sz="2000" dirty="0">
+                <a:solidFill>
+                  <a:schemeClr val="bg1"/>
+                </a:solidFill>
+                <a:latin typeface="Raleway Medium" panose="020B0603030101060003" pitchFamily="34" charset="77"/>
+              </a:rPr>
+              <a:t>/</a:t>
+            </a:r>
+            <a:r>
+              <a:rPr lang="en-US" sz="2000" dirty="0" err="1">
+                <a:solidFill>
+                  <a:schemeClr val="bg1"/>
+                </a:solidFill>
+                <a:latin typeface="Raleway Medium" panose="020B0603030101060003" pitchFamily="34" charset="77"/>
+              </a:rPr>
+              <a:t>VergeOps</a:t>
+            </a:r>
+            <a:r>
+              <a:rPr lang="en-US" sz="2000" dirty="0">
+                <a:solidFill>
+                  <a:schemeClr val="bg1"/>
+                </a:solidFill>
+                <a:latin typeface="Raleway Medium" panose="020B0603030101060003" pitchFamily="34" charset="77"/>
+              </a:rPr>
+              <a:t>/k8s-rvstore</a:t>
+            </a:r>
+          </a:p>
+          <a:p>
+            <a:endParaRPr lang="en-US" sz="2000" dirty="0">
               <a:solidFill>
                 <a:schemeClr val="bg1"/>
               </a:solidFill>
@@ -10718,7 +12395,7 @@
                   <a:schemeClr val="accent3"/>
                 </a:solidFill>
               </a:rPr>
-              <a:t>objectives</a:t>
+              <a:t>overview</a:t>
             </a:r>
             <a:endParaRPr lang="en-US" sz="6000" dirty="0"/>
           </a:p>
@@ -10727,7 +12404,7 @@
     </p:spTree>
     <p:extLst>
       <p:ext uri="{BB962C8B-B14F-4D97-AF65-F5344CB8AC3E}">
-        <p14:creationId xmlns:p14="http://schemas.microsoft.com/office/powerpoint/2010/main" val="765275789"/>
+        <p14:creationId xmlns:p14="http://schemas.microsoft.com/office/powerpoint/2010/main" val="2795083015"/>
       </p:ext>
     </p:extLst>
   </p:cSld>
@@ -11040,7 +12717,7 @@
         <p:spPr>
           <a:xfrm>
             <a:off x="1311897" y="1168924"/>
-            <a:ext cx="9398524" cy="4708981"/>
+            <a:ext cx="9398524" cy="4770537"/>
           </a:xfrm>
           <a:prstGeom prst="rect">
             <a:avLst/>
@@ -11054,17 +12731,17 @@
           <a:lstStyle/>
           <a:p>
             <a:r>
-              <a:rPr lang="en-US" sz="2000" dirty="0">
-                <a:solidFill>
-                  <a:schemeClr val="bg1"/>
-                </a:solidFill>
-                <a:latin typeface="Raleway Medium" panose="020B0603030101060003" pitchFamily="34" charset="77"/>
-              </a:rPr>
-              <a:t>Exercises so far have been very simple and superficial. This is by design, as I want you to get the deep dive knowledge from this hackathon.</a:t>
-            </a:r>
-          </a:p>
-          <a:p>
-            <a:endParaRPr lang="en-US" sz="2000" dirty="0">
+              <a:rPr lang="en-US" sz="1600" dirty="0">
+                <a:solidFill>
+                  <a:schemeClr val="bg1"/>
+                </a:solidFill>
+                <a:latin typeface="Raleway Medium" panose="020B0603030101060003" pitchFamily="34" charset="77"/>
+              </a:rPr>
+              <a:t>Your humble instructor is playing the role of developer. I’ve written an application made up of 6 services. But I need your expertise to get it running on Kubernetes. All I know is the application code and environment variables needed.</a:t>
+            </a:r>
+          </a:p>
+          <a:p>
+            <a:endParaRPr lang="en-US" sz="1600" dirty="0">
               <a:solidFill>
                 <a:schemeClr val="bg1"/>
               </a:solidFill>
@@ -11073,53 +12750,195 @@
           </a:p>
           <a:p>
             <a:r>
-              <a:rPr lang="en-US" sz="2000" dirty="0">
-                <a:solidFill>
-                  <a:schemeClr val="bg1"/>
-                </a:solidFill>
-                <a:latin typeface="Raleway Medium" panose="020B0603030101060003" pitchFamily="34" charset="77"/>
-              </a:rPr>
-              <a:t>This hackathon is designed to push you. It is intended to make you a little uncomfortable. You may not enjoy it (at least until the end when you have it working)!</a:t>
-            </a:r>
-          </a:p>
-          <a:p>
-            <a:endParaRPr lang="en-US" sz="2000" dirty="0">
-              <a:solidFill>
-                <a:schemeClr val="bg1"/>
-              </a:solidFill>
-              <a:latin typeface="Raleway Medium" panose="020B0603030101060003" pitchFamily="34" charset="77"/>
-            </a:endParaRPr>
-          </a:p>
-          <a:p>
-            <a:r>
-              <a:rPr lang="en-US" sz="2000" dirty="0">
-                <a:solidFill>
-                  <a:schemeClr val="bg1"/>
-                </a:solidFill>
-                <a:latin typeface="Raleway Medium" panose="020B0603030101060003" pitchFamily="34" charset="77"/>
-              </a:rPr>
-              <a:t>The struggle is where the learning is. You will scratch your head, wonder what’s going on. This is designed to mimic real life so that you can troubleshoot, then come to me (the developer) to get the proper information.</a:t>
-            </a:r>
-          </a:p>
-          <a:p>
-            <a:endParaRPr lang="en-US" sz="2000" dirty="0">
-              <a:solidFill>
-                <a:schemeClr val="bg1"/>
-              </a:solidFill>
-              <a:latin typeface="Raleway Medium" panose="020B0603030101060003" pitchFamily="34" charset="77"/>
-            </a:endParaRPr>
-          </a:p>
-          <a:p>
-            <a:r>
-              <a:rPr lang="en-US" sz="2000" dirty="0">
-                <a:solidFill>
-                  <a:schemeClr val="bg1"/>
-                </a:solidFill>
-                <a:latin typeface="Raleway Medium" panose="020B0603030101060003" pitchFamily="34" charset="77"/>
-              </a:rPr>
-              <a:t>Past classes have overwhelmingly told me that this is the best part of the class because students come away with a solid foundation of Docker and Kubernetes and have confidence that they can go implement a real application.</a:t>
-            </a:r>
-            <a:endParaRPr lang="en-US" sz="2400" dirty="0">
+              <a:rPr lang="en-US" sz="1600" dirty="0">
+                <a:solidFill>
+                  <a:schemeClr val="bg1"/>
+                </a:solidFill>
+                <a:latin typeface="Raleway Medium" panose="020B0603030101060003" pitchFamily="34" charset="77"/>
+              </a:rPr>
+              <a:t>Your goals are (in order of importance):</a:t>
+            </a:r>
+          </a:p>
+          <a:p>
+            <a:pPr marL="457200" indent="-457200">
+              <a:buFont typeface="+mj-lt"/>
+              <a:buAutoNum type="arabicPeriod"/>
+            </a:pPr>
+            <a:r>
+              <a:rPr lang="en-US" sz="1600" dirty="0">
+                <a:solidFill>
+                  <a:schemeClr val="bg1"/>
+                </a:solidFill>
+                <a:latin typeface="Raleway Medium" panose="020B0603030101060003" pitchFamily="34" charset="77"/>
+              </a:rPr>
+              <a:t>Set up the application to run in Kubernetes. For this hackathon, </a:t>
+            </a:r>
+            <a:r>
+              <a:rPr lang="en-US" sz="1600" dirty="0" err="1">
+                <a:solidFill>
+                  <a:schemeClr val="bg1"/>
+                </a:solidFill>
+                <a:latin typeface="Raleway Medium" panose="020B0603030101060003" pitchFamily="34" charset="77"/>
+              </a:rPr>
+              <a:t>Minikube</a:t>
+            </a:r>
+            <a:r>
+              <a:rPr lang="en-US" sz="1600" dirty="0">
+                <a:solidFill>
+                  <a:schemeClr val="bg1"/>
+                </a:solidFill>
+                <a:latin typeface="Raleway Medium" panose="020B0603030101060003" pitchFamily="34" charset="77"/>
+              </a:rPr>
+              <a:t> or Docker Kubernetes for Desktop is fine.</a:t>
+            </a:r>
+          </a:p>
+          <a:p>
+            <a:pPr marL="457200" indent="-457200">
+              <a:buFont typeface="+mj-lt"/>
+              <a:buAutoNum type="arabicPeriod"/>
+            </a:pPr>
+            <a:r>
+              <a:rPr lang="en-US" sz="1600" dirty="0">
+                <a:solidFill>
+                  <a:schemeClr val="bg1"/>
+                </a:solidFill>
+                <a:latin typeface="Raleway Medium" panose="020B0603030101060003" pitchFamily="34" charset="77"/>
+              </a:rPr>
+              <a:t>Use </a:t>
+            </a:r>
+            <a:r>
+              <a:rPr lang="en-US" sz="1600" dirty="0" err="1">
+                <a:solidFill>
+                  <a:schemeClr val="bg1"/>
+                </a:solidFill>
+                <a:latin typeface="Raleway Medium" panose="020B0603030101060003" pitchFamily="34" charset="77"/>
+              </a:rPr>
+              <a:t>ConfigMaps</a:t>
+            </a:r>
+            <a:r>
+              <a:rPr lang="en-US" sz="1600" dirty="0">
+                <a:solidFill>
+                  <a:schemeClr val="bg1"/>
+                </a:solidFill>
+                <a:latin typeface="Raleway Medium" panose="020B0603030101060003" pitchFamily="34" charset="77"/>
+              </a:rPr>
+              <a:t> to provide environment variables, inject product data, and put any sensitive information into secrets.</a:t>
+            </a:r>
+          </a:p>
+          <a:p>
+            <a:pPr marL="457200" indent="-457200">
+              <a:buFont typeface="+mj-lt"/>
+              <a:buAutoNum type="arabicPeriod"/>
+            </a:pPr>
+            <a:r>
+              <a:rPr lang="en-US" sz="1600" dirty="0">
+                <a:solidFill>
+                  <a:schemeClr val="bg1"/>
+                </a:solidFill>
+                <a:latin typeface="Raleway Medium" panose="020B0603030101060003" pitchFamily="34" charset="77"/>
+              </a:rPr>
+              <a:t>Ensure that only public services are accessible outside the cluster. These are the gateway service and the UI.</a:t>
+            </a:r>
+          </a:p>
+          <a:p>
+            <a:pPr marL="457200" indent="-457200">
+              <a:buFont typeface="+mj-lt"/>
+              <a:buAutoNum type="arabicPeriod"/>
+            </a:pPr>
+            <a:r>
+              <a:rPr lang="en-US" sz="1600" dirty="0">
+                <a:solidFill>
+                  <a:schemeClr val="bg1"/>
+                </a:solidFill>
+                <a:latin typeface="Raleway Medium" panose="020B0603030101060003" pitchFamily="34" charset="77"/>
+              </a:rPr>
+              <a:t>Make the app fault-tolerant</a:t>
+            </a:r>
+          </a:p>
+          <a:p>
+            <a:pPr marL="914400" lvl="1" indent="-457200">
+              <a:buFont typeface="+mj-lt"/>
+              <a:buAutoNum type="arabicPeriod"/>
+            </a:pPr>
+            <a:r>
+              <a:rPr lang="en-US" sz="1600" dirty="0">
+                <a:solidFill>
+                  <a:schemeClr val="bg1"/>
+                </a:solidFill>
+                <a:latin typeface="Raleway Medium" panose="020B0603030101060003" pitchFamily="34" charset="77"/>
+              </a:rPr>
+              <a:t>Multiple copies of services</a:t>
+            </a:r>
+          </a:p>
+          <a:p>
+            <a:pPr marL="914400" lvl="1" indent="-457200">
+              <a:buFont typeface="+mj-lt"/>
+              <a:buAutoNum type="arabicPeriod"/>
+            </a:pPr>
+            <a:r>
+              <a:rPr lang="en-US" sz="1600" dirty="0">
+                <a:solidFill>
+                  <a:schemeClr val="bg1"/>
+                </a:solidFill>
+                <a:latin typeface="Raleway Medium" panose="020B0603030101060003" pitchFamily="34" charset="77"/>
+              </a:rPr>
+              <a:t>Set up probes</a:t>
+            </a:r>
+          </a:p>
+          <a:p>
+            <a:pPr marL="457200" indent="-457200">
+              <a:buFont typeface="+mj-lt"/>
+              <a:buAutoNum type="arabicPeriod"/>
+            </a:pPr>
+            <a:r>
+              <a:rPr lang="en-US" sz="1600" dirty="0">
+                <a:solidFill>
+                  <a:schemeClr val="bg1"/>
+                </a:solidFill>
+                <a:latin typeface="Raleway Medium" panose="020B0603030101060003" pitchFamily="34" charset="77"/>
+              </a:rPr>
+              <a:t>For MongoDB, set up a volume mapping to your hard drive so that the MongoDB pod can be thrown out and not lose orders.</a:t>
+            </a:r>
+          </a:p>
+          <a:p>
+            <a:pPr marL="457200" indent="-457200">
+              <a:buFont typeface="+mj-lt"/>
+              <a:buAutoNum type="arabicPeriod"/>
+            </a:pPr>
+            <a:r>
+              <a:rPr lang="en-US" sz="1600" dirty="0">
+                <a:solidFill>
+                  <a:schemeClr val="bg1"/>
+                </a:solidFill>
+                <a:latin typeface="Raleway Medium" panose="020B0603030101060003" pitchFamily="34" charset="77"/>
+              </a:rPr>
+              <a:t>If we covered </a:t>
+            </a:r>
+            <a:r>
+              <a:rPr lang="en-US" sz="1600" dirty="0" err="1">
+                <a:solidFill>
+                  <a:schemeClr val="bg1"/>
+                </a:solidFill>
+                <a:latin typeface="Raleway Medium" panose="020B0603030101060003" pitchFamily="34" charset="77"/>
+              </a:rPr>
+              <a:t>HorizontalPodAutoscaler</a:t>
+            </a:r>
+            <a:r>
+              <a:rPr lang="en-US" sz="1600" dirty="0">
+                <a:solidFill>
+                  <a:schemeClr val="bg1"/>
+                </a:solidFill>
+                <a:latin typeface="Raleway Medium" panose="020B0603030101060003" pitchFamily="34" charset="77"/>
+              </a:rPr>
+              <a:t> in this class, try adding scaling to one of your deployments, like the product API.</a:t>
+            </a:r>
+          </a:p>
+          <a:p>
+            <a:pPr marL="457200" indent="-457200">
+              <a:buFont typeface="+mj-lt"/>
+              <a:buAutoNum type="arabicPeriod"/>
+            </a:pPr>
+            <a:endParaRPr lang="en-US" sz="1600" dirty="0">
               <a:solidFill>
                 <a:schemeClr val="bg1"/>
               </a:solidFill>
@@ -11147,7 +12966,7 @@
         <p:spPr>
           <a:xfrm>
             <a:off x="650450" y="369988"/>
-            <a:ext cx="10411802" cy="609600"/>
+            <a:ext cx="8748074" cy="609600"/>
           </a:xfrm>
         </p:spPr>
         <p:txBody>
@@ -11163,7 +12982,7 @@
                   <a:prstClr val="white"/>
                 </a:solidFill>
               </a:rPr>
-              <a:t>hackathon – </a:t>
+              <a:t>hackathon - </a:t>
             </a:r>
             <a:r>
               <a:rPr lang="en-US" sz="6000" dirty="0">
@@ -11171,7 +12990,7 @@
                   <a:schemeClr val="accent3"/>
                 </a:solidFill>
               </a:rPr>
-              <a:t>learning through the pain</a:t>
+              <a:t>objectives</a:t>
             </a:r>
             <a:endParaRPr lang="en-US" sz="6000" dirty="0"/>
           </a:p>
@@ -11180,7 +12999,7 @@
     </p:spTree>
     <p:extLst>
       <p:ext uri="{BB962C8B-B14F-4D97-AF65-F5344CB8AC3E}">
-        <p14:creationId xmlns:p14="http://schemas.microsoft.com/office/powerpoint/2010/main" val="2593184306"/>
+        <p14:creationId xmlns:p14="http://schemas.microsoft.com/office/powerpoint/2010/main" val="765275789"/>
       </p:ext>
     </p:extLst>
   </p:cSld>
@@ -11493,7 +13312,7 @@
         <p:spPr>
           <a:xfrm>
             <a:off x="1311897" y="1168924"/>
-            <a:ext cx="9398524" cy="4401205"/>
+            <a:ext cx="9398524" cy="4708981"/>
           </a:xfrm>
           <a:prstGeom prst="rect">
             <a:avLst/>
@@ -11513,7 +13332,7 @@
                 </a:solidFill>
                 <a:latin typeface="Raleway Medium" panose="020B0603030101060003" pitchFamily="34" charset="77"/>
               </a:rPr>
-              <a:t>It is best to start out as simple as possible. Eliminate any variables that might muddy up what you’re doing.</a:t>
+              <a:t>Exercises so far have been very simple and superficial. This is by design, as I want you to get the deep dive knowledge from this hackathon.</a:t>
             </a:r>
           </a:p>
           <a:p>
@@ -11532,7 +13351,7 @@
                 </a:solidFill>
                 <a:latin typeface="Raleway Medium" panose="020B0603030101060003" pitchFamily="34" charset="77"/>
               </a:rPr>
-              <a:t>Pick a service that is the simplest and start there. Implement it, get it running, then move on. Don’t try to just write all the files at once then wonder why things aren’t working. Build from simple to complex in an iterative process. The UI service is a good place to start since it just serves static information and has no dependencies on other services.</a:t>
+              <a:t>This hackathon is designed to push you. It is intended to make you a little uncomfortable. You may not enjoy it (at least until the end when you have it working)!</a:t>
             </a:r>
           </a:p>
           <a:p>
@@ -11551,7 +13370,7 @@
                 </a:solidFill>
                 <a:latin typeface="Raleway Medium" panose="020B0603030101060003" pitchFamily="34" charset="77"/>
               </a:rPr>
-              <a:t>Save things like fault-tolerance for later. Don’t use multiple copies of a service yet. Don’t add probes. Save that for once it’s working.</a:t>
+              <a:t>The struggle is where the learning is. You will scratch your head, wonder what’s going on. This is designed to mimic real life so that you can troubleshoot, then come to me (the developer) to get the proper information.</a:t>
             </a:r>
           </a:p>
           <a:p>
@@ -11570,44 +13389,14 @@
                 </a:solidFill>
                 <a:latin typeface="Raleway Medium" panose="020B0603030101060003" pitchFamily="34" charset="77"/>
               </a:rPr>
-              <a:t>Don’t forget that you can test services directly by making them </a:t>
-            </a:r>
-            <a:r>
-              <a:rPr lang="en-US" sz="2000" dirty="0" err="1">
-                <a:solidFill>
-                  <a:schemeClr val="bg1"/>
-                </a:solidFill>
-                <a:latin typeface="Raleway Medium" panose="020B0603030101060003" pitchFamily="34" charset="77"/>
-              </a:rPr>
-              <a:t>NodePort</a:t>
-            </a:r>
-            <a:r>
-              <a:rPr lang="en-US" sz="2000" dirty="0">
-                <a:solidFill>
-                  <a:schemeClr val="bg1"/>
-                </a:solidFill>
-                <a:latin typeface="Raleway Medium" panose="020B0603030101060003" pitchFamily="34" charset="77"/>
-              </a:rPr>
-              <a:t>, hitting them from other pods, or using </a:t>
-            </a:r>
-            <a:r>
-              <a:rPr lang="en-US" sz="2000" dirty="0" err="1">
-                <a:solidFill>
-                  <a:schemeClr val="bg1"/>
-                </a:solidFill>
-                <a:latin typeface="Raleway Medium" panose="020B0603030101060003" pitchFamily="34" charset="77"/>
-              </a:rPr>
-              <a:t>kubectl</a:t>
-            </a:r>
-            <a:r>
-              <a:rPr lang="en-US" sz="2000" dirty="0">
-                <a:solidFill>
-                  <a:schemeClr val="bg1"/>
-                </a:solidFill>
-                <a:latin typeface="Raleway Medium" panose="020B0603030101060003" pitchFamily="34" charset="77"/>
-              </a:rPr>
-              <a:t> port-forward.</a:t>
-            </a:r>
+              <a:t>Past classes have overwhelmingly told me that this is the best part of the class because students come away with a solid foundation of Docker and Kubernetes and have confidence that they can go implement a real application.</a:t>
+            </a:r>
+            <a:endParaRPr lang="en-US" sz="2400" dirty="0">
+              <a:solidFill>
+                <a:schemeClr val="bg1"/>
+              </a:solidFill>
+              <a:latin typeface="Raleway Medium" panose="020B0603030101060003" pitchFamily="34" charset="77"/>
+            </a:endParaRPr>
           </a:p>
         </p:txBody>
       </p:sp>
@@ -11654,7 +13443,7 @@
                   <a:schemeClr val="accent3"/>
                 </a:solidFill>
               </a:rPr>
-              <a:t>helpful hints</a:t>
+              <a:t>learning through the pain</a:t>
             </a:r>
             <a:endParaRPr lang="en-US" sz="6000" dirty="0"/>
           </a:p>
@@ -11663,7 +13452,7 @@
     </p:spTree>
     <p:extLst>
       <p:ext uri="{BB962C8B-B14F-4D97-AF65-F5344CB8AC3E}">
-        <p14:creationId xmlns:p14="http://schemas.microsoft.com/office/powerpoint/2010/main" val="4075370018"/>
+        <p14:creationId xmlns:p14="http://schemas.microsoft.com/office/powerpoint/2010/main" val="2593184306"/>
       </p:ext>
     </p:extLst>
   </p:cSld>
@@ -11976,7 +13765,7 @@
         <p:spPr>
           <a:xfrm>
             <a:off x="1311897" y="1168924"/>
-            <a:ext cx="9398524" cy="7571303"/>
+            <a:ext cx="9398524" cy="4401205"/>
           </a:xfrm>
           <a:prstGeom prst="rect">
             <a:avLst/>
@@ -11989,110 +13778,18 @@
           </a:bodyPr>
           <a:lstStyle/>
           <a:p>
-            <a:pPr marL="342900" indent="-342900">
-              <a:buFont typeface="Arial" panose="020B0604020202020204" pitchFamily="34" charset="0"/>
-              <a:buChar char="•"/>
-            </a:pPr>
-            <a:r>
-              <a:rPr lang="en-US" sz="2400" dirty="0">
-                <a:solidFill>
-                  <a:schemeClr val="bg1"/>
-                </a:solidFill>
-                <a:latin typeface="Raleway Medium" panose="020B0603030101060003" pitchFamily="34" charset="77"/>
-              </a:rPr>
-              <a:t>This is an Angular application running </a:t>
-            </a:r>
-            <a:r>
-              <a:rPr lang="en-US" sz="2400" dirty="0" err="1">
-                <a:solidFill>
-                  <a:schemeClr val="bg1"/>
-                </a:solidFill>
-                <a:latin typeface="Raleway Medium" panose="020B0603030101060003" pitchFamily="34" charset="77"/>
-              </a:rPr>
-              <a:t>nginx</a:t>
-            </a:r>
-            <a:r>
-              <a:rPr lang="en-US" sz="2400" dirty="0">
-                <a:solidFill>
-                  <a:schemeClr val="bg1"/>
-                </a:solidFill>
-                <a:latin typeface="Raleway Medium" panose="020B0603030101060003" pitchFamily="34" charset="77"/>
-              </a:rPr>
-              <a:t> to serve the files</a:t>
-            </a:r>
-          </a:p>
-          <a:p>
-            <a:pPr marL="342900" indent="-342900">
-              <a:buFont typeface="Arial" panose="020B0604020202020204" pitchFamily="34" charset="0"/>
-              <a:buChar char="•"/>
-            </a:pPr>
-            <a:r>
-              <a:rPr lang="en-US" sz="2400" dirty="0">
-                <a:solidFill>
-                  <a:schemeClr val="bg1"/>
-                </a:solidFill>
-                <a:latin typeface="Raleway Medium" panose="020B0603030101060003" pitchFamily="34" charset="77"/>
-              </a:rPr>
-              <a:t>The application serves at port 80</a:t>
-            </a:r>
-          </a:p>
-          <a:p>
-            <a:pPr marL="342900" indent="-342900">
-              <a:buFont typeface="Arial" panose="020B0604020202020204" pitchFamily="34" charset="0"/>
-              <a:buChar char="•"/>
-            </a:pPr>
-            <a:r>
-              <a:rPr lang="en-US" sz="2400" dirty="0">
-                <a:solidFill>
-                  <a:schemeClr val="bg1"/>
-                </a:solidFill>
-                <a:latin typeface="Raleway Medium" panose="020B0603030101060003" pitchFamily="34" charset="77"/>
-              </a:rPr>
-              <a:t>This application should be publicly accessible</a:t>
-            </a:r>
-          </a:p>
-          <a:p>
-            <a:pPr marL="342900" indent="-342900">
-              <a:buFont typeface="Arial" panose="020B0604020202020204" pitchFamily="34" charset="0"/>
-              <a:buChar char="•"/>
-            </a:pPr>
-            <a:r>
-              <a:rPr lang="en-US" sz="2400" dirty="0">
-                <a:solidFill>
-                  <a:schemeClr val="bg1"/>
-                </a:solidFill>
-                <a:latin typeface="Raleway Medium" panose="020B0603030101060003" pitchFamily="34" charset="77"/>
-              </a:rPr>
-              <a:t>Docker image: </a:t>
-            </a:r>
-            <a:r>
-              <a:rPr lang="en-US" sz="2400" dirty="0" err="1">
-                <a:solidFill>
-                  <a:schemeClr val="bg1"/>
-                </a:solidFill>
-                <a:latin typeface="Raleway Medium" panose="020B0603030101060003" pitchFamily="34" charset="77"/>
-              </a:rPr>
-              <a:t>public.ecr.aws</a:t>
-            </a:r>
-            <a:r>
-              <a:rPr lang="en-US" sz="2400" dirty="0">
-                <a:solidFill>
-                  <a:schemeClr val="bg1"/>
-                </a:solidFill>
-                <a:latin typeface="Raleway Medium" panose="020B0603030101060003" pitchFamily="34" charset="77"/>
-              </a:rPr>
-              <a:t>/e7e6w2e3/</a:t>
-            </a:r>
-            <a:r>
-              <a:rPr lang="en-US" sz="2400" dirty="0" err="1">
-                <a:solidFill>
-                  <a:schemeClr val="bg1"/>
-                </a:solidFill>
-                <a:latin typeface="Raleway Medium" panose="020B0603030101060003" pitchFamily="34" charset="77"/>
-              </a:rPr>
-              <a:t>rvstore-ui</a:t>
-            </a:r>
-            <a:endParaRPr lang="en-US" sz="2400" dirty="0">
+            <a:r>
+              <a:rPr lang="en-US" sz="2000" dirty="0">
+                <a:solidFill>
+                  <a:schemeClr val="bg1"/>
+                </a:solidFill>
+                <a:latin typeface="Raleway Medium" panose="020B0603030101060003" pitchFamily="34" charset="77"/>
+              </a:rPr>
+              <a:t>It is best to start out as simple as possible. Eliminate any variables that might muddy up what you’re doing.</a:t>
+            </a:r>
+          </a:p>
+          <a:p>
+            <a:endParaRPr lang="en-US" sz="2000" dirty="0">
               <a:solidFill>
                 <a:schemeClr val="bg1"/>
               </a:solidFill>
@@ -12100,101 +13797,18 @@
             </a:endParaRPr>
           </a:p>
           <a:p>
-            <a:pPr marL="342900" indent="-342900">
-              <a:buFont typeface="Arial" panose="020B0604020202020204" pitchFamily="34" charset="0"/>
-              <a:buChar char="•"/>
-            </a:pPr>
-            <a:r>
-              <a:rPr lang="en-US" sz="2400" dirty="0">
-                <a:solidFill>
-                  <a:schemeClr val="bg1"/>
-                </a:solidFill>
-                <a:latin typeface="Raleway Medium" panose="020B0603030101060003" pitchFamily="34" charset="77"/>
-              </a:rPr>
-              <a:t>No environment variables needed</a:t>
-            </a:r>
-          </a:p>
-          <a:p>
-            <a:pPr marL="342900" indent="-342900">
-              <a:buFont typeface="Arial" panose="020B0604020202020204" pitchFamily="34" charset="0"/>
-              <a:buChar char="•"/>
-            </a:pPr>
-            <a:r>
-              <a:rPr lang="en-US" sz="2400" dirty="0">
-                <a:solidFill>
-                  <a:schemeClr val="bg1"/>
-                </a:solidFill>
-                <a:latin typeface="Raleway Medium" panose="020B0603030101060003" pitchFamily="34" charset="77"/>
-              </a:rPr>
-              <a:t>The UI gets it’s data by making HTTP calls to the backend gateway API. </a:t>
-            </a:r>
-          </a:p>
-          <a:p>
-            <a:pPr marL="800100" lvl="1" indent="-342900">
-              <a:buFont typeface="Arial" panose="020B0604020202020204" pitchFamily="34" charset="0"/>
-              <a:buChar char="•"/>
-            </a:pPr>
-            <a:r>
-              <a:rPr lang="en-US" sz="2400" dirty="0">
-                <a:solidFill>
-                  <a:schemeClr val="bg1"/>
-                </a:solidFill>
-                <a:latin typeface="Raleway Medium" panose="020B0603030101060003" pitchFamily="34" charset="77"/>
-              </a:rPr>
-              <a:t>&lt;backend&gt;/products to get product information</a:t>
-            </a:r>
-          </a:p>
-          <a:p>
-            <a:pPr marL="800100" lvl="1" indent="-342900">
-              <a:buFont typeface="Arial" panose="020B0604020202020204" pitchFamily="34" charset="0"/>
-              <a:buChar char="•"/>
-            </a:pPr>
-            <a:r>
-              <a:rPr lang="en-US" sz="2400" dirty="0">
-                <a:solidFill>
-                  <a:schemeClr val="bg1"/>
-                </a:solidFill>
-                <a:latin typeface="Raleway Medium" panose="020B0603030101060003" pitchFamily="34" charset="77"/>
-              </a:rPr>
-              <a:t>&lt;backend&gt;/orders to get order information</a:t>
-            </a:r>
-          </a:p>
-          <a:p>
-            <a:pPr marL="800100" lvl="1" indent="-342900">
-              <a:buFont typeface="Arial" panose="020B0604020202020204" pitchFamily="34" charset="0"/>
-              <a:buChar char="•"/>
-            </a:pPr>
-            <a:r>
-              <a:rPr lang="en-US" sz="2400" dirty="0">
-                <a:solidFill>
-                  <a:schemeClr val="bg1"/>
-                </a:solidFill>
-                <a:latin typeface="Raleway Medium" panose="020B0603030101060003" pitchFamily="34" charset="77"/>
-              </a:rPr>
-              <a:t>&lt;backend&gt;/auth to get auth information</a:t>
-            </a:r>
-          </a:p>
-          <a:p>
-            <a:pPr marL="342900" indent="-342900">
-              <a:buFont typeface="Arial" panose="020B0604020202020204" pitchFamily="34" charset="0"/>
-              <a:buChar char="•"/>
-            </a:pPr>
-            <a:r>
-              <a:rPr lang="en-US" sz="2400" dirty="0">
-                <a:solidFill>
-                  <a:schemeClr val="bg1"/>
-                </a:solidFill>
-                <a:latin typeface="Raleway Medium" panose="020B0603030101060003" pitchFamily="34" charset="77"/>
-              </a:rPr>
-              <a:t>In the UI itself, there is a text box to enter the base URL of the backend gateway service. Note that it must include the trailing slash.</a:t>
-            </a:r>
-          </a:p>
-          <a:p>
-            <a:pPr marL="342900" indent="-342900">
-              <a:buFont typeface="Arial" panose="020B0604020202020204" pitchFamily="34" charset="0"/>
-              <a:buChar char="•"/>
-            </a:pPr>
-            <a:endParaRPr lang="en-US" sz="2400" dirty="0">
+            <a:r>
+              <a:rPr lang="en-US" sz="2000" dirty="0">
+                <a:solidFill>
+                  <a:schemeClr val="bg1"/>
+                </a:solidFill>
+                <a:latin typeface="Raleway Medium" panose="020B0603030101060003" pitchFamily="34" charset="77"/>
+              </a:rPr>
+              <a:t>Pick a service that is the simplest and start there. Implement it, get it running, then move on. Don’t try to just write all the files at once then wonder why things aren’t working. Build from simple to complex in an iterative process. The UI service is a good place to start since it just serves static information and has no dependencies on other services.</a:t>
+            </a:r>
+          </a:p>
+          <a:p>
+            <a:endParaRPr lang="en-US" sz="2000" dirty="0">
               <a:solidFill>
                 <a:schemeClr val="bg1"/>
               </a:solidFill>
@@ -12202,24 +13816,18 @@
             </a:endParaRPr>
           </a:p>
           <a:p>
-            <a:pPr marL="800100" lvl="1" indent="-342900">
-              <a:buFont typeface="Arial" panose="020B0604020202020204" pitchFamily="34" charset="0"/>
-              <a:buChar char="•"/>
-            </a:pPr>
-            <a:endParaRPr lang="en-US" dirty="0"/>
-          </a:p>
-          <a:p>
-            <a:br>
-              <a:rPr lang="en-US" dirty="0"/>
-            </a:br>
-            <a:endParaRPr lang="en-US" dirty="0"/>
-          </a:p>
-          <a:p>
-            <a:pPr marL="800100" lvl="1" indent="-342900">
-              <a:buFont typeface="Arial" panose="020B0604020202020204" pitchFamily="34" charset="0"/>
-              <a:buChar char="•"/>
-            </a:pPr>
-            <a:endParaRPr lang="en-US" sz="2400" dirty="0">
+            <a:r>
+              <a:rPr lang="en-US" sz="2000" dirty="0">
+                <a:solidFill>
+                  <a:schemeClr val="bg1"/>
+                </a:solidFill>
+                <a:latin typeface="Raleway Medium" panose="020B0603030101060003" pitchFamily="34" charset="77"/>
+              </a:rPr>
+              <a:t>Save things like fault-tolerance for later. Don’t use multiple copies of a service yet. Don’t add probes. Save that for once it’s working.</a:t>
+            </a:r>
+          </a:p>
+          <a:p>
+            <a:endParaRPr lang="en-US" sz="2000" dirty="0">
               <a:solidFill>
                 <a:schemeClr val="bg1"/>
               </a:solidFill>
@@ -12227,40 +13835,51 @@
             </a:endParaRPr>
           </a:p>
           <a:p>
-            <a:pPr marL="800100" lvl="1" indent="-342900">
-              <a:buFont typeface="Arial" panose="020B0604020202020204" pitchFamily="34" charset="0"/>
-              <a:buChar char="•"/>
-            </a:pPr>
-            <a:endParaRPr lang="en-US" sz="2400" dirty="0">
-              <a:solidFill>
-                <a:schemeClr val="bg1"/>
-              </a:solidFill>
-              <a:latin typeface="Raleway Medium" panose="020B0603030101060003" pitchFamily="34" charset="77"/>
-            </a:endParaRPr>
-          </a:p>
-          <a:p>
-            <a:pPr marL="342900" indent="-342900">
-              <a:buFont typeface="Arial" panose="020B0604020202020204" pitchFamily="34" charset="0"/>
-              <a:buChar char="•"/>
-            </a:pPr>
-            <a:endParaRPr lang="en-US" sz="2400" dirty="0">
-              <a:solidFill>
-                <a:schemeClr val="bg1"/>
-              </a:solidFill>
-              <a:latin typeface="Raleway Medium" panose="020B0603030101060003" pitchFamily="34" charset="77"/>
-            </a:endParaRPr>
-          </a:p>
-          <a:p>
-            <a:pPr marL="285750" indent="-285750">
-              <a:buFont typeface="Arial" panose="020B0604020202020204" pitchFamily="34" charset="0"/>
-              <a:buChar char="•"/>
-            </a:pPr>
-            <a:endParaRPr lang="en-US" sz="2400" dirty="0">
-              <a:solidFill>
-                <a:schemeClr val="bg1"/>
-              </a:solidFill>
-              <a:latin typeface="Raleway Medium" panose="020B0603030101060003" pitchFamily="34" charset="77"/>
-            </a:endParaRPr>
+            <a:r>
+              <a:rPr lang="en-US" sz="2000" dirty="0">
+                <a:solidFill>
+                  <a:schemeClr val="bg1"/>
+                </a:solidFill>
+                <a:latin typeface="Raleway Medium" panose="020B0603030101060003" pitchFamily="34" charset="77"/>
+              </a:rPr>
+              <a:t>Don’t forget that you can test services directly by making them </a:t>
+            </a:r>
+            <a:r>
+              <a:rPr lang="en-US" sz="2000" dirty="0" err="1">
+                <a:solidFill>
+                  <a:schemeClr val="bg1"/>
+                </a:solidFill>
+                <a:latin typeface="Raleway Medium" panose="020B0603030101060003" pitchFamily="34" charset="77"/>
+              </a:rPr>
+              <a:t>NodePort</a:t>
+            </a:r>
+            <a:r>
+              <a:rPr lang="en-US" sz="2000" dirty="0">
+                <a:solidFill>
+                  <a:schemeClr val="bg1"/>
+                </a:solidFill>
+                <a:latin typeface="Raleway Medium" panose="020B0603030101060003" pitchFamily="34" charset="77"/>
+              </a:rPr>
+              <a:t>, hitting them from other pods, or using </a:t>
+            </a:r>
+            <a:r>
+              <a:rPr lang="en-US" sz="2000" dirty="0" err="1">
+                <a:solidFill>
+                  <a:schemeClr val="bg1"/>
+                </a:solidFill>
+                <a:latin typeface="Raleway Medium" panose="020B0603030101060003" pitchFamily="34" charset="77"/>
+              </a:rPr>
+              <a:t>kubectl</a:t>
+            </a:r>
+            <a:r>
+              <a:rPr lang="en-US" sz="2000" dirty="0">
+                <a:solidFill>
+                  <a:schemeClr val="bg1"/>
+                </a:solidFill>
+                <a:latin typeface="Raleway Medium" panose="020B0603030101060003" pitchFamily="34" charset="77"/>
+              </a:rPr>
+              <a:t> port-forward.</a:t>
+            </a:r>
           </a:p>
         </p:txBody>
       </p:sp>
@@ -12283,7 +13902,7 @@
         <p:spPr>
           <a:xfrm>
             <a:off x="650450" y="369988"/>
-            <a:ext cx="8748074" cy="609600"/>
+            <a:ext cx="10411802" cy="609600"/>
           </a:xfrm>
         </p:spPr>
         <p:txBody>
@@ -12294,28 +13913,20 @@
           <a:p>
             <a:pPr algn="l"/>
             <a:r>
-              <a:rPr lang="en-US" sz="6000" dirty="0" err="1">
+              <a:rPr lang="en-US" sz="6000" dirty="0">
                 <a:solidFill>
                   <a:prstClr val="white"/>
                 </a:solidFill>
               </a:rPr>
-              <a:t>Rv</a:t>
+              <a:t>hackathon – </a:t>
             </a:r>
             <a:r>
               <a:rPr lang="en-US" sz="6000" dirty="0">
                 <a:solidFill>
-                  <a:prstClr val="white"/>
-                </a:solidFill>
-              </a:rPr>
-              <a:t> store – </a:t>
-            </a:r>
-            <a:r>
-              <a:rPr lang="en-US" sz="6000" dirty="0">
-                <a:solidFill>
                   <a:schemeClr val="accent3"/>
                 </a:solidFill>
               </a:rPr>
-              <a:t>UI application</a:t>
+              <a:t>helpful hints</a:t>
             </a:r>
             <a:endParaRPr lang="en-US" sz="6000" dirty="0"/>
           </a:p>
@@ -12324,7 +13935,7 @@
     </p:spTree>
     <p:extLst>
       <p:ext uri="{BB962C8B-B14F-4D97-AF65-F5344CB8AC3E}">
-        <p14:creationId xmlns:p14="http://schemas.microsoft.com/office/powerpoint/2010/main" val="3830125298"/>
+        <p14:creationId xmlns:p14="http://schemas.microsoft.com/office/powerpoint/2010/main" val="4075370018"/>
       </p:ext>
     </p:extLst>
   </p:cSld>

--- a/rvstore_hackathon/Kubernetes-RV Store Hackathon.pptx
+++ b/rvstore_hackathon/Kubernetes-RV Store Hackathon.pptx
@@ -479,7 +479,7 @@
           <a:p>
             <a:fld id="{52C7B5E8-5650-4264-A661-2CC42BB409CD}" type="datetimeFigureOut">
               <a:rPr lang="en-US" smtClean="0"/>
-              <a:t>4/3/21</a:t>
+              <a:t>4/13/21</a:t>
             </a:fld>
             <a:endParaRPr lang="en-US"/>
           </a:p>
@@ -4834,7 +4834,7 @@
         <p:spPr>
           <a:xfrm>
             <a:off x="1311897" y="1168924"/>
-            <a:ext cx="9398524" cy="6093976"/>
+            <a:ext cx="9398524" cy="6401753"/>
           </a:xfrm>
           <a:prstGeom prst="rect">
             <a:avLst/>
@@ -4978,35 +4978,32 @@
                 </a:solidFill>
                 <a:latin typeface="Raleway Medium" panose="020B0603030101060003" pitchFamily="34" charset="77"/>
               </a:rPr>
-              <a:t>rvstore</a:t>
-            </a:r>
-            <a:r>
-              <a:rPr lang="en-US" sz="2400" dirty="0">
-                <a:solidFill>
-                  <a:schemeClr val="bg1"/>
-                </a:solidFill>
-                <a:latin typeface="Raleway Medium" panose="020B0603030101060003" pitchFamily="34" charset="77"/>
-              </a:rPr>
-              <a:t>-order-</a:t>
-            </a:r>
-            <a:r>
-              <a:rPr lang="en-US" sz="2400" dirty="0" err="1">
-                <a:solidFill>
-                  <a:schemeClr val="bg1"/>
-                </a:solidFill>
-                <a:latin typeface="Raleway Medium" panose="020B0603030101060003" pitchFamily="34" charset="77"/>
-              </a:rPr>
-              <a:t>api</a:t>
-            </a:r>
-            <a:r>
-              <a:rPr lang="en-US" sz="2400" dirty="0">
-                <a:solidFill>
-                  <a:schemeClr val="bg1"/>
-                </a:solidFill>
-                <a:latin typeface="Raleway Medium" panose="020B0603030101060003" pitchFamily="34" charset="77"/>
-              </a:rPr>
-              <a:t> </a:t>
-            </a:r>
+              <a:t>rvstore-order-api</a:t>
+            </a:r>
+            <a:r>
+              <a:rPr lang="en-US" sz="2400" err="1">
+                <a:solidFill>
+                  <a:schemeClr val="bg1"/>
+                </a:solidFill>
+                <a:latin typeface="Raleway Medium" panose="020B0603030101060003" pitchFamily="34" charset="77"/>
+              </a:rPr>
+              <a:t>:</a:t>
+            </a:r>
+            <a:r>
+              <a:rPr lang="en-US" sz="2400">
+                <a:solidFill>
+                  <a:schemeClr val="bg1"/>
+                </a:solidFill>
+                <a:latin typeface="Raleway Medium" panose="020B0603030101060003" pitchFamily="34" charset="77"/>
+              </a:rPr>
+              <a:t>latest</a:t>
+            </a:r>
+            <a:endParaRPr lang="en-US" sz="2400" dirty="0">
+              <a:solidFill>
+                <a:schemeClr val="bg1"/>
+              </a:solidFill>
+              <a:latin typeface="Raleway Medium" panose="020B0603030101060003" pitchFamily="34" charset="77"/>
+            </a:endParaRPr>
           </a:p>
           <a:p>
             <a:pPr marL="342900" indent="-342900">
@@ -6127,7 +6124,7 @@
         <p:spPr>
           <a:xfrm>
             <a:off x="1311897" y="1168924"/>
-            <a:ext cx="9398524" cy="5016758"/>
+            <a:ext cx="9398524" cy="4708981"/>
           </a:xfrm>
           <a:prstGeom prst="rect">
             <a:avLst/>
@@ -6214,7 +6211,16 @@
                 </a:solidFill>
                 <a:latin typeface="Raleway Medium" panose="020B0603030101060003" pitchFamily="34" charset="77"/>
               </a:rPr>
-              <a:t>It communicates with the product service at: </a:t>
+              <a:t>Docker image: elasticsearch:7.12.0 or </a:t>
+            </a:r>
+            <a:r>
+              <a:rPr lang="en-US" sz="2000" dirty="0" err="1">
+                <a:solidFill>
+                  <a:schemeClr val="bg1"/>
+                </a:solidFill>
+                <a:latin typeface="Raleway Medium" panose="020B0603030101060003" pitchFamily="34" charset="77"/>
+              </a:rPr>
+              <a:t>public.ecr.aws</a:t>
             </a:r>
             <a:r>
               <a:rPr lang="en-US" sz="2000" dirty="0">
@@ -6222,9 +6228,17 @@
                   <a:schemeClr val="bg1"/>
                 </a:solidFill>
                 <a:latin typeface="Raleway Medium" panose="020B0603030101060003" pitchFamily="34" charset="77"/>
-                <a:hlinkClick r:id="rId3"/>
-              </a:rPr>
-              <a:t>http://rvstore-product-api:9001</a:t>
+              </a:rPr>
+              <a:t>/</a:t>
+            </a:r>
+            <a:r>
+              <a:rPr lang="en-US" sz="2000" dirty="0" err="1">
+                <a:solidFill>
+                  <a:schemeClr val="bg1"/>
+                </a:solidFill>
+                <a:latin typeface="Raleway Medium" panose="020B0603030101060003" pitchFamily="34" charset="77"/>
+              </a:rPr>
+              <a:t>vergeops</a:t>
             </a:r>
             <a:r>
               <a:rPr lang="en-US" sz="2000" dirty="0">
@@ -6233,23 +6247,23 @@
                 </a:solidFill>
                 <a:latin typeface="Raleway Medium" panose="020B0603030101060003" pitchFamily="34" charset="77"/>
               </a:rPr>
-              <a:t> and the Elasticsearch service at http://elasticsearch:9200.</a:t>
-            </a:r>
-          </a:p>
-          <a:p>
-            <a:pPr marL="342900" indent="-342900">
-              <a:buFont typeface="Arial" panose="020B0604020202020204" pitchFamily="34" charset="0"/>
-              <a:buChar char="•"/>
-            </a:pPr>
-            <a:r>
-              <a:rPr lang="en-US" sz="2000" dirty="0">
-                <a:solidFill>
-                  <a:schemeClr val="bg1"/>
-                </a:solidFill>
-                <a:latin typeface="Raleway Medium" panose="020B0603030101060003" pitchFamily="34" charset="77"/>
-              </a:rPr>
-              <a:t>Docker image: elasticsearch:7.12.0 </a:t>
-            </a:r>
+              <a:t>/</a:t>
+            </a:r>
+            <a:r>
+              <a:rPr lang="en-US" sz="2000" dirty="0" err="1">
+                <a:solidFill>
+                  <a:schemeClr val="bg1"/>
+                </a:solidFill>
+                <a:latin typeface="Raleway Medium" panose="020B0603030101060003" pitchFamily="34" charset="77"/>
+              </a:rPr>
+              <a:t>rvstore-elasticsearch:latest</a:t>
+            </a:r>
+            <a:endParaRPr lang="en-US" sz="2000" dirty="0">
+              <a:solidFill>
+                <a:schemeClr val="bg1"/>
+              </a:solidFill>
+              <a:latin typeface="Raleway Medium" panose="020B0603030101060003" pitchFamily="34" charset="77"/>
+            </a:endParaRPr>
           </a:p>
           <a:p>
             <a:pPr marL="342900" indent="-342900">

--- a/rvstore_hackathon/Kubernetes-RV Store Hackathon.pptx
+++ b/rvstore_hackathon/Kubernetes-RV Store Hackathon.pptx
@@ -479,7 +479,7 @@
           <a:p>
             <a:fld id="{52C7B5E8-5650-4264-A661-2CC42BB409CD}" type="datetimeFigureOut">
               <a:rPr lang="en-US" smtClean="0"/>
-              <a:t>4/13/21</a:t>
+              <a:t>4/14/21</a:t>
             </a:fld>
             <a:endParaRPr lang="en-US"/>
           </a:p>
@@ -2945,7 +2945,25 @@
                 </a:solidFill>
                 <a:latin typeface="Raleway Medium" panose="020B0603030101060003" pitchFamily="34" charset="77"/>
               </a:rPr>
-              <a:t>/e7e6w2e3/</a:t>
+              <a:t>/</a:t>
+            </a:r>
+            <a:r>
+              <a:rPr lang="en-US" sz="2400" dirty="0" err="1">
+                <a:solidFill>
+                  <a:schemeClr val="bg1"/>
+                </a:solidFill>
+                <a:latin typeface="Raleway Medium" panose="020B0603030101060003" pitchFamily="34" charset="77"/>
+              </a:rPr>
+              <a:t>vergeops</a:t>
+            </a:r>
+            <a:r>
+              <a:rPr lang="en-US" sz="2400" dirty="0">
+                <a:solidFill>
+                  <a:schemeClr val="bg1"/>
+                </a:solidFill>
+                <a:latin typeface="Raleway Medium" panose="020B0603030101060003" pitchFamily="34" charset="77"/>
+              </a:rPr>
+              <a:t>/</a:t>
             </a:r>
             <a:r>
               <a:rPr lang="en-US" sz="2400" dirty="0" err="1">
@@ -3603,7 +3621,25 @@
                 </a:solidFill>
                 <a:latin typeface="Raleway Medium" panose="020B0603030101060003" pitchFamily="34" charset="77"/>
               </a:rPr>
-              <a:t>/e7e6w2e3/</a:t>
+              <a:t>/</a:t>
+            </a:r>
+            <a:r>
+              <a:rPr lang="en-US" sz="2400" dirty="0" err="1">
+                <a:solidFill>
+                  <a:schemeClr val="bg1"/>
+                </a:solidFill>
+                <a:latin typeface="Raleway Medium" panose="020B0603030101060003" pitchFamily="34" charset="77"/>
+              </a:rPr>
+              <a:t>vergeops</a:t>
+            </a:r>
+            <a:r>
+              <a:rPr lang="en-US" sz="2400" dirty="0">
+                <a:solidFill>
+                  <a:schemeClr val="bg1"/>
+                </a:solidFill>
+                <a:latin typeface="Raleway Medium" panose="020B0603030101060003" pitchFamily="34" charset="77"/>
+              </a:rPr>
+              <a:t>/</a:t>
             </a:r>
             <a:r>
               <a:rPr lang="en-US" sz="2400" dirty="0" err="1">
@@ -4337,7 +4373,25 @@
                 </a:solidFill>
                 <a:latin typeface="Raleway Medium" panose="020B0603030101060003" pitchFamily="34" charset="77"/>
               </a:rPr>
-              <a:t>/e7e6w2e3/</a:t>
+              <a:t>/</a:t>
+            </a:r>
+            <a:r>
+              <a:rPr lang="en-US" sz="2400" dirty="0" err="1">
+                <a:solidFill>
+                  <a:schemeClr val="bg1"/>
+                </a:solidFill>
+                <a:latin typeface="Raleway Medium" panose="020B0603030101060003" pitchFamily="34" charset="77"/>
+              </a:rPr>
+              <a:t>vergeops</a:t>
+            </a:r>
+            <a:r>
+              <a:rPr lang="en-US" sz="2400" dirty="0">
+                <a:solidFill>
+                  <a:schemeClr val="bg1"/>
+                </a:solidFill>
+                <a:latin typeface="Raleway Medium" panose="020B0603030101060003" pitchFamily="34" charset="77"/>
+              </a:rPr>
+              <a:t>/</a:t>
             </a:r>
             <a:r>
               <a:rPr lang="en-US" sz="2400" dirty="0" err="1">
@@ -4969,7 +5023,7 @@
                 </a:solidFill>
                 <a:latin typeface="Raleway Medium" panose="020B0603030101060003" pitchFamily="34" charset="77"/>
               </a:rPr>
-              <a:t>/e7e6w2e3/</a:t>
+              <a:t>/</a:t>
             </a:r>
             <a:r>
               <a:rPr lang="en-US" sz="2400" dirty="0" err="1">
@@ -4978,25 +5032,25 @@
                 </a:solidFill>
                 <a:latin typeface="Raleway Medium" panose="020B0603030101060003" pitchFamily="34" charset="77"/>
               </a:rPr>
-              <a:t>rvstore-order-api</a:t>
-            </a:r>
-            <a:r>
-              <a:rPr lang="en-US" sz="2400" err="1">
-                <a:solidFill>
-                  <a:schemeClr val="bg1"/>
-                </a:solidFill>
-                <a:latin typeface="Raleway Medium" panose="020B0603030101060003" pitchFamily="34" charset="77"/>
-              </a:rPr>
-              <a:t>:</a:t>
-            </a:r>
-            <a:r>
-              <a:rPr lang="en-US" sz="2400">
-                <a:solidFill>
-                  <a:schemeClr val="bg1"/>
-                </a:solidFill>
-                <a:latin typeface="Raleway Medium" panose="020B0603030101060003" pitchFamily="34" charset="77"/>
-              </a:rPr>
-              <a:t>latest</a:t>
+              <a:t>vergeops</a:t>
+            </a:r>
+            <a:r>
+              <a:rPr lang="en-US" sz="2400" dirty="0">
+                <a:solidFill>
+                  <a:schemeClr val="bg1"/>
+                </a:solidFill>
+                <a:latin typeface="Raleway Medium" panose="020B0603030101060003" pitchFamily="34" charset="77"/>
+              </a:rPr>
+              <a:t>/</a:t>
+            </a:r>
+            <a:r>
+              <a:rPr lang="en-US" sz="2400" dirty="0" err="1">
+                <a:solidFill>
+                  <a:schemeClr val="bg1"/>
+                </a:solidFill>
+                <a:latin typeface="Raleway Medium" panose="020B0603030101060003" pitchFamily="34" charset="77"/>
+              </a:rPr>
+              <a:t>rvstore-order-api:latest</a:t>
             </a:r>
             <a:endParaRPr lang="en-US" sz="2400" dirty="0">
               <a:solidFill>
@@ -5622,7 +5676,25 @@
                 </a:solidFill>
                 <a:latin typeface="Raleway Medium" panose="020B0603030101060003" pitchFamily="34" charset="77"/>
               </a:rPr>
-              <a:t>/e7e6w2e3/</a:t>
+              <a:t>/</a:t>
+            </a:r>
+            <a:r>
+              <a:rPr lang="en-US" sz="2400" dirty="0" err="1">
+                <a:solidFill>
+                  <a:schemeClr val="bg1"/>
+                </a:solidFill>
+                <a:latin typeface="Raleway Medium" panose="020B0603030101060003" pitchFamily="34" charset="77"/>
+              </a:rPr>
+              <a:t>vergeops</a:t>
+            </a:r>
+            <a:r>
+              <a:rPr lang="en-US" sz="2400" dirty="0">
+                <a:solidFill>
+                  <a:schemeClr val="bg1"/>
+                </a:solidFill>
+                <a:latin typeface="Raleway Medium" panose="020B0603030101060003" pitchFamily="34" charset="77"/>
+              </a:rPr>
+              <a:t>/</a:t>
             </a:r>
             <a:r>
               <a:rPr lang="en-US" sz="2400" dirty="0" err="1">
@@ -6790,7 +6862,7 @@
         <p:spPr>
           <a:xfrm>
             <a:off x="1311897" y="1168924"/>
-            <a:ext cx="9398524" cy="6401753"/>
+            <a:ext cx="9398524" cy="6678751"/>
           </a:xfrm>
           <a:prstGeom prst="rect">
             <a:avLst/>
@@ -6922,7 +6994,38 @@
                 </a:solidFill>
                 <a:latin typeface="Raleway Medium" panose="020B0603030101060003" pitchFamily="34" charset="77"/>
               </a:rPr>
-              <a:t>Order service at: http://rvstore-order-api:9002/orders</a:t>
+              <a:t>Order service at: </a:t>
+            </a:r>
+            <a:r>
+              <a:rPr lang="en-US" sz="2000" dirty="0">
+                <a:solidFill>
+                  <a:schemeClr val="bg1"/>
+                </a:solidFill>
+                <a:latin typeface="Raleway Medium" panose="020B0603030101060003" pitchFamily="34" charset="77"/>
+                <a:hlinkClick r:id="rId3"/>
+              </a:rPr>
+              <a:t>http://rvstore-order-api:9002/orders</a:t>
+            </a:r>
+            <a:endParaRPr lang="en-US" sz="2000" dirty="0">
+              <a:solidFill>
+                <a:schemeClr val="bg1"/>
+              </a:solidFill>
+              <a:latin typeface="Raleway Medium" panose="020B0603030101060003" pitchFamily="34" charset="77"/>
+            </a:endParaRPr>
+          </a:p>
+          <a:p>
+            <a:pPr marL="800100" lvl="1" indent="-342900">
+              <a:buFont typeface="Arial" panose="020B0604020202020204" pitchFamily="34" charset="0"/>
+              <a:buChar char="•"/>
+            </a:pPr>
+            <a:r>
+              <a:rPr lang="en-US" sz="2000" dirty="0">
+                <a:solidFill>
+                  <a:schemeClr val="bg1"/>
+                </a:solidFill>
+                <a:latin typeface="Raleway Medium" panose="020B0603030101060003" pitchFamily="34" charset="77"/>
+              </a:rPr>
+              <a:t>Elasticsearch at: http://elasticsearch:9200</a:t>
             </a:r>
           </a:p>
           <a:p>
@@ -6955,7 +7058,25 @@
                 </a:solidFill>
                 <a:latin typeface="Raleway Medium" panose="020B0603030101060003" pitchFamily="34" charset="77"/>
               </a:rPr>
-              <a:t>/e7e6w2e3/</a:t>
+              <a:t>/</a:t>
+            </a:r>
+            <a:r>
+              <a:rPr lang="en-US" sz="2000" dirty="0" err="1">
+                <a:solidFill>
+                  <a:schemeClr val="bg1"/>
+                </a:solidFill>
+                <a:latin typeface="Raleway Medium" panose="020B0603030101060003" pitchFamily="34" charset="77"/>
+              </a:rPr>
+              <a:t>vergeops</a:t>
+            </a:r>
+            <a:r>
+              <a:rPr lang="en-US" sz="2000" dirty="0">
+                <a:solidFill>
+                  <a:schemeClr val="bg1"/>
+                </a:solidFill>
+                <a:latin typeface="Raleway Medium" panose="020B0603030101060003" pitchFamily="34" charset="77"/>
+              </a:rPr>
+              <a:t>/</a:t>
             </a:r>
             <a:r>
               <a:rPr lang="en-US" sz="2000" dirty="0" err="1">
@@ -7595,7 +7716,25 @@
                 </a:solidFill>
                 <a:latin typeface="Raleway Medium" panose="020B0603030101060003" pitchFamily="34" charset="77"/>
               </a:rPr>
-              <a:t>/e7e6w2e3/</a:t>
+              <a:t>/</a:t>
+            </a:r>
+            <a:r>
+              <a:rPr lang="en-US" sz="2400" dirty="0" err="1">
+                <a:solidFill>
+                  <a:schemeClr val="bg1"/>
+                </a:solidFill>
+                <a:latin typeface="Raleway Medium" panose="020B0603030101060003" pitchFamily="34" charset="77"/>
+              </a:rPr>
+              <a:t>vergeops</a:t>
+            </a:r>
+            <a:r>
+              <a:rPr lang="en-US" sz="2400" dirty="0">
+                <a:solidFill>
+                  <a:schemeClr val="bg1"/>
+                </a:solidFill>
+                <a:latin typeface="Raleway Medium" panose="020B0603030101060003" pitchFamily="34" charset="77"/>
+              </a:rPr>
+              <a:t>/</a:t>
             </a:r>
             <a:r>
               <a:rPr lang="en-US" sz="2400" dirty="0" err="1">
@@ -8084,7 +8223,16 @@
                 </a:solidFill>
                 <a:latin typeface="Raleway Medium" panose="020B0603030101060003" pitchFamily="34" charset="77"/>
               </a:rPr>
-              <a:t>/e7e6w2e3/</a:t>
+              <a:t>/</a:t>
+            </a:r>
+            <a:r>
+              <a:rPr lang="en-US" sz="2400">
+                <a:solidFill>
+                  <a:schemeClr val="bg1"/>
+                </a:solidFill>
+                <a:latin typeface="Raleway Medium" panose="020B0603030101060003" pitchFamily="34" charset="77"/>
+              </a:rPr>
+              <a:t>vergeops/</a:t>
             </a:r>
             <a:r>
               <a:rPr lang="en-US" sz="2400" dirty="0" err="1">

--- a/rvstore_hackathon/Kubernetes-RV Store Hackathon.pptx
+++ b/rvstore_hackathon/Kubernetes-RV Store Hackathon.pptx
@@ -477,7 +477,7 @@
           <a:p>
             <a:fld id="{52C7B5E8-5650-4264-A661-2CC42BB409CD}" type="datetimeFigureOut">
               <a:rPr lang="en-US" smtClean="0"/>
-              <a:t>4/19/21</a:t>
+              <a:t>5/15/21</a:t>
             </a:fld>
             <a:endParaRPr lang="en-US"/>
           </a:p>
@@ -7805,10 +7805,10 @@
       </p:sp>
       <p:pic>
         <p:nvPicPr>
-          <p:cNvPr id="3" name="Picture 2" descr="Icon&#10;&#10;Description automatically generated with medium confidence">
+          <p:cNvPr id="4" name="Picture 3" descr="A picture containing icon&#10;&#10;Description automatically generated">
             <a:extLst>
               <a:ext uri="{FF2B5EF4-FFF2-40B4-BE49-F238E27FC236}">
-                <a16:creationId xmlns:a16="http://schemas.microsoft.com/office/drawing/2014/main" id="{3A69FDE6-68D1-944E-B9AB-C6D1CED3B890}"/>
+                <a16:creationId xmlns:a16="http://schemas.microsoft.com/office/drawing/2014/main" id="{857C2308-4DC9-2249-AECE-52F16B69F39C}"/>
               </a:ext>
             </a:extLst>
           </p:cNvPr>
@@ -7831,8 +7831,8 @@
         </p:blipFill>
         <p:spPr>
           <a:xfrm>
-            <a:off x="2940419" y="1199722"/>
-            <a:ext cx="6311162" cy="5624887"/>
+            <a:off x="3104295" y="1182902"/>
+            <a:ext cx="6294229" cy="5609796"/>
           </a:xfrm>
           <a:prstGeom prst="rect">
             <a:avLst/>

--- a/rvstore_hackathon/Kubernetes-RV Store Hackathon.pptx
+++ b/rvstore_hackathon/Kubernetes-RV Store Hackathon.pptx
@@ -477,7 +477,7 @@
           <a:p>
             <a:fld id="{52C7B5E8-5650-4264-A661-2CC42BB409CD}" type="datetimeFigureOut">
               <a:rPr lang="en-US" smtClean="0"/>
-              <a:t>5/15/21</a:t>
+              <a:t>7/9/21</a:t>
             </a:fld>
             <a:endParaRPr lang="en-US"/>
           </a:p>
@@ -4122,7 +4122,7 @@
                 </a:solidFill>
                 <a:latin typeface="Raleway Medium" panose="020B0603030101060003" pitchFamily="34" charset="77"/>
               </a:rPr>
-              <a:t>BatchJob</a:t>
+              <a:t>CronJob</a:t>
             </a:r>
             <a:r>
               <a:rPr lang="en-US" sz="2400" dirty="0">
@@ -5350,7 +5350,7 @@
         <p:spPr>
           <a:xfrm>
             <a:off x="1311897" y="1168924"/>
-            <a:ext cx="9398524" cy="6678751"/>
+            <a:ext cx="9398524" cy="6709529"/>
           </a:xfrm>
           <a:prstGeom prst="rect">
             <a:avLst/>
@@ -5374,7 +5374,25 @@
                 </a:solidFill>
                 <a:latin typeface="Raleway Medium" panose="020B0603030101060003" pitchFamily="34" charset="77"/>
               </a:rPr>
-              <a:t>This is a Java Spring Boot application. It routes traffic to the appropriate application based on the path. It acts as traffic cop. For example, </a:t>
+              <a:t>This applications uses the open source project </a:t>
+            </a:r>
+            <a:r>
+              <a:rPr lang="en-US" sz="2000" dirty="0" err="1">
+                <a:solidFill>
+                  <a:schemeClr val="bg1"/>
+                </a:solidFill>
+                <a:latin typeface="Raleway Medium" panose="020B0603030101060003" pitchFamily="34" charset="77"/>
+              </a:rPr>
+              <a:t>KrakenD</a:t>
+            </a:r>
+            <a:r>
+              <a:rPr lang="en-US" sz="2000" dirty="0">
+                <a:solidFill>
+                  <a:schemeClr val="bg1"/>
+                </a:solidFill>
+                <a:latin typeface="Raleway Medium" panose="020B0603030101060003" pitchFamily="34" charset="77"/>
+              </a:rPr>
+              <a:t> from the Cloud Native Compute Foundation (the same foundation that owns Kubernetes). It routes traffic to the appropriate application based on the path. It acts as traffic cop. For example, </a:t>
             </a:r>
             <a:r>
               <a:rPr lang="en-US" sz="2000" dirty="0" err="1">
@@ -5584,42 +5602,6 @@
               </a:rPr>
               <a:t>-gateway-service</a:t>
             </a:r>
-          </a:p>
-          <a:p>
-            <a:pPr marL="342900" indent="-342900">
-              <a:buFont typeface="Arial" panose="020B0604020202020204" pitchFamily="34" charset="0"/>
-              <a:buChar char="•"/>
-            </a:pPr>
-            <a:r>
-              <a:rPr lang="en-US" sz="2000" dirty="0">
-                <a:solidFill>
-                  <a:schemeClr val="bg1"/>
-                </a:solidFill>
-                <a:latin typeface="Raleway Medium" panose="020B0603030101060003" pitchFamily="34" charset="77"/>
-              </a:rPr>
-              <a:t>Environment variables needed:</a:t>
-            </a:r>
-          </a:p>
-          <a:p>
-            <a:pPr marL="800100" lvl="1" indent="-342900">
-              <a:buFont typeface="Arial" panose="020B0604020202020204" pitchFamily="34" charset="0"/>
-              <a:buChar char="•"/>
-            </a:pPr>
-            <a:r>
-              <a:rPr lang="en-US" dirty="0">
-                <a:solidFill>
-                  <a:schemeClr val="bg1"/>
-                </a:solidFill>
-                <a:latin typeface="Raleway Medium" panose="020B0603030101060003" pitchFamily="34" charset="77"/>
-              </a:rPr>
-              <a:t>SPRING_PROFILES_ACTIVE: compose</a:t>
-            </a:r>
-            <a:endParaRPr lang="en-US" sz="2000" dirty="0">
-              <a:solidFill>
-                <a:schemeClr val="bg1"/>
-              </a:solidFill>
-              <a:latin typeface="Raleway Medium" panose="020B0603030101060003" pitchFamily="34" charset="77"/>
-            </a:endParaRPr>
           </a:p>
           <a:p>
             <a:pPr marL="800100" lvl="1" indent="-342900">
@@ -6128,7 +6110,7 @@
                 </a:solidFill>
                 <a:latin typeface="Raleway Medium" panose="020B0603030101060003" pitchFamily="34" charset="77"/>
               </a:rPr>
-              <a:t>BatchJob</a:t>
+              <a:t>CronJob</a:t>
             </a:r>
             <a:r>
               <a:rPr lang="en-US" sz="2400" dirty="0">
@@ -8800,7 +8782,7 @@
         <p:spPr>
           <a:xfrm>
             <a:off x="1311897" y="1168924"/>
-            <a:ext cx="9398524" cy="4770537"/>
+            <a:ext cx="9398524" cy="4524315"/>
           </a:xfrm>
           <a:prstGeom prst="rect">
             <a:avLst/>
@@ -8820,7 +8802,7 @@
                 </a:solidFill>
                 <a:latin typeface="Raleway Medium" panose="020B0603030101060003" pitchFamily="34" charset="77"/>
               </a:rPr>
-              <a:t>Your humble instructor is playing the role of developer. I’ve written an application made up of 6 services. But I need your expertise to get it running on Kubernetes. All I know is the application code and environment variables needed.</a:t>
+              <a:t>Your humble instructor is playing the role of developer. I’ve written an application made up of 8 services. But I need your expertise to get it running on Kubernetes. All I know is the application code and environment variables needed.</a:t>
             </a:r>
           </a:p>
           <a:p>
@@ -8854,25 +8836,7 @@
                 </a:solidFill>
                 <a:latin typeface="Raleway Medium" panose="020B0603030101060003" pitchFamily="34" charset="77"/>
               </a:rPr>
-              <a:t>Set up the application to run in Kubernetes. For this hackathon, </a:t>
-            </a:r>
-            <a:r>
-              <a:rPr lang="en-US" sz="1600" dirty="0" err="1">
-                <a:solidFill>
-                  <a:schemeClr val="bg1"/>
-                </a:solidFill>
-                <a:latin typeface="Raleway Medium" panose="020B0603030101060003" pitchFamily="34" charset="77"/>
-              </a:rPr>
-              <a:t>Minikube</a:t>
-            </a:r>
-            <a:r>
-              <a:rPr lang="en-US" sz="1600" dirty="0">
-                <a:solidFill>
-                  <a:schemeClr val="bg1"/>
-                </a:solidFill>
-                <a:latin typeface="Raleway Medium" panose="020B0603030101060003" pitchFamily="34" charset="77"/>
-              </a:rPr>
-              <a:t> or Docker Kubernetes for Desktop is fine.</a:t>
+              <a:t>Set up the application to run in Kubernetes. Just get it working completely.</a:t>
             </a:r>
           </a:p>
           <a:p>
@@ -8935,7 +8899,7 @@
                 </a:solidFill>
                 <a:latin typeface="Raleway Medium" panose="020B0603030101060003" pitchFamily="34" charset="77"/>
               </a:rPr>
-              <a:t>Make the app fault-tolerant</a:t>
+              <a:t>Make the app fault-tolerant and resilient to failure. Try to break it!</a:t>
             </a:r>
           </a:p>
           <a:p>
@@ -8950,7 +8914,7 @@
                 </a:solidFill>
                 <a:latin typeface="Raleway Medium" panose="020B0603030101060003" pitchFamily="34" charset="77"/>
               </a:rPr>
-              <a:t>Multiple copies of services</a:t>
+              <a:t>Multiple replicas of pods</a:t>
             </a:r>
           </a:p>
           <a:p>

--- a/rvstore_hackathon/Kubernetes-RV Store Hackathon.pptx
+++ b/rvstore_hackathon/Kubernetes-RV Store Hackathon.pptx
@@ -477,7 +477,7 @@
           <a:p>
             <a:fld id="{52C7B5E8-5650-4264-A661-2CC42BB409CD}" type="datetimeFigureOut">
               <a:rPr lang="en-US" smtClean="0"/>
-              <a:t>7/9/21</a:t>
+              <a:t>2/10/22</a:t>
             </a:fld>
             <a:endParaRPr lang="en-US"/>
           </a:p>
@@ -3376,7 +3376,7 @@
         <p:spPr>
           <a:xfrm>
             <a:off x="1311897" y="1168924"/>
-            <a:ext cx="9398524" cy="6401753"/>
+            <a:ext cx="9398524" cy="3724096"/>
           </a:xfrm>
           <a:prstGeom prst="rect">
             <a:avLst/>
@@ -3538,7 +3538,25 @@
                 </a:solidFill>
                 <a:latin typeface="Raleway Medium" panose="020B0603030101060003" pitchFamily="34" charset="77"/>
               </a:rPr>
-              <a:t>rvstore-order-api:latest</a:t>
+              <a:t>rvstore</a:t>
+            </a:r>
+            <a:r>
+              <a:rPr lang="en-US" sz="2400" dirty="0">
+                <a:solidFill>
+                  <a:schemeClr val="bg1"/>
+                </a:solidFill>
+                <a:latin typeface="Raleway Medium" panose="020B0603030101060003" pitchFamily="34" charset="77"/>
+              </a:rPr>
+              <a:t>-order-</a:t>
+            </a:r>
+            <a:r>
+              <a:rPr lang="en-US" sz="2400" dirty="0" err="1">
+                <a:solidFill>
+                  <a:schemeClr val="bg1"/>
+                </a:solidFill>
+                <a:latin typeface="Raleway Medium" panose="020B0603030101060003" pitchFamily="34" charset="77"/>
+              </a:rPr>
+              <a:t>api</a:t>
             </a:r>
             <a:endParaRPr lang="en-US" sz="2400" dirty="0">
               <a:solidFill>
@@ -3591,67 +3609,6 @@
               </a:rPr>
               <a:t>You can test the service at http://&lt;service&gt;/orders</a:t>
             </a:r>
-          </a:p>
-          <a:p>
-            <a:pPr marL="800100" lvl="1" indent="-342900">
-              <a:buFont typeface="Arial" panose="020B0604020202020204" pitchFamily="34" charset="0"/>
-              <a:buChar char="•"/>
-            </a:pPr>
-            <a:endParaRPr lang="en-US" dirty="0"/>
-          </a:p>
-          <a:p>
-            <a:br>
-              <a:rPr lang="en-US" dirty="0"/>
-            </a:br>
-            <a:endParaRPr lang="en-US" dirty="0"/>
-          </a:p>
-          <a:p>
-            <a:pPr marL="800100" lvl="1" indent="-342900">
-              <a:buFont typeface="Arial" panose="020B0604020202020204" pitchFamily="34" charset="0"/>
-              <a:buChar char="•"/>
-            </a:pPr>
-            <a:endParaRPr lang="en-US" sz="2400" dirty="0">
-              <a:solidFill>
-                <a:schemeClr val="bg1"/>
-              </a:solidFill>
-              <a:latin typeface="Raleway Medium" panose="020B0603030101060003" pitchFamily="34" charset="77"/>
-            </a:endParaRPr>
-          </a:p>
-          <a:p>
-            <a:pPr marL="800100" lvl="1" indent="-342900">
-              <a:buFont typeface="Arial" panose="020B0604020202020204" pitchFamily="34" charset="0"/>
-              <a:buChar char="•"/>
-            </a:pPr>
-            <a:endParaRPr lang="en-US" sz="2400" dirty="0">
-              <a:solidFill>
-                <a:schemeClr val="bg1"/>
-              </a:solidFill>
-              <a:latin typeface="Raleway Medium" panose="020B0603030101060003" pitchFamily="34" charset="77"/>
-            </a:endParaRPr>
-          </a:p>
-          <a:p>
-            <a:pPr marL="342900" indent="-342900">
-              <a:buFont typeface="Arial" panose="020B0604020202020204" pitchFamily="34" charset="0"/>
-              <a:buChar char="•"/>
-            </a:pPr>
-            <a:endParaRPr lang="en-US" sz="2400" dirty="0">
-              <a:solidFill>
-                <a:schemeClr val="bg1"/>
-              </a:solidFill>
-              <a:latin typeface="Raleway Medium" panose="020B0603030101060003" pitchFamily="34" charset="77"/>
-            </a:endParaRPr>
-          </a:p>
-          <a:p>
-            <a:pPr marL="285750" indent="-285750">
-              <a:buFont typeface="Arial" panose="020B0604020202020204" pitchFamily="34" charset="0"/>
-              <a:buChar char="•"/>
-            </a:pPr>
-            <a:endParaRPr lang="en-US" sz="2400" dirty="0">
-              <a:solidFill>
-                <a:schemeClr val="bg1"/>
-              </a:solidFill>
-              <a:latin typeface="Raleway Medium" panose="020B0603030101060003" pitchFamily="34" charset="77"/>
-            </a:endParaRPr>
           </a:p>
         </p:txBody>
       </p:sp>
@@ -4900,7 +4857,7 @@
                 </a:solidFill>
                 <a:latin typeface="Raleway Medium" panose="020B0603030101060003" pitchFamily="34" charset="77"/>
               </a:rPr>
-              <a:t>-origin="*”</a:t>
+              <a:t>-origin="*"</a:t>
             </a:r>
           </a:p>
           <a:p>
@@ -4918,14 +4875,20 @@
               <a:t>http.cors.enabled</a:t>
             </a:r>
             <a:r>
-              <a:rPr lang="en-US" sz="2000" dirty="0">
-                <a:solidFill>
-                  <a:schemeClr val="bg1"/>
-                </a:solidFill>
-                <a:latin typeface="Raleway Medium" panose="020B0603030101060003" pitchFamily="34" charset="77"/>
-              </a:rPr>
-              <a:t>=“true”</a:t>
-            </a:r>
+              <a:rPr lang="en-US" sz="2000">
+                <a:solidFill>
+                  <a:schemeClr val="bg1"/>
+                </a:solidFill>
+                <a:latin typeface="Raleway Medium" panose="020B0603030101060003" pitchFamily="34" charset="77"/>
+              </a:rPr>
+              <a:t>="true"</a:t>
+            </a:r>
+            <a:endParaRPr lang="en-US" sz="2000" dirty="0">
+              <a:solidFill>
+                <a:schemeClr val="bg1"/>
+              </a:solidFill>
+              <a:latin typeface="Raleway Medium" panose="020B0603030101060003" pitchFamily="34" charset="77"/>
+            </a:endParaRPr>
           </a:p>
           <a:p>
             <a:pPr marL="800100" lvl="1" indent="-342900">
@@ -6252,7 +6215,7 @@
                 </a:solidFill>
                 <a:latin typeface="Raleway Medium" panose="020B0603030101060003" pitchFamily="34" charset="77"/>
               </a:rPr>
-              <a:t>JOB: “true”</a:t>
+              <a:t>JOB: "true"</a:t>
             </a:r>
             <a:endParaRPr lang="en-US" sz="2400" dirty="0">
               <a:solidFill>

--- a/rvstore_hackathon/Kubernetes-RV Store Hackathon.pptx
+++ b/rvstore_hackathon/Kubernetes-RV Store Hackathon.pptx
@@ -477,7 +477,7 @@
           <a:p>
             <a:fld id="{52C7B5E8-5650-4264-A661-2CC42BB409CD}" type="datetimeFigureOut">
               <a:rPr lang="en-US" smtClean="0"/>
-              <a:t>2/10/22</a:t>
+              <a:t>7/8/22</a:t>
             </a:fld>
             <a:endParaRPr lang="en-US"/>
           </a:p>
@@ -4202,8 +4202,23 @@
                 </a:solidFill>
                 <a:latin typeface="Raleway Medium" panose="020B0603030101060003" pitchFamily="34" charset="77"/>
               </a:rPr>
-              <a:t>JOB: true</a:t>
-            </a:r>
+              <a:t>JOB</a:t>
+            </a:r>
+            <a:r>
+              <a:rPr lang="en-US" sz="2000">
+                <a:solidFill>
+                  <a:schemeClr val="bg1"/>
+                </a:solidFill>
+                <a:latin typeface="Raleway Medium" panose="020B0603030101060003" pitchFamily="34" charset="77"/>
+              </a:rPr>
+              <a:t>: "true"</a:t>
+            </a:r>
+            <a:endParaRPr lang="en-US" sz="2000" dirty="0">
+              <a:solidFill>
+                <a:schemeClr val="bg1"/>
+              </a:solidFill>
+              <a:latin typeface="Raleway Medium" panose="020B0603030101060003" pitchFamily="34" charset="77"/>
+            </a:endParaRPr>
           </a:p>
           <a:p>
             <a:pPr marL="800100" lvl="1" indent="-342900">

--- a/rvstore_hackathon/Kubernetes-RV Store Hackathon.pptx
+++ b/rvstore_hackathon/Kubernetes-RV Store Hackathon.pptx
@@ -477,7 +477,7 @@
           <a:p>
             <a:fld id="{52C7B5E8-5650-4264-A661-2CC42BB409CD}" type="datetimeFigureOut">
               <a:rPr lang="en-US" smtClean="0"/>
-              <a:t>7/8/22</a:t>
+              <a:t>12/16/22</a:t>
             </a:fld>
             <a:endParaRPr lang="en-US"/>
           </a:p>
@@ -4656,7 +4656,7 @@
         <p:spPr>
           <a:xfrm>
             <a:off x="1311897" y="1168924"/>
-            <a:ext cx="9398524" cy="4708981"/>
+            <a:ext cx="9398524" cy="4401205"/>
           </a:xfrm>
           <a:prstGeom prst="rect">
             <a:avLst/>
@@ -4743,52 +4743,16 @@
                 </a:solidFill>
                 <a:latin typeface="Raleway Medium" panose="020B0603030101060003" pitchFamily="34" charset="77"/>
               </a:rPr>
-              <a:t>Docker image: elasticsearch:7.12.0 or </a:t>
-            </a:r>
-            <a:r>
-              <a:rPr lang="en-US" sz="2000" dirty="0" err="1">
-                <a:solidFill>
-                  <a:schemeClr val="bg1"/>
-                </a:solidFill>
-                <a:latin typeface="Raleway Medium" panose="020B0603030101060003" pitchFamily="34" charset="77"/>
-              </a:rPr>
-              <a:t>public.ecr.aws</a:t>
-            </a:r>
-            <a:r>
-              <a:rPr lang="en-US" sz="2000" dirty="0">
-                <a:solidFill>
-                  <a:schemeClr val="bg1"/>
-                </a:solidFill>
-                <a:latin typeface="Raleway Medium" panose="020B0603030101060003" pitchFamily="34" charset="77"/>
-              </a:rPr>
-              <a:t>/</a:t>
-            </a:r>
-            <a:r>
-              <a:rPr lang="en-US" sz="2000" dirty="0" err="1">
-                <a:solidFill>
-                  <a:schemeClr val="bg1"/>
-                </a:solidFill>
-                <a:latin typeface="Raleway Medium" panose="020B0603030101060003" pitchFamily="34" charset="77"/>
-              </a:rPr>
-              <a:t>vergeops</a:t>
-            </a:r>
-            <a:r>
-              <a:rPr lang="en-US" sz="2000" dirty="0">
-                <a:solidFill>
-                  <a:schemeClr val="bg1"/>
-                </a:solidFill>
-                <a:latin typeface="Raleway Medium" panose="020B0603030101060003" pitchFamily="34" charset="77"/>
-              </a:rPr>
-              <a:t>/</a:t>
-            </a:r>
-            <a:r>
-              <a:rPr lang="en-US" sz="2000" dirty="0" err="1">
-                <a:solidFill>
-                  <a:schemeClr val="bg1"/>
-                </a:solidFill>
-                <a:latin typeface="Raleway Medium" panose="020B0603030101060003" pitchFamily="34" charset="77"/>
-              </a:rPr>
-              <a:t>rvstore-elasticsearch:latest</a:t>
+              <a:t>Docker image: elasticsearch</a:t>
+            </a:r>
+            <a:r>
+              <a:rPr lang="en-US" sz="2000">
+                <a:solidFill>
+                  <a:schemeClr val="bg1"/>
+                </a:solidFill>
+                <a:latin typeface="Raleway Medium" panose="020B0603030101060003" pitchFamily="34" charset="77"/>
+              </a:rPr>
+              <a:t>:7.13.4</a:t>
             </a:r>
             <a:endParaRPr lang="en-US" sz="2000" dirty="0">
               <a:solidFill>
@@ -4890,7 +4854,7 @@
               <a:t>http.cors.enabled</a:t>
             </a:r>
             <a:r>
-              <a:rPr lang="en-US" sz="2000">
+              <a:rPr lang="en-US" sz="2000" dirty="0">
                 <a:solidFill>
                   <a:schemeClr val="bg1"/>
                 </a:solidFill>
@@ -4898,12 +4862,6 @@
               </a:rPr>
               <a:t>="true"</a:t>
             </a:r>
-            <a:endParaRPr lang="en-US" sz="2000" dirty="0">
-              <a:solidFill>
-                <a:schemeClr val="bg1"/>
-              </a:solidFill>
-              <a:latin typeface="Raleway Medium" panose="020B0603030101060003" pitchFamily="34" charset="77"/>
-            </a:endParaRPr>
           </a:p>
           <a:p>
             <a:pPr marL="800100" lvl="1" indent="-342900">

--- a/rvstore_hackathon/Kubernetes-RV Store Hackathon.pptx
+++ b/rvstore_hackathon/Kubernetes-RV Store Hackathon.pptx
@@ -477,7 +477,7 @@
           <a:p>
             <a:fld id="{52C7B5E8-5650-4264-A661-2CC42BB409CD}" type="datetimeFigureOut">
               <a:rPr lang="en-US" smtClean="0"/>
-              <a:t>12/16/22</a:t>
+              <a:t>3/27/23</a:t>
             </a:fld>
             <a:endParaRPr lang="en-US"/>
           </a:p>
@@ -7627,9 +7627,7 @@
             <a:avLst/>
           </a:prstGeom>
           <a:solidFill>
-            <a:schemeClr val="bg1">
-              <a:lumMod val="75000"/>
-            </a:schemeClr>
+            <a:schemeClr val="bg1"/>
           </a:solidFill>
           <a:ln w="38100">
             <a:noFill/>
@@ -7660,7 +7658,7 @@
           <a:lstStyle/>
           <a:p>
             <a:pPr algn="ctr"/>
-            <a:endParaRPr lang="en-US"/>
+            <a:endParaRPr lang="en-US" dirty="0"/>
           </a:p>
         </p:txBody>
       </p:sp>
@@ -7723,10 +7721,10 @@
       </p:sp>
       <p:pic>
         <p:nvPicPr>
-          <p:cNvPr id="4" name="Picture 3" descr="A picture containing icon&#10;&#10;Description automatically generated">
+          <p:cNvPr id="3" name="Picture 2" descr="Diagram&#10;&#10;Description automatically generated">
             <a:extLst>
               <a:ext uri="{FF2B5EF4-FFF2-40B4-BE49-F238E27FC236}">
-                <a16:creationId xmlns:a16="http://schemas.microsoft.com/office/drawing/2014/main" id="{857C2308-4DC9-2249-AECE-52F16B69F39C}"/>
+                <a16:creationId xmlns:a16="http://schemas.microsoft.com/office/drawing/2014/main" id="{8E26DB51-4457-D784-3784-84C082939A5E}"/>
               </a:ext>
             </a:extLst>
           </p:cNvPr>
@@ -7749,8 +7747,8 @@
         </p:blipFill>
         <p:spPr>
           <a:xfrm>
-            <a:off x="3104295" y="1182902"/>
-            <a:ext cx="6294229" cy="5609796"/>
+            <a:off x="2980103" y="1127950"/>
+            <a:ext cx="6418421" cy="5730050"/>
           </a:xfrm>
           <a:prstGeom prst="rect">
             <a:avLst/>

--- a/rvstore_hackathon/Kubernetes-RV Store Hackathon.pptx
+++ b/rvstore_hackathon/Kubernetes-RV Store Hackathon.pptx
@@ -21,9 +21,9 @@
     <p:sldId id="816" r:id="rId12"/>
     <p:sldId id="809" r:id="rId13"/>
     <p:sldId id="810" r:id="rId14"/>
-    <p:sldId id="818" r:id="rId15"/>
-    <p:sldId id="811" r:id="rId16"/>
-    <p:sldId id="817" r:id="rId17"/>
+    <p:sldId id="811" r:id="rId15"/>
+    <p:sldId id="817" r:id="rId16"/>
+    <p:sldId id="818" r:id="rId17"/>
     <p:sldId id="812" r:id="rId18"/>
   </p:sldIdLst>
   <p:sldSz cx="12192000" cy="6858000"/>
@@ -477,7 +477,7 @@
           <a:p>
             <a:fld id="{52C7B5E8-5650-4264-A661-2CC42BB409CD}" type="datetimeFigureOut">
               <a:rPr lang="en-US" smtClean="0"/>
-              <a:t>3/27/23</a:t>
+              <a:t>5/3/23</a:t>
             </a:fld>
             <a:endParaRPr lang="en-US"/>
           </a:p>
@@ -4001,7 +4001,7 @@
         <p:spPr>
           <a:xfrm>
             <a:off x="1311897" y="1168924"/>
-            <a:ext cx="9398524" cy="7078861"/>
+            <a:ext cx="9398524" cy="7448193"/>
           </a:xfrm>
           <a:prstGeom prst="rect">
             <a:avLst/>
@@ -4055,7 +4055,7 @@
                 </a:solidFill>
                 <a:latin typeface="Raleway Medium" panose="020B0603030101060003" pitchFamily="34" charset="77"/>
               </a:rPr>
-              <a:t>It communicates with the Gateway service at: http://rvstore-api-gateway:9000</a:t>
+              <a:t>It communicates with the Product service at: http://rvstore-product-api:9001 and the order service at http://rvstore-order-api:9002</a:t>
             </a:r>
           </a:p>
           <a:p>
@@ -4202,23 +4202,8 @@
                 </a:solidFill>
                 <a:latin typeface="Raleway Medium" panose="020B0603030101060003" pitchFamily="34" charset="77"/>
               </a:rPr>
-              <a:t>JOB</a:t>
-            </a:r>
-            <a:r>
-              <a:rPr lang="en-US" sz="2000">
-                <a:solidFill>
-                  <a:schemeClr val="bg1"/>
-                </a:solidFill>
-                <a:latin typeface="Raleway Medium" panose="020B0603030101060003" pitchFamily="34" charset="77"/>
-              </a:rPr>
-              <a:t>: "true"</a:t>
-            </a:r>
-            <a:endParaRPr lang="en-US" sz="2000" dirty="0">
-              <a:solidFill>
-                <a:schemeClr val="bg1"/>
-              </a:solidFill>
-              <a:latin typeface="Raleway Medium" panose="020B0603030101060003" pitchFamily="34" charset="77"/>
-            </a:endParaRPr>
+              <a:t>JOB: "true"</a:t>
+            </a:r>
           </a:p>
           <a:p>
             <a:pPr marL="800100" lvl="1" indent="-342900">
@@ -4656,7 +4641,7 @@
         <p:spPr>
           <a:xfrm>
             <a:off x="1311897" y="1168924"/>
-            <a:ext cx="9398524" cy="4401205"/>
+            <a:ext cx="9398524" cy="6709529"/>
           </a:xfrm>
           <a:prstGeom prst="rect">
             <a:avLst/>
@@ -4680,7 +4665,43 @@
                 </a:solidFill>
                 <a:latin typeface="Raleway Medium" panose="020B0603030101060003" pitchFamily="34" charset="77"/>
               </a:rPr>
-              <a:t>This is the stock Elasticsearch image from Docker Hub. It stores products to make them searchable. The product sync service populates it with products from the product service.</a:t>
+              <a:t>This applications uses the open source project </a:t>
+            </a:r>
+            <a:r>
+              <a:rPr lang="en-US" sz="2000" dirty="0" err="1">
+                <a:solidFill>
+                  <a:schemeClr val="bg1"/>
+                </a:solidFill>
+                <a:latin typeface="Raleway Medium" panose="020B0603030101060003" pitchFamily="34" charset="77"/>
+              </a:rPr>
+              <a:t>KrakenD</a:t>
+            </a:r>
+            <a:r>
+              <a:rPr lang="en-US" sz="2000" dirty="0">
+                <a:solidFill>
+                  <a:schemeClr val="bg1"/>
+                </a:solidFill>
+                <a:latin typeface="Raleway Medium" panose="020B0603030101060003" pitchFamily="34" charset="77"/>
+              </a:rPr>
+              <a:t> from the Cloud Native Compute Foundation (the same foundation that owns Kubernetes). It routes traffic to the appropriate application based on the path. It acts as traffic cop. For example, </a:t>
+            </a:r>
+            <a:r>
+              <a:rPr lang="en-US" sz="2000" dirty="0" err="1">
+                <a:solidFill>
+                  <a:schemeClr val="bg1"/>
+                </a:solidFill>
+                <a:latin typeface="Raleway Medium" panose="020B0603030101060003" pitchFamily="34" charset="77"/>
+              </a:rPr>
+              <a:t>xyz.com</a:t>
+            </a:r>
+            <a:r>
+              <a:rPr lang="en-US" sz="2000" dirty="0">
+                <a:solidFill>
+                  <a:schemeClr val="bg1"/>
+                </a:solidFill>
+                <a:latin typeface="Raleway Medium" panose="020B0603030101060003" pitchFamily="34" charset="77"/>
+              </a:rPr>
+              <a:t>/products will get routed to the product API application</a:t>
             </a:r>
           </a:p>
           <a:p>
@@ -4695,7 +4716,7 @@
                 </a:solidFill>
                 <a:latin typeface="Raleway Medium" panose="020B0603030101060003" pitchFamily="34" charset="77"/>
               </a:rPr>
-              <a:t>The application listens on port 9200</a:t>
+              <a:t>Runs on port 9000</a:t>
             </a:r>
           </a:p>
           <a:p>
@@ -4710,25 +4731,7 @@
                 </a:solidFill>
                 <a:latin typeface="Raleway Medium" panose="020B0603030101060003" pitchFamily="34" charset="77"/>
               </a:rPr>
-              <a:t>Run it as a </a:t>
-            </a:r>
-            <a:r>
-              <a:rPr lang="en-US" sz="2000" dirty="0" err="1">
-                <a:solidFill>
-                  <a:schemeClr val="bg1"/>
-                </a:solidFill>
-                <a:latin typeface="Raleway Medium" panose="020B0603030101060003" pitchFamily="34" charset="77"/>
-              </a:rPr>
-              <a:t>StatefulSet</a:t>
-            </a:r>
-            <a:r>
-              <a:rPr lang="en-US" sz="2000" dirty="0">
-                <a:solidFill>
-                  <a:schemeClr val="bg1"/>
-                </a:solidFill>
-                <a:latin typeface="Raleway Medium" panose="020B0603030101060003" pitchFamily="34" charset="77"/>
-              </a:rPr>
-              <a:t> with a single replica.</a:t>
+              <a:t>Application should be publicly accessible as the only endpoint for the backend API</a:t>
             </a:r>
           </a:p>
           <a:p>
@@ -4743,16 +4746,62 @@
                 </a:solidFill>
                 <a:latin typeface="Raleway Medium" panose="020B0603030101060003" pitchFamily="34" charset="77"/>
               </a:rPr>
-              <a:t>Docker image: elasticsearch</a:t>
-            </a:r>
-            <a:r>
-              <a:rPr lang="en-US" sz="2000">
-                <a:solidFill>
-                  <a:schemeClr val="bg1"/>
-                </a:solidFill>
-                <a:latin typeface="Raleway Medium" panose="020B0603030101060003" pitchFamily="34" charset="77"/>
-              </a:rPr>
-              <a:t>:7.13.4</a:t>
+              <a:t>It communicates with other services:</a:t>
+            </a:r>
+          </a:p>
+          <a:p>
+            <a:pPr marL="800100" lvl="1" indent="-342900">
+              <a:buFont typeface="Arial" panose="020B0604020202020204" pitchFamily="34" charset="0"/>
+              <a:buChar char="•"/>
+            </a:pPr>
+            <a:r>
+              <a:rPr lang="en-US" sz="2000" dirty="0">
+                <a:solidFill>
+                  <a:schemeClr val="bg1"/>
+                </a:solidFill>
+                <a:latin typeface="Raleway Medium" panose="020B0603030101060003" pitchFamily="34" charset="77"/>
+              </a:rPr>
+              <a:t>Auth service at: http://rvstore-auth-api:9003/auth</a:t>
+            </a:r>
+          </a:p>
+          <a:p>
+            <a:pPr marL="800100" lvl="1" indent="-342900">
+              <a:buFont typeface="Arial" panose="020B0604020202020204" pitchFamily="34" charset="0"/>
+              <a:buChar char="•"/>
+            </a:pPr>
+            <a:r>
+              <a:rPr lang="en-US" sz="2000" dirty="0">
+                <a:solidFill>
+                  <a:schemeClr val="bg1"/>
+                </a:solidFill>
+                <a:latin typeface="Raleway Medium" panose="020B0603030101060003" pitchFamily="34" charset="77"/>
+              </a:rPr>
+              <a:t>Product service at: http://rvstore-product-api:9001/products</a:t>
+            </a:r>
+          </a:p>
+          <a:p>
+            <a:pPr marL="800100" lvl="1" indent="-342900">
+              <a:buFont typeface="Arial" panose="020B0604020202020204" pitchFamily="34" charset="0"/>
+              <a:buChar char="•"/>
+            </a:pPr>
+            <a:r>
+              <a:rPr lang="en-US" sz="2000" dirty="0">
+                <a:solidFill>
+                  <a:schemeClr val="bg1"/>
+                </a:solidFill>
+                <a:latin typeface="Raleway Medium" panose="020B0603030101060003" pitchFamily="34" charset="77"/>
+              </a:rPr>
+              <a:t>Order service at: </a:t>
+            </a:r>
+            <a:r>
+              <a:rPr lang="en-US" sz="2000" dirty="0">
+                <a:solidFill>
+                  <a:schemeClr val="bg1"/>
+                </a:solidFill>
+                <a:latin typeface="Raleway Medium" panose="020B0603030101060003" pitchFamily="34" charset="77"/>
+                <a:hlinkClick r:id="rId3"/>
+              </a:rPr>
+              <a:t>http://rvstore-order-api:9002/orders</a:t>
             </a:r>
             <a:endParaRPr lang="en-US" sz="2000" dirty="0">
               <a:solidFill>
@@ -4762,6 +4811,21 @@
             </a:endParaRPr>
           </a:p>
           <a:p>
+            <a:pPr marL="800100" lvl="1" indent="-342900">
+              <a:buFont typeface="Arial" panose="020B0604020202020204" pitchFamily="34" charset="0"/>
+              <a:buChar char="•"/>
+            </a:pPr>
+            <a:r>
+              <a:rPr lang="en-US" sz="2000" dirty="0">
+                <a:solidFill>
+                  <a:schemeClr val="bg1"/>
+                </a:solidFill>
+                <a:latin typeface="Raleway Medium" panose="020B0603030101060003" pitchFamily="34" charset="77"/>
+              </a:rPr>
+              <a:t>Elasticsearch at: http://elasticsearch:9200</a:t>
+            </a:r>
+          </a:p>
+          <a:p>
             <a:pPr marL="342900" indent="-342900">
               <a:buFont typeface="Arial" panose="020B0604020202020204" pitchFamily="34" charset="0"/>
               <a:buChar char="•"/>
@@ -4773,7 +4837,61 @@
                 </a:solidFill>
                 <a:latin typeface="Raleway Medium" panose="020B0603030101060003" pitchFamily="34" charset="77"/>
               </a:rPr>
-              <a:t>Environment variables:</a:t>
+              <a:t>Docker image: </a:t>
+            </a:r>
+            <a:r>
+              <a:rPr lang="en-US" sz="2000" dirty="0" err="1">
+                <a:solidFill>
+                  <a:schemeClr val="bg1"/>
+                </a:solidFill>
+                <a:latin typeface="Raleway Medium" panose="020B0603030101060003" pitchFamily="34" charset="77"/>
+              </a:rPr>
+              <a:t>public.ecr.aws</a:t>
+            </a:r>
+            <a:r>
+              <a:rPr lang="en-US" sz="2000" dirty="0">
+                <a:solidFill>
+                  <a:schemeClr val="bg1"/>
+                </a:solidFill>
+                <a:latin typeface="Raleway Medium" panose="020B0603030101060003" pitchFamily="34" charset="77"/>
+              </a:rPr>
+              <a:t>/</a:t>
+            </a:r>
+            <a:r>
+              <a:rPr lang="en-US" sz="2000" dirty="0" err="1">
+                <a:solidFill>
+                  <a:schemeClr val="bg1"/>
+                </a:solidFill>
+                <a:latin typeface="Raleway Medium" panose="020B0603030101060003" pitchFamily="34" charset="77"/>
+              </a:rPr>
+              <a:t>vergeops</a:t>
+            </a:r>
+            <a:r>
+              <a:rPr lang="en-US" sz="2000" dirty="0">
+                <a:solidFill>
+                  <a:schemeClr val="bg1"/>
+                </a:solidFill>
+                <a:latin typeface="Raleway Medium" panose="020B0603030101060003" pitchFamily="34" charset="77"/>
+              </a:rPr>
+              <a:t>/</a:t>
+            </a:r>
+            <a:r>
+              <a:rPr lang="en-US" sz="2000" dirty="0" err="1">
+                <a:solidFill>
+                  <a:schemeClr val="bg1"/>
+                </a:solidFill>
+                <a:latin typeface="Raleway Medium" panose="020B0603030101060003" pitchFamily="34" charset="77"/>
+              </a:rPr>
+              <a:t>rvstore</a:t>
+            </a:r>
+            <a:r>
+              <a:rPr lang="en-US" sz="2000" dirty="0">
+                <a:solidFill>
+                  <a:schemeClr val="bg1"/>
+                </a:solidFill>
+                <a:latin typeface="Raleway Medium" panose="020B0603030101060003" pitchFamily="34" charset="77"/>
+              </a:rPr>
+              <a:t>-gateway-service</a:t>
             </a:r>
           </a:p>
           <a:p>
@@ -4781,135 +4899,61 @@
               <a:buFont typeface="Arial" panose="020B0604020202020204" pitchFamily="34" charset="0"/>
               <a:buChar char="•"/>
             </a:pPr>
-            <a:r>
-              <a:rPr lang="en-US" sz="2000" dirty="0" err="1">
-                <a:solidFill>
-                  <a:schemeClr val="bg1"/>
-                </a:solidFill>
-                <a:latin typeface="Raleway Medium" panose="020B0603030101060003" pitchFamily="34" charset="77"/>
-              </a:rPr>
-              <a:t>discovery.type</a:t>
-            </a:r>
-            <a:r>
-              <a:rPr lang="en-US" sz="2000" dirty="0">
-                <a:solidFill>
-                  <a:schemeClr val="bg1"/>
-                </a:solidFill>
-                <a:latin typeface="Raleway Medium" panose="020B0603030101060003" pitchFamily="34" charset="77"/>
-              </a:rPr>
-              <a:t>=single-node</a:t>
-            </a:r>
+            <a:endParaRPr lang="en-US" dirty="0"/>
+          </a:p>
+          <a:p>
+            <a:br>
+              <a:rPr lang="en-US" dirty="0"/>
+            </a:br>
+            <a:endParaRPr lang="en-US" dirty="0"/>
           </a:p>
           <a:p>
             <a:pPr marL="800100" lvl="1" indent="-342900">
               <a:buFont typeface="Arial" panose="020B0604020202020204" pitchFamily="34" charset="0"/>
               <a:buChar char="•"/>
             </a:pPr>
-            <a:r>
-              <a:rPr lang="en-US" sz="2000" dirty="0">
-                <a:solidFill>
-                  <a:schemeClr val="bg1"/>
-                </a:solidFill>
-                <a:latin typeface="Raleway Medium" panose="020B0603030101060003" pitchFamily="34" charset="77"/>
-              </a:rPr>
-              <a:t>ES_JAVA_OPTS=-Xms256m -Xmx256m</a:t>
-            </a:r>
+            <a:endParaRPr lang="en-US" sz="2400" dirty="0">
+              <a:solidFill>
+                <a:schemeClr val="bg1"/>
+              </a:solidFill>
+              <a:latin typeface="Raleway Medium" panose="020B0603030101060003" pitchFamily="34" charset="77"/>
+            </a:endParaRPr>
           </a:p>
           <a:p>
             <a:pPr marL="800100" lvl="1" indent="-342900">
               <a:buFont typeface="Arial" panose="020B0604020202020204" pitchFamily="34" charset="0"/>
               <a:buChar char="•"/>
             </a:pPr>
-            <a:r>
-              <a:rPr lang="en-US" sz="2000" dirty="0" err="1">
-                <a:solidFill>
-                  <a:schemeClr val="bg1"/>
-                </a:solidFill>
-                <a:latin typeface="Raleway Medium" panose="020B0603030101060003" pitchFamily="34" charset="77"/>
-              </a:rPr>
-              <a:t>http.cors.allow</a:t>
-            </a:r>
-            <a:r>
-              <a:rPr lang="en-US" sz="2000" dirty="0">
-                <a:solidFill>
-                  <a:schemeClr val="bg1"/>
-                </a:solidFill>
-                <a:latin typeface="Raleway Medium" panose="020B0603030101060003" pitchFamily="34" charset="77"/>
-              </a:rPr>
-              <a:t>-origin="*"</a:t>
-            </a:r>
-          </a:p>
-          <a:p>
-            <a:pPr marL="800100" lvl="1" indent="-342900">
+            <a:endParaRPr lang="en-US" sz="2400" dirty="0">
+              <a:solidFill>
+                <a:schemeClr val="bg1"/>
+              </a:solidFill>
+              <a:latin typeface="Raleway Medium" panose="020B0603030101060003" pitchFamily="34" charset="77"/>
+            </a:endParaRPr>
+          </a:p>
+          <a:p>
+            <a:pPr marL="342900" indent="-342900">
               <a:buFont typeface="Arial" panose="020B0604020202020204" pitchFamily="34" charset="0"/>
               <a:buChar char="•"/>
             </a:pPr>
-            <a:r>
-              <a:rPr lang="en-US" sz="2000" dirty="0" err="1">
-                <a:solidFill>
-                  <a:schemeClr val="bg1"/>
-                </a:solidFill>
-                <a:latin typeface="Raleway Medium" panose="020B0603030101060003" pitchFamily="34" charset="77"/>
-              </a:rPr>
-              <a:t>http.cors.enabled</a:t>
-            </a:r>
-            <a:r>
-              <a:rPr lang="en-US" sz="2000" dirty="0">
-                <a:solidFill>
-                  <a:schemeClr val="bg1"/>
-                </a:solidFill>
-                <a:latin typeface="Raleway Medium" panose="020B0603030101060003" pitchFamily="34" charset="77"/>
-              </a:rPr>
-              <a:t>="true"</a:t>
-            </a:r>
-          </a:p>
-          <a:p>
-            <a:pPr marL="800100" lvl="1" indent="-342900">
+            <a:endParaRPr lang="en-US" sz="2400" dirty="0">
+              <a:solidFill>
+                <a:schemeClr val="bg1"/>
+              </a:solidFill>
+              <a:latin typeface="Raleway Medium" panose="020B0603030101060003" pitchFamily="34" charset="77"/>
+            </a:endParaRPr>
+          </a:p>
+          <a:p>
+            <a:pPr marL="285750" indent="-285750">
               <a:buFont typeface="Arial" panose="020B0604020202020204" pitchFamily="34" charset="0"/>
               <a:buChar char="•"/>
             </a:pPr>
-            <a:r>
-              <a:rPr lang="en-US" sz="2000" dirty="0" err="1">
-                <a:solidFill>
-                  <a:schemeClr val="bg1"/>
-                </a:solidFill>
-                <a:latin typeface="Raleway Medium" panose="020B0603030101060003" pitchFamily="34" charset="77"/>
-              </a:rPr>
-              <a:t>http.cors.allow</a:t>
-            </a:r>
-            <a:r>
-              <a:rPr lang="en-US" sz="2000" dirty="0">
-                <a:solidFill>
-                  <a:schemeClr val="bg1"/>
-                </a:solidFill>
-                <a:latin typeface="Raleway Medium" panose="020B0603030101060003" pitchFamily="34" charset="77"/>
-              </a:rPr>
-              <a:t>-headers=X-Requested-With,X-Auth-Token,Content-Type,Content-Length,Authorization</a:t>
-            </a:r>
-          </a:p>
-          <a:p>
-            <a:pPr marL="800100" lvl="1" indent="-342900">
-              <a:buFont typeface="Arial" panose="020B0604020202020204" pitchFamily="34" charset="0"/>
-              <a:buChar char="•"/>
-            </a:pPr>
-            <a:r>
-              <a:rPr lang="en-US" sz="2000" dirty="0" err="1">
-                <a:solidFill>
-                  <a:schemeClr val="bg1"/>
-                </a:solidFill>
-                <a:latin typeface="Raleway Medium" panose="020B0603030101060003" pitchFamily="34" charset="77"/>
-              </a:rPr>
-              <a:t>http.cors.allow</a:t>
-            </a:r>
-            <a:r>
-              <a:rPr lang="en-US" sz="2000" dirty="0">
-                <a:solidFill>
-                  <a:schemeClr val="bg1"/>
-                </a:solidFill>
-                <a:latin typeface="Raleway Medium" panose="020B0603030101060003" pitchFamily="34" charset="77"/>
-              </a:rPr>
-              <a:t>-credentials="true"</a:t>
-            </a:r>
+            <a:endParaRPr lang="en-US" sz="2400" dirty="0">
+              <a:solidFill>
+                <a:schemeClr val="bg1"/>
+              </a:solidFill>
+              <a:latin typeface="Raleway Medium" panose="020B0603030101060003" pitchFamily="34" charset="77"/>
+            </a:endParaRPr>
           </a:p>
         </p:txBody>
       </p:sp>
@@ -4964,7 +5008,15 @@
                   <a:schemeClr val="accent3"/>
                 </a:solidFill>
               </a:rPr>
-              <a:t>elasticsearch</a:t>
+              <a:t>api</a:t>
+            </a:r>
+            <a:r>
+              <a:rPr lang="en-US" sz="6000" dirty="0">
+                <a:solidFill>
+                  <a:schemeClr val="accent3"/>
+                </a:solidFill>
+              </a:rPr>
+              <a:t> gateway application</a:t>
             </a:r>
             <a:endParaRPr lang="en-US" sz="6000" dirty="0"/>
           </a:p>
@@ -4973,7 +5025,7 @@
     </p:spTree>
     <p:extLst>
       <p:ext uri="{BB962C8B-B14F-4D97-AF65-F5344CB8AC3E}">
-        <p14:creationId xmlns:p14="http://schemas.microsoft.com/office/powerpoint/2010/main" val="3005429573"/>
+        <p14:creationId xmlns:p14="http://schemas.microsoft.com/office/powerpoint/2010/main" val="2735101198"/>
       </p:ext>
     </p:extLst>
   </p:cSld>
@@ -5286,7 +5338,7 @@
         <p:spPr>
           <a:xfrm>
             <a:off x="1311897" y="1168924"/>
-            <a:ext cx="9398524" cy="6709529"/>
+            <a:ext cx="9398524" cy="4093428"/>
           </a:xfrm>
           <a:prstGeom prst="rect">
             <a:avLst/>
@@ -5304,49 +5356,13 @@
               <a:buChar char="•"/>
             </a:pPr>
             <a:r>
-              <a:rPr lang="en-US" sz="2000" dirty="0">
-                <a:solidFill>
-                  <a:schemeClr val="bg1"/>
-                </a:solidFill>
-                <a:latin typeface="Raleway Medium" panose="020B0603030101060003" pitchFamily="34" charset="77"/>
-              </a:rPr>
-              <a:t>This applications uses the open source project </a:t>
-            </a:r>
-            <a:r>
-              <a:rPr lang="en-US" sz="2000" dirty="0" err="1">
-                <a:solidFill>
-                  <a:schemeClr val="bg1"/>
-                </a:solidFill>
-                <a:latin typeface="Raleway Medium" panose="020B0603030101060003" pitchFamily="34" charset="77"/>
-              </a:rPr>
-              <a:t>KrakenD</a:t>
-            </a:r>
-            <a:r>
-              <a:rPr lang="en-US" sz="2000" dirty="0">
-                <a:solidFill>
-                  <a:schemeClr val="bg1"/>
-                </a:solidFill>
-                <a:latin typeface="Raleway Medium" panose="020B0603030101060003" pitchFamily="34" charset="77"/>
-              </a:rPr>
-              <a:t> from the Cloud Native Compute Foundation (the same foundation that owns Kubernetes). It routes traffic to the appropriate application based on the path. It acts as traffic cop. For example, </a:t>
-            </a:r>
-            <a:r>
-              <a:rPr lang="en-US" sz="2000" dirty="0" err="1">
-                <a:solidFill>
-                  <a:schemeClr val="bg1"/>
-                </a:solidFill>
-                <a:latin typeface="Raleway Medium" panose="020B0603030101060003" pitchFamily="34" charset="77"/>
-              </a:rPr>
-              <a:t>xyz.com</a:t>
-            </a:r>
-            <a:r>
-              <a:rPr lang="en-US" sz="2000" dirty="0">
-                <a:solidFill>
-                  <a:schemeClr val="bg1"/>
-                </a:solidFill>
-                <a:latin typeface="Raleway Medium" panose="020B0603030101060003" pitchFamily="34" charset="77"/>
-              </a:rPr>
-              <a:t>/products will get routed to the product API application</a:t>
+              <a:rPr lang="en-US" sz="2400" dirty="0">
+                <a:solidFill>
+                  <a:schemeClr val="bg1"/>
+                </a:solidFill>
+                <a:latin typeface="Raleway Medium" panose="020B0603030101060003" pitchFamily="34" charset="77"/>
+              </a:rPr>
+              <a:t>This is a Python application. It reads the products from the product service and pushes them to Elasticsearch</a:t>
             </a:r>
           </a:p>
           <a:p>
@@ -5355,13 +5371,13 @@
               <a:buChar char="•"/>
             </a:pPr>
             <a:r>
-              <a:rPr lang="en-US" sz="2000" dirty="0">
-                <a:solidFill>
-                  <a:schemeClr val="bg1"/>
-                </a:solidFill>
-                <a:latin typeface="Raleway Medium" panose="020B0603030101060003" pitchFamily="34" charset="77"/>
-              </a:rPr>
-              <a:t>Runs on port 9000</a:t>
+              <a:rPr lang="en-US" sz="2400" dirty="0">
+                <a:solidFill>
+                  <a:schemeClr val="bg1"/>
+                </a:solidFill>
+                <a:latin typeface="Raleway Medium" panose="020B0603030101060003" pitchFamily="34" charset="77"/>
+              </a:rPr>
+              <a:t>The application does not listen on a port</a:t>
             </a:r>
           </a:p>
           <a:p>
@@ -5370,13 +5386,31 @@
               <a:buChar char="•"/>
             </a:pPr>
             <a:r>
-              <a:rPr lang="en-US" sz="2000" dirty="0">
-                <a:solidFill>
-                  <a:schemeClr val="bg1"/>
-                </a:solidFill>
-                <a:latin typeface="Raleway Medium" panose="020B0603030101060003" pitchFamily="34" charset="77"/>
-              </a:rPr>
-              <a:t>Application should be publicly accessible as the only endpoint for the backend API</a:t>
+              <a:rPr lang="en-US" sz="2400" dirty="0">
+                <a:solidFill>
+                  <a:schemeClr val="bg1"/>
+                </a:solidFill>
+                <a:latin typeface="Raleway Medium" panose="020B0603030101060003" pitchFamily="34" charset="77"/>
+              </a:rPr>
+              <a:t>The application can be run on a schedule using a </a:t>
+            </a:r>
+            <a:r>
+              <a:rPr lang="en-US" sz="2400" dirty="0" err="1">
+                <a:solidFill>
+                  <a:schemeClr val="bg1"/>
+                </a:solidFill>
+                <a:latin typeface="Raleway Medium" panose="020B0603030101060003" pitchFamily="34" charset="77"/>
+              </a:rPr>
+              <a:t>CronJob</a:t>
+            </a:r>
+            <a:r>
+              <a:rPr lang="en-US" sz="2400" dirty="0">
+                <a:solidFill>
+                  <a:schemeClr val="bg1"/>
+                </a:solidFill>
+                <a:latin typeface="Raleway Medium" panose="020B0603030101060003" pitchFamily="34" charset="77"/>
+              </a:rPr>
+              <a:t>.</a:t>
             </a:r>
           </a:p>
           <a:p>
@@ -5385,13 +5419,116 @@
               <a:buChar char="•"/>
             </a:pPr>
             <a:r>
-              <a:rPr lang="en-US" sz="2000" dirty="0">
-                <a:solidFill>
-                  <a:schemeClr val="bg1"/>
-                </a:solidFill>
-                <a:latin typeface="Raleway Medium" panose="020B0603030101060003" pitchFamily="34" charset="77"/>
-              </a:rPr>
-              <a:t>It communicates with other services:</a:t>
+              <a:rPr lang="en-US" sz="2400" dirty="0">
+                <a:solidFill>
+                  <a:schemeClr val="bg1"/>
+                </a:solidFill>
+                <a:latin typeface="Raleway Medium" panose="020B0603030101060003" pitchFamily="34" charset="77"/>
+              </a:rPr>
+              <a:t>It communicates with the product service at: </a:t>
+            </a:r>
+            <a:r>
+              <a:rPr lang="en-US" sz="2400" dirty="0">
+                <a:solidFill>
+                  <a:schemeClr val="bg1"/>
+                </a:solidFill>
+                <a:latin typeface="Raleway Medium" panose="020B0603030101060003" pitchFamily="34" charset="77"/>
+                <a:hlinkClick r:id="rId3"/>
+              </a:rPr>
+              <a:t>http://rvstore-product-api:9001</a:t>
+            </a:r>
+            <a:r>
+              <a:rPr lang="en-US" sz="2400" dirty="0">
+                <a:solidFill>
+                  <a:schemeClr val="bg1"/>
+                </a:solidFill>
+                <a:latin typeface="Raleway Medium" panose="020B0603030101060003" pitchFamily="34" charset="77"/>
+              </a:rPr>
+              <a:t> and the Elasticsearch service at http://elasticsearch:9200.</a:t>
+            </a:r>
+          </a:p>
+          <a:p>
+            <a:pPr marL="342900" indent="-342900">
+              <a:buFont typeface="Arial" panose="020B0604020202020204" pitchFamily="34" charset="0"/>
+              <a:buChar char="•"/>
+            </a:pPr>
+            <a:r>
+              <a:rPr lang="en-US" sz="2400" dirty="0">
+                <a:solidFill>
+                  <a:schemeClr val="bg1"/>
+                </a:solidFill>
+                <a:latin typeface="Raleway Medium" panose="020B0603030101060003" pitchFamily="34" charset="77"/>
+              </a:rPr>
+              <a:t>Docker image: </a:t>
+            </a:r>
+            <a:r>
+              <a:rPr lang="en-US" sz="2400" dirty="0" err="1">
+                <a:solidFill>
+                  <a:schemeClr val="bg1"/>
+                </a:solidFill>
+                <a:latin typeface="Raleway Medium" panose="020B0603030101060003" pitchFamily="34" charset="77"/>
+              </a:rPr>
+              <a:t>public.ecr.aws</a:t>
+            </a:r>
+            <a:r>
+              <a:rPr lang="en-US" sz="2400" dirty="0">
+                <a:solidFill>
+                  <a:schemeClr val="bg1"/>
+                </a:solidFill>
+                <a:latin typeface="Raleway Medium" panose="020B0603030101060003" pitchFamily="34" charset="77"/>
+              </a:rPr>
+              <a:t>/</a:t>
+            </a:r>
+            <a:r>
+              <a:rPr lang="en-US" sz="2400" dirty="0" err="1">
+                <a:solidFill>
+                  <a:schemeClr val="bg1"/>
+                </a:solidFill>
+                <a:latin typeface="Raleway Medium" panose="020B0603030101060003" pitchFamily="34" charset="77"/>
+              </a:rPr>
+              <a:t>vergeops</a:t>
+            </a:r>
+            <a:r>
+              <a:rPr lang="en-US" sz="2400" dirty="0">
+                <a:solidFill>
+                  <a:schemeClr val="bg1"/>
+                </a:solidFill>
+                <a:latin typeface="Raleway Medium" panose="020B0603030101060003" pitchFamily="34" charset="77"/>
+              </a:rPr>
+              <a:t>/</a:t>
+            </a:r>
+            <a:r>
+              <a:rPr lang="en-US" sz="2400" dirty="0" err="1">
+                <a:solidFill>
+                  <a:schemeClr val="bg1"/>
+                </a:solidFill>
+                <a:latin typeface="Raleway Medium" panose="020B0603030101060003" pitchFamily="34" charset="77"/>
+              </a:rPr>
+              <a:t>rvstore</a:t>
+            </a:r>
+            <a:r>
+              <a:rPr lang="en-US" sz="2400" dirty="0">
+                <a:solidFill>
+                  <a:schemeClr val="bg1"/>
+                </a:solidFill>
+                <a:latin typeface="Raleway Medium" panose="020B0603030101060003" pitchFamily="34" charset="77"/>
+              </a:rPr>
+              <a:t>-product-sync </a:t>
+            </a:r>
+          </a:p>
+          <a:p>
+            <a:pPr marL="342900" indent="-342900">
+              <a:buFont typeface="Arial" panose="020B0604020202020204" pitchFamily="34" charset="0"/>
+              <a:buChar char="•"/>
+            </a:pPr>
+            <a:r>
+              <a:rPr lang="en-US" sz="2400" dirty="0">
+                <a:solidFill>
+                  <a:schemeClr val="bg1"/>
+                </a:solidFill>
+                <a:latin typeface="Raleway Medium" panose="020B0603030101060003" pitchFamily="34" charset="77"/>
+              </a:rPr>
+              <a:t>Environment variable:</a:t>
             </a:r>
           </a:p>
           <a:p>
@@ -5406,193 +5543,8 @@
                 </a:solidFill>
                 <a:latin typeface="Raleway Medium" panose="020B0603030101060003" pitchFamily="34" charset="77"/>
               </a:rPr>
-              <a:t>Auth service at: http://rvstore-auth-api:9003/auth</a:t>
-            </a:r>
-          </a:p>
-          <a:p>
-            <a:pPr marL="800100" lvl="1" indent="-342900">
-              <a:buFont typeface="Arial" panose="020B0604020202020204" pitchFamily="34" charset="0"/>
-              <a:buChar char="•"/>
-            </a:pPr>
-            <a:r>
-              <a:rPr lang="en-US" sz="2000" dirty="0">
-                <a:solidFill>
-                  <a:schemeClr val="bg1"/>
-                </a:solidFill>
-                <a:latin typeface="Raleway Medium" panose="020B0603030101060003" pitchFamily="34" charset="77"/>
-              </a:rPr>
-              <a:t>Product service at: http://rvstore-product-api:9001/products</a:t>
-            </a:r>
-          </a:p>
-          <a:p>
-            <a:pPr marL="800100" lvl="1" indent="-342900">
-              <a:buFont typeface="Arial" panose="020B0604020202020204" pitchFamily="34" charset="0"/>
-              <a:buChar char="•"/>
-            </a:pPr>
-            <a:r>
-              <a:rPr lang="en-US" sz="2000" dirty="0">
-                <a:solidFill>
-                  <a:schemeClr val="bg1"/>
-                </a:solidFill>
-                <a:latin typeface="Raleway Medium" panose="020B0603030101060003" pitchFamily="34" charset="77"/>
-              </a:rPr>
-              <a:t>Order service at: </a:t>
-            </a:r>
-            <a:r>
-              <a:rPr lang="en-US" sz="2000" dirty="0">
-                <a:solidFill>
-                  <a:schemeClr val="bg1"/>
-                </a:solidFill>
-                <a:latin typeface="Raleway Medium" panose="020B0603030101060003" pitchFamily="34" charset="77"/>
-                <a:hlinkClick r:id="rId3"/>
-              </a:rPr>
-              <a:t>http://rvstore-order-api:9002/orders</a:t>
-            </a:r>
-            <a:endParaRPr lang="en-US" sz="2000" dirty="0">
-              <a:solidFill>
-                <a:schemeClr val="bg1"/>
-              </a:solidFill>
-              <a:latin typeface="Raleway Medium" panose="020B0603030101060003" pitchFamily="34" charset="77"/>
-            </a:endParaRPr>
-          </a:p>
-          <a:p>
-            <a:pPr marL="800100" lvl="1" indent="-342900">
-              <a:buFont typeface="Arial" panose="020B0604020202020204" pitchFamily="34" charset="0"/>
-              <a:buChar char="•"/>
-            </a:pPr>
-            <a:r>
-              <a:rPr lang="en-US" sz="2000" dirty="0">
-                <a:solidFill>
-                  <a:schemeClr val="bg1"/>
-                </a:solidFill>
-                <a:latin typeface="Raleway Medium" panose="020B0603030101060003" pitchFamily="34" charset="77"/>
-              </a:rPr>
-              <a:t>Elasticsearch at: http://elasticsearch:9200</a:t>
-            </a:r>
-          </a:p>
-          <a:p>
-            <a:pPr marL="342900" indent="-342900">
-              <a:buFont typeface="Arial" panose="020B0604020202020204" pitchFamily="34" charset="0"/>
-              <a:buChar char="•"/>
-            </a:pPr>
-            <a:r>
-              <a:rPr lang="en-US" sz="2000" dirty="0">
-                <a:solidFill>
-                  <a:schemeClr val="bg1"/>
-                </a:solidFill>
-                <a:latin typeface="Raleway Medium" panose="020B0603030101060003" pitchFamily="34" charset="77"/>
-              </a:rPr>
-              <a:t>Docker image: </a:t>
-            </a:r>
-            <a:r>
-              <a:rPr lang="en-US" sz="2000" dirty="0" err="1">
-                <a:solidFill>
-                  <a:schemeClr val="bg1"/>
-                </a:solidFill>
-                <a:latin typeface="Raleway Medium" panose="020B0603030101060003" pitchFamily="34" charset="77"/>
-              </a:rPr>
-              <a:t>public.ecr.aws</a:t>
-            </a:r>
-            <a:r>
-              <a:rPr lang="en-US" sz="2000" dirty="0">
-                <a:solidFill>
-                  <a:schemeClr val="bg1"/>
-                </a:solidFill>
-                <a:latin typeface="Raleway Medium" panose="020B0603030101060003" pitchFamily="34" charset="77"/>
-              </a:rPr>
-              <a:t>/</a:t>
-            </a:r>
-            <a:r>
-              <a:rPr lang="en-US" sz="2000" dirty="0" err="1">
-                <a:solidFill>
-                  <a:schemeClr val="bg1"/>
-                </a:solidFill>
-                <a:latin typeface="Raleway Medium" panose="020B0603030101060003" pitchFamily="34" charset="77"/>
-              </a:rPr>
-              <a:t>vergeops</a:t>
-            </a:r>
-            <a:r>
-              <a:rPr lang="en-US" sz="2000" dirty="0">
-                <a:solidFill>
-                  <a:schemeClr val="bg1"/>
-                </a:solidFill>
-                <a:latin typeface="Raleway Medium" panose="020B0603030101060003" pitchFamily="34" charset="77"/>
-              </a:rPr>
-              <a:t>/</a:t>
-            </a:r>
-            <a:r>
-              <a:rPr lang="en-US" sz="2000" dirty="0" err="1">
-                <a:solidFill>
-                  <a:schemeClr val="bg1"/>
-                </a:solidFill>
-                <a:latin typeface="Raleway Medium" panose="020B0603030101060003" pitchFamily="34" charset="77"/>
-              </a:rPr>
-              <a:t>rvstore</a:t>
-            </a:r>
-            <a:r>
-              <a:rPr lang="en-US" sz="2000" dirty="0">
-                <a:solidFill>
-                  <a:schemeClr val="bg1"/>
-                </a:solidFill>
-                <a:latin typeface="Raleway Medium" panose="020B0603030101060003" pitchFamily="34" charset="77"/>
-              </a:rPr>
-              <a:t>-gateway-service</a:t>
-            </a:r>
-          </a:p>
-          <a:p>
-            <a:pPr marL="800100" lvl="1" indent="-342900">
-              <a:buFont typeface="Arial" panose="020B0604020202020204" pitchFamily="34" charset="0"/>
-              <a:buChar char="•"/>
-            </a:pPr>
-            <a:endParaRPr lang="en-US" dirty="0"/>
-          </a:p>
-          <a:p>
-            <a:br>
-              <a:rPr lang="en-US" dirty="0"/>
-            </a:br>
-            <a:endParaRPr lang="en-US" dirty="0"/>
-          </a:p>
-          <a:p>
-            <a:pPr marL="800100" lvl="1" indent="-342900">
-              <a:buFont typeface="Arial" panose="020B0604020202020204" pitchFamily="34" charset="0"/>
-              <a:buChar char="•"/>
-            </a:pPr>
-            <a:endParaRPr lang="en-US" sz="2400" dirty="0">
-              <a:solidFill>
-                <a:schemeClr val="bg1"/>
-              </a:solidFill>
-              <a:latin typeface="Raleway Medium" panose="020B0603030101060003" pitchFamily="34" charset="77"/>
-            </a:endParaRPr>
-          </a:p>
-          <a:p>
-            <a:pPr marL="800100" lvl="1" indent="-342900">
-              <a:buFont typeface="Arial" panose="020B0604020202020204" pitchFamily="34" charset="0"/>
-              <a:buChar char="•"/>
-            </a:pPr>
-            <a:endParaRPr lang="en-US" sz="2400" dirty="0">
-              <a:solidFill>
-                <a:schemeClr val="bg1"/>
-              </a:solidFill>
-              <a:latin typeface="Raleway Medium" panose="020B0603030101060003" pitchFamily="34" charset="77"/>
-            </a:endParaRPr>
-          </a:p>
-          <a:p>
-            <a:pPr marL="342900" indent="-342900">
-              <a:buFont typeface="Arial" panose="020B0604020202020204" pitchFamily="34" charset="0"/>
-              <a:buChar char="•"/>
-            </a:pPr>
-            <a:endParaRPr lang="en-US" sz="2400" dirty="0">
-              <a:solidFill>
-                <a:schemeClr val="bg1"/>
-              </a:solidFill>
-              <a:latin typeface="Raleway Medium" panose="020B0603030101060003" pitchFamily="34" charset="77"/>
-            </a:endParaRPr>
-          </a:p>
-          <a:p>
-            <a:pPr marL="285750" indent="-285750">
-              <a:buFont typeface="Arial" panose="020B0604020202020204" pitchFamily="34" charset="0"/>
-              <a:buChar char="•"/>
-            </a:pPr>
+              <a:t>JOB: "true"</a:t>
+            </a:r>
             <a:endParaRPr lang="en-US" sz="2400" dirty="0">
               <a:solidFill>
                 <a:schemeClr val="bg1"/>
@@ -5648,20 +5600,12 @@
               <a:t> store – </a:t>
             </a:r>
             <a:r>
-              <a:rPr lang="en-US" sz="6000" dirty="0" err="1">
+              <a:rPr lang="en-US" sz="6000" dirty="0">
                 <a:solidFill>
                   <a:schemeClr val="accent3"/>
                 </a:solidFill>
               </a:rPr>
-              <a:t>api</a:t>
-            </a:r>
-            <a:r>
-              <a:rPr lang="en-US" sz="6000" dirty="0">
-                <a:solidFill>
-                  <a:schemeClr val="accent3"/>
-                </a:solidFill>
-              </a:rPr>
-              <a:t> gateway application</a:t>
+              <a:t>product sync application</a:t>
             </a:r>
             <a:endParaRPr lang="en-US" sz="6000" dirty="0"/>
           </a:p>
@@ -5670,7 +5614,7 @@
     </p:spTree>
     <p:extLst>
       <p:ext uri="{BB962C8B-B14F-4D97-AF65-F5344CB8AC3E}">
-        <p14:creationId xmlns:p14="http://schemas.microsoft.com/office/powerpoint/2010/main" val="2735101198"/>
+        <p14:creationId xmlns:p14="http://schemas.microsoft.com/office/powerpoint/2010/main" val="4208357364"/>
       </p:ext>
     </p:extLst>
   </p:cSld>
@@ -5983,7 +5927,7 @@
         <p:spPr>
           <a:xfrm>
             <a:off x="1311897" y="1168924"/>
-            <a:ext cx="9398524" cy="4093428"/>
+            <a:ext cx="9398524" cy="5016758"/>
           </a:xfrm>
           <a:prstGeom prst="rect">
             <a:avLst/>
@@ -6001,13 +5945,31 @@
               <a:buChar char="•"/>
             </a:pPr>
             <a:r>
-              <a:rPr lang="en-US" sz="2400" dirty="0">
-                <a:solidFill>
-                  <a:schemeClr val="bg1"/>
-                </a:solidFill>
-                <a:latin typeface="Raleway Medium" panose="020B0603030101060003" pitchFamily="34" charset="77"/>
-              </a:rPr>
-              <a:t>This is a Python application. It reads the products from the product service and pushes them to Elasticsearch</a:t>
+              <a:rPr lang="en-US" sz="2000" dirty="0">
+                <a:solidFill>
+                  <a:schemeClr val="bg1"/>
+                </a:solidFill>
+                <a:latin typeface="Raleway Medium" panose="020B0603030101060003" pitchFamily="34" charset="77"/>
+              </a:rPr>
+              <a:t>NOTE: There is already a file named </a:t>
+            </a:r>
+            <a:r>
+              <a:rPr lang="en-US" sz="2000" dirty="0" err="1">
+                <a:solidFill>
+                  <a:schemeClr val="bg1"/>
+                </a:solidFill>
+                <a:latin typeface="Raleway Medium" panose="020B0603030101060003" pitchFamily="34" charset="77"/>
+              </a:rPr>
+              <a:t>elasticsearch.yaml</a:t>
+            </a:r>
+            <a:r>
+              <a:rPr lang="en-US" sz="2000" dirty="0">
+                <a:solidFill>
+                  <a:schemeClr val="bg1"/>
+                </a:solidFill>
+                <a:latin typeface="Raleway Medium" panose="020B0603030101060003" pitchFamily="34" charset="77"/>
+              </a:rPr>
+              <a:t> in the working directory. You can just run it to have a working Elasticsearch.</a:t>
             </a:r>
           </a:p>
           <a:p>
@@ -6016,13 +5978,13 @@
               <a:buChar char="•"/>
             </a:pPr>
             <a:r>
-              <a:rPr lang="en-US" sz="2400" dirty="0">
-                <a:solidFill>
-                  <a:schemeClr val="bg1"/>
-                </a:solidFill>
-                <a:latin typeface="Raleway Medium" panose="020B0603030101060003" pitchFamily="34" charset="77"/>
-              </a:rPr>
-              <a:t>The application does not listen on a port</a:t>
+              <a:rPr lang="en-US" sz="2000" dirty="0">
+                <a:solidFill>
+                  <a:schemeClr val="bg1"/>
+                </a:solidFill>
+                <a:latin typeface="Raleway Medium" panose="020B0603030101060003" pitchFamily="34" charset="77"/>
+              </a:rPr>
+              <a:t>This is the stock Elasticsearch image from Docker Hub. It stores products to make them searchable. The product sync service populates it with products from the product service.</a:t>
             </a:r>
           </a:p>
           <a:p>
@@ -6031,31 +5993,13 @@
               <a:buChar char="•"/>
             </a:pPr>
             <a:r>
-              <a:rPr lang="en-US" sz="2400" dirty="0">
-                <a:solidFill>
-                  <a:schemeClr val="bg1"/>
-                </a:solidFill>
-                <a:latin typeface="Raleway Medium" panose="020B0603030101060003" pitchFamily="34" charset="77"/>
-              </a:rPr>
-              <a:t>The application can be run on a schedule using a </a:t>
-            </a:r>
-            <a:r>
-              <a:rPr lang="en-US" sz="2400" dirty="0" err="1">
-                <a:solidFill>
-                  <a:schemeClr val="bg1"/>
-                </a:solidFill>
-                <a:latin typeface="Raleway Medium" panose="020B0603030101060003" pitchFamily="34" charset="77"/>
-              </a:rPr>
-              <a:t>CronJob</a:t>
-            </a:r>
-            <a:r>
-              <a:rPr lang="en-US" sz="2400" dirty="0">
-                <a:solidFill>
-                  <a:schemeClr val="bg1"/>
-                </a:solidFill>
-                <a:latin typeface="Raleway Medium" panose="020B0603030101060003" pitchFamily="34" charset="77"/>
-              </a:rPr>
-              <a:t>.</a:t>
+              <a:rPr lang="en-US" sz="2000" dirty="0">
+                <a:solidFill>
+                  <a:schemeClr val="bg1"/>
+                </a:solidFill>
+                <a:latin typeface="Raleway Medium" panose="020B0603030101060003" pitchFamily="34" charset="77"/>
+              </a:rPr>
+              <a:t>The application listens on port 9200</a:t>
             </a:r>
           </a:p>
           <a:p>
@@ -6064,32 +6008,31 @@
               <a:buChar char="•"/>
             </a:pPr>
             <a:r>
-              <a:rPr lang="en-US" sz="2400" dirty="0">
-                <a:solidFill>
-                  <a:schemeClr val="bg1"/>
-                </a:solidFill>
-                <a:latin typeface="Raleway Medium" panose="020B0603030101060003" pitchFamily="34" charset="77"/>
-              </a:rPr>
-              <a:t>It communicates with the product service at: </a:t>
-            </a:r>
-            <a:r>
-              <a:rPr lang="en-US" sz="2400" dirty="0">
-                <a:solidFill>
-                  <a:schemeClr val="bg1"/>
-                </a:solidFill>
-                <a:latin typeface="Raleway Medium" panose="020B0603030101060003" pitchFamily="34" charset="77"/>
-                <a:hlinkClick r:id="rId3"/>
-              </a:rPr>
-              <a:t>http://rvstore-product-api:9001</a:t>
-            </a:r>
-            <a:r>
-              <a:rPr lang="en-US" sz="2400" dirty="0">
-                <a:solidFill>
-                  <a:schemeClr val="bg1"/>
-                </a:solidFill>
-                <a:latin typeface="Raleway Medium" panose="020B0603030101060003" pitchFamily="34" charset="77"/>
-              </a:rPr>
-              <a:t> and the Elasticsearch service at http://elasticsearch:9200.</a:t>
+              <a:rPr lang="en-US" sz="2000" dirty="0">
+                <a:solidFill>
+                  <a:schemeClr val="bg1"/>
+                </a:solidFill>
+                <a:latin typeface="Raleway Medium" panose="020B0603030101060003" pitchFamily="34" charset="77"/>
+              </a:rPr>
+              <a:t>Run it as a </a:t>
+            </a:r>
+            <a:r>
+              <a:rPr lang="en-US" sz="2000" dirty="0" err="1">
+                <a:solidFill>
+                  <a:schemeClr val="bg1"/>
+                </a:solidFill>
+                <a:latin typeface="Raleway Medium" panose="020B0603030101060003" pitchFamily="34" charset="77"/>
+              </a:rPr>
+              <a:t>StatefulSet</a:t>
+            </a:r>
+            <a:r>
+              <a:rPr lang="en-US" sz="2000" dirty="0">
+                <a:solidFill>
+                  <a:schemeClr val="bg1"/>
+                </a:solidFill>
+                <a:latin typeface="Raleway Medium" panose="020B0603030101060003" pitchFamily="34" charset="77"/>
+              </a:rPr>
+              <a:t> with a single replica.</a:t>
             </a:r>
           </a:p>
           <a:p>
@@ -6098,67 +6041,13 @@
               <a:buChar char="•"/>
             </a:pPr>
             <a:r>
-              <a:rPr lang="en-US" sz="2400" dirty="0">
-                <a:solidFill>
-                  <a:schemeClr val="bg1"/>
-                </a:solidFill>
-                <a:latin typeface="Raleway Medium" panose="020B0603030101060003" pitchFamily="34" charset="77"/>
-              </a:rPr>
-              <a:t>Docker image: </a:t>
-            </a:r>
-            <a:r>
-              <a:rPr lang="en-US" sz="2400" dirty="0" err="1">
-                <a:solidFill>
-                  <a:schemeClr val="bg1"/>
-                </a:solidFill>
-                <a:latin typeface="Raleway Medium" panose="020B0603030101060003" pitchFamily="34" charset="77"/>
-              </a:rPr>
-              <a:t>public.ecr.aws</a:t>
-            </a:r>
-            <a:r>
-              <a:rPr lang="en-US" sz="2400" dirty="0">
-                <a:solidFill>
-                  <a:schemeClr val="bg1"/>
-                </a:solidFill>
-                <a:latin typeface="Raleway Medium" panose="020B0603030101060003" pitchFamily="34" charset="77"/>
-              </a:rPr>
-              <a:t>/</a:t>
-            </a:r>
-            <a:r>
-              <a:rPr lang="en-US" sz="2400" dirty="0" err="1">
-                <a:solidFill>
-                  <a:schemeClr val="bg1"/>
-                </a:solidFill>
-                <a:latin typeface="Raleway Medium" panose="020B0603030101060003" pitchFamily="34" charset="77"/>
-              </a:rPr>
-              <a:t>vergeops</a:t>
-            </a:r>
-            <a:r>
-              <a:rPr lang="en-US" sz="2400" dirty="0">
-                <a:solidFill>
-                  <a:schemeClr val="bg1"/>
-                </a:solidFill>
-                <a:latin typeface="Raleway Medium" panose="020B0603030101060003" pitchFamily="34" charset="77"/>
-              </a:rPr>
-              <a:t>/</a:t>
-            </a:r>
-            <a:r>
-              <a:rPr lang="en-US" sz="2400" dirty="0" err="1">
-                <a:solidFill>
-                  <a:schemeClr val="bg1"/>
-                </a:solidFill>
-                <a:latin typeface="Raleway Medium" panose="020B0603030101060003" pitchFamily="34" charset="77"/>
-              </a:rPr>
-              <a:t>rvstore</a:t>
-            </a:r>
-            <a:r>
-              <a:rPr lang="en-US" sz="2400" dirty="0">
-                <a:solidFill>
-                  <a:schemeClr val="bg1"/>
-                </a:solidFill>
-                <a:latin typeface="Raleway Medium" panose="020B0603030101060003" pitchFamily="34" charset="77"/>
-              </a:rPr>
-              <a:t>-product-sync </a:t>
+              <a:rPr lang="en-US" sz="2000" dirty="0">
+                <a:solidFill>
+                  <a:schemeClr val="bg1"/>
+                </a:solidFill>
+                <a:latin typeface="Raleway Medium" panose="020B0603030101060003" pitchFamily="34" charset="77"/>
+              </a:rPr>
+              <a:t>Docker image: elasticsearch:7.13.4</a:t>
             </a:r>
           </a:p>
           <a:p>
@@ -6167,13 +6056,13 @@
               <a:buChar char="•"/>
             </a:pPr>
             <a:r>
-              <a:rPr lang="en-US" sz="2400" dirty="0">
-                <a:solidFill>
-                  <a:schemeClr val="bg1"/>
-                </a:solidFill>
-                <a:latin typeface="Raleway Medium" panose="020B0603030101060003" pitchFamily="34" charset="77"/>
-              </a:rPr>
-              <a:t>Environment variable:</a:t>
+              <a:rPr lang="en-US" sz="2000" dirty="0">
+                <a:solidFill>
+                  <a:schemeClr val="bg1"/>
+                </a:solidFill>
+                <a:latin typeface="Raleway Medium" panose="020B0603030101060003" pitchFamily="34" charset="77"/>
+              </a:rPr>
+              <a:t>Environment variables:</a:t>
             </a:r>
           </a:p>
           <a:p>
@@ -6182,20 +6071,134 @@
               <a:buChar char="•"/>
             </a:pPr>
             <a:r>
+              <a:rPr lang="en-US" sz="2000" dirty="0" err="1">
+                <a:solidFill>
+                  <a:schemeClr val="bg1"/>
+                </a:solidFill>
+                <a:latin typeface="Raleway Medium" panose="020B0603030101060003" pitchFamily="34" charset="77"/>
+              </a:rPr>
+              <a:t>discovery.type</a:t>
+            </a:r>
+            <a:r>
               <a:rPr lang="en-US" sz="2000" dirty="0">
                 <a:solidFill>
                   <a:schemeClr val="bg1"/>
                 </a:solidFill>
                 <a:latin typeface="Raleway Medium" panose="020B0603030101060003" pitchFamily="34" charset="77"/>
               </a:rPr>
-              <a:t>JOB: "true"</a:t>
-            </a:r>
-            <a:endParaRPr lang="en-US" sz="2400" dirty="0">
-              <a:solidFill>
-                <a:schemeClr val="bg1"/>
-              </a:solidFill>
-              <a:latin typeface="Raleway Medium" panose="020B0603030101060003" pitchFamily="34" charset="77"/>
-            </a:endParaRPr>
+              <a:t>=single-node</a:t>
+            </a:r>
+          </a:p>
+          <a:p>
+            <a:pPr marL="800100" lvl="1" indent="-342900">
+              <a:buFont typeface="Arial" panose="020B0604020202020204" pitchFamily="34" charset="0"/>
+              <a:buChar char="•"/>
+            </a:pPr>
+            <a:r>
+              <a:rPr lang="en-US" sz="2000" dirty="0">
+                <a:solidFill>
+                  <a:schemeClr val="bg1"/>
+                </a:solidFill>
+                <a:latin typeface="Raleway Medium" panose="020B0603030101060003" pitchFamily="34" charset="77"/>
+              </a:rPr>
+              <a:t>ES_JAVA_OPTS=-Xms256m -Xmx256m</a:t>
+            </a:r>
+          </a:p>
+          <a:p>
+            <a:pPr marL="800100" lvl="1" indent="-342900">
+              <a:buFont typeface="Arial" panose="020B0604020202020204" pitchFamily="34" charset="0"/>
+              <a:buChar char="•"/>
+            </a:pPr>
+            <a:r>
+              <a:rPr lang="en-US" sz="2000" dirty="0" err="1">
+                <a:solidFill>
+                  <a:schemeClr val="bg1"/>
+                </a:solidFill>
+                <a:latin typeface="Raleway Medium" panose="020B0603030101060003" pitchFamily="34" charset="77"/>
+              </a:rPr>
+              <a:t>http.cors.allow</a:t>
+            </a:r>
+            <a:r>
+              <a:rPr lang="en-US" sz="2000" dirty="0">
+                <a:solidFill>
+                  <a:schemeClr val="bg1"/>
+                </a:solidFill>
+                <a:latin typeface="Raleway Medium" panose="020B0603030101060003" pitchFamily="34" charset="77"/>
+              </a:rPr>
+              <a:t>-origin="*"</a:t>
+            </a:r>
+          </a:p>
+          <a:p>
+            <a:pPr marL="800100" lvl="1" indent="-342900">
+              <a:buFont typeface="Arial" panose="020B0604020202020204" pitchFamily="34" charset="0"/>
+              <a:buChar char="•"/>
+            </a:pPr>
+            <a:r>
+              <a:rPr lang="en-US" sz="2000" dirty="0" err="1">
+                <a:solidFill>
+                  <a:schemeClr val="bg1"/>
+                </a:solidFill>
+                <a:latin typeface="Raleway Medium" panose="020B0603030101060003" pitchFamily="34" charset="77"/>
+              </a:rPr>
+              <a:t>http.cors.enabled</a:t>
+            </a:r>
+            <a:r>
+              <a:rPr lang="en-US" sz="2000" dirty="0">
+                <a:solidFill>
+                  <a:schemeClr val="bg1"/>
+                </a:solidFill>
+                <a:latin typeface="Raleway Medium" panose="020B0603030101060003" pitchFamily="34" charset="77"/>
+              </a:rPr>
+              <a:t>="true"</a:t>
+            </a:r>
+          </a:p>
+          <a:p>
+            <a:pPr marL="800100" lvl="1" indent="-342900">
+              <a:buFont typeface="Arial" panose="020B0604020202020204" pitchFamily="34" charset="0"/>
+              <a:buChar char="•"/>
+            </a:pPr>
+            <a:r>
+              <a:rPr lang="en-US" sz="2000" dirty="0" err="1">
+                <a:solidFill>
+                  <a:schemeClr val="bg1"/>
+                </a:solidFill>
+                <a:latin typeface="Raleway Medium" panose="020B0603030101060003" pitchFamily="34" charset="77"/>
+              </a:rPr>
+              <a:t>http.cors.allow</a:t>
+            </a:r>
+            <a:r>
+              <a:rPr lang="en-US" sz="2000" dirty="0">
+                <a:solidFill>
+                  <a:schemeClr val="bg1"/>
+                </a:solidFill>
+                <a:latin typeface="Raleway Medium" panose="020B0603030101060003" pitchFamily="34" charset="77"/>
+              </a:rPr>
+              <a:t>-headers=X-Requested-With,X-Auth-Token,Content-Type,Content-Length,Authorization</a:t>
+            </a:r>
+          </a:p>
+          <a:p>
+            <a:pPr marL="800100" lvl="1" indent="-342900">
+              <a:buFont typeface="Arial" panose="020B0604020202020204" pitchFamily="34" charset="0"/>
+              <a:buChar char="•"/>
+            </a:pPr>
+            <a:r>
+              <a:rPr lang="en-US" sz="2000" dirty="0" err="1">
+                <a:solidFill>
+                  <a:schemeClr val="bg1"/>
+                </a:solidFill>
+                <a:latin typeface="Raleway Medium" panose="020B0603030101060003" pitchFamily="34" charset="77"/>
+              </a:rPr>
+              <a:t>http.cors.allow</a:t>
+            </a:r>
+            <a:r>
+              <a:rPr lang="en-US" sz="2000" dirty="0">
+                <a:solidFill>
+                  <a:schemeClr val="bg1"/>
+                </a:solidFill>
+                <a:latin typeface="Raleway Medium" panose="020B0603030101060003" pitchFamily="34" charset="77"/>
+              </a:rPr>
+              <a:t>-credentials="true"</a:t>
+            </a:r>
           </a:p>
         </p:txBody>
       </p:sp>
@@ -6245,12 +6248,12 @@
               <a:t> store – </a:t>
             </a:r>
             <a:r>
-              <a:rPr lang="en-US" sz="6000" dirty="0">
+              <a:rPr lang="en-US" sz="6000" dirty="0" err="1">
                 <a:solidFill>
                   <a:schemeClr val="accent3"/>
                 </a:solidFill>
               </a:rPr>
-              <a:t>product sync application</a:t>
+              <a:t>elasticsearch</a:t>
             </a:r>
             <a:endParaRPr lang="en-US" sz="6000" dirty="0"/>
           </a:p>
@@ -6259,7 +6262,7 @@
     </p:spTree>
     <p:extLst>
       <p:ext uri="{BB962C8B-B14F-4D97-AF65-F5344CB8AC3E}">
-        <p14:creationId xmlns:p14="http://schemas.microsoft.com/office/powerpoint/2010/main" val="4208357364"/>
+        <p14:creationId xmlns:p14="http://schemas.microsoft.com/office/powerpoint/2010/main" val="3005429573"/>
       </p:ext>
     </p:extLst>
   </p:cSld>
@@ -6572,7 +6575,7 @@
         <p:spPr>
           <a:xfrm>
             <a:off x="1311897" y="1168924"/>
-            <a:ext cx="9398524" cy="5447645"/>
+            <a:ext cx="9398524" cy="6555641"/>
           </a:xfrm>
           <a:prstGeom prst="rect">
             <a:avLst/>
@@ -6584,6 +6587,39 @@
             <a:spAutoFit/>
           </a:bodyPr>
           <a:lstStyle/>
+          <a:p>
+            <a:pPr marL="342900" indent="-342900">
+              <a:buFont typeface="Arial" panose="020B0604020202020204" pitchFamily="34" charset="0"/>
+              <a:buChar char="•"/>
+            </a:pPr>
+            <a:r>
+              <a:rPr lang="en-US" sz="2400" dirty="0">
+                <a:solidFill>
+                  <a:schemeClr val="bg1"/>
+                </a:solidFill>
+                <a:latin typeface="Raleway Medium" panose="020B0603030101060003" pitchFamily="34" charset="77"/>
+              </a:rPr>
+              <a:t>NOTE: There is already a file named mongo-</a:t>
+            </a:r>
+            <a:r>
+              <a:rPr lang="en-US" sz="2400" dirty="0" err="1">
+                <a:solidFill>
+                  <a:schemeClr val="bg1"/>
+                </a:solidFill>
+                <a:latin typeface="Raleway Medium" panose="020B0603030101060003" pitchFamily="34" charset="77"/>
+              </a:rPr>
+              <a:t>stack.yaml</a:t>
+            </a:r>
+            <a:r>
+              <a:rPr lang="en-US" sz="2400" dirty="0">
+                <a:solidFill>
+                  <a:schemeClr val="bg1"/>
+                </a:solidFill>
+                <a:latin typeface="Raleway Medium" panose="020B0603030101060003" pitchFamily="34" charset="77"/>
+              </a:rPr>
+              <a:t> in the working directory. You can just run it to have a working MongoDB.</a:t>
+            </a:r>
+          </a:p>
           <a:p>
             <a:pPr marL="342900" indent="-342900">
               <a:buFont typeface="Arial" panose="020B0604020202020204" pitchFamily="34" charset="0"/>
@@ -9746,7 +9782,7 @@
         <p:spPr>
           <a:xfrm>
             <a:off x="1311897" y="1168924"/>
-            <a:ext cx="9398524" cy="4401205"/>
+            <a:ext cx="9398524" cy="5940088"/>
           </a:xfrm>
           <a:prstGeom prst="rect">
             <a:avLst/>
@@ -9861,6 +9897,102 @@
               </a:rPr>
               <a:t> port-forward.</a:t>
             </a:r>
+          </a:p>
+          <a:p>
+            <a:endParaRPr lang="en-US" sz="2000" dirty="0">
+              <a:solidFill>
+                <a:schemeClr val="bg1"/>
+              </a:solidFill>
+              <a:latin typeface="Raleway Medium" panose="020B0603030101060003" pitchFamily="34" charset="77"/>
+            </a:endParaRPr>
+          </a:p>
+          <a:p>
+            <a:r>
+              <a:rPr lang="en-US" sz="2000" dirty="0">
+                <a:solidFill>
+                  <a:schemeClr val="bg1"/>
+                </a:solidFill>
+                <a:latin typeface="Raleway Medium" panose="020B0603030101060003" pitchFamily="34" charset="77"/>
+              </a:rPr>
+              <a:t>NOTE: In the </a:t>
+            </a:r>
+            <a:r>
+              <a:rPr lang="en-US" sz="2000" dirty="0" err="1">
+                <a:solidFill>
+                  <a:schemeClr val="bg1"/>
+                </a:solidFill>
+                <a:latin typeface="Raleway Medium" panose="020B0603030101060003" pitchFamily="34" charset="77"/>
+              </a:rPr>
+              <a:t>rvstore_hackathon</a:t>
+            </a:r>
+            <a:r>
+              <a:rPr lang="en-US" sz="2000" dirty="0">
+                <a:solidFill>
+                  <a:schemeClr val="bg1"/>
+                </a:solidFill>
+                <a:latin typeface="Raleway Medium" panose="020B0603030101060003" pitchFamily="34" charset="77"/>
+              </a:rPr>
+              <a:t> directory is another directory named </a:t>
+            </a:r>
+            <a:r>
+              <a:rPr lang="en-US" sz="2000" dirty="0" err="1">
+                <a:solidFill>
+                  <a:schemeClr val="bg1"/>
+                </a:solidFill>
+                <a:latin typeface="Raleway Medium" panose="020B0603030101060003" pitchFamily="34" charset="77"/>
+              </a:rPr>
+              <a:t>working_dir</a:t>
+            </a:r>
+            <a:r>
+              <a:rPr lang="en-US" sz="2000" dirty="0">
+                <a:solidFill>
+                  <a:schemeClr val="bg1"/>
+                </a:solidFill>
+                <a:latin typeface="Raleway Medium" panose="020B0603030101060003" pitchFamily="34" charset="77"/>
+              </a:rPr>
+              <a:t>. I suggest you create your </a:t>
+            </a:r>
+            <a:r>
+              <a:rPr lang="en-US" sz="2000" dirty="0" err="1">
+                <a:solidFill>
+                  <a:schemeClr val="bg1"/>
+                </a:solidFill>
+                <a:latin typeface="Raleway Medium" panose="020B0603030101060003" pitchFamily="34" charset="77"/>
+              </a:rPr>
+              <a:t>yaml</a:t>
+            </a:r>
+            <a:r>
+              <a:rPr lang="en-US" sz="2000" dirty="0">
+                <a:solidFill>
+                  <a:schemeClr val="bg1"/>
+                </a:solidFill>
+                <a:latin typeface="Raleway Medium" panose="020B0603030101060003" pitchFamily="34" charset="77"/>
+              </a:rPr>
+              <a:t> files there. You'll find a couple files </a:t>
+            </a:r>
+            <a:r>
+              <a:rPr lang="en-US" sz="2000">
+                <a:solidFill>
+                  <a:schemeClr val="bg1"/>
+                </a:solidFill>
+                <a:latin typeface="Raleway Medium" panose="020B0603030101060003" pitchFamily="34" charset="77"/>
+              </a:rPr>
+              <a:t>already there to get you started.</a:t>
+            </a:r>
+            <a:endParaRPr lang="en-US" sz="2000" dirty="0">
+              <a:solidFill>
+                <a:schemeClr val="bg1"/>
+              </a:solidFill>
+              <a:latin typeface="Raleway Medium" panose="020B0603030101060003" pitchFamily="34" charset="77"/>
+            </a:endParaRPr>
+          </a:p>
+          <a:p>
+            <a:endParaRPr lang="en-US" sz="2000" dirty="0">
+              <a:solidFill>
+                <a:schemeClr val="bg1"/>
+              </a:solidFill>
+              <a:latin typeface="Raleway Medium" panose="020B0603030101060003" pitchFamily="34" charset="77"/>
+            </a:endParaRPr>
           </a:p>
         </p:txBody>
       </p:sp>
